--- a/Персистентное дерево поиска.pptx
+++ b/Персистентное дерево поиска.pptx
@@ -14,13 +14,21 @@
     <p:sldId id="262" r:id="rId8"/>
     <p:sldId id="263" r:id="rId9"/>
     <p:sldId id="264" r:id="rId10"/>
-    <p:sldId id="265" r:id="rId11"/>
-    <p:sldId id="266" r:id="rId12"/>
-    <p:sldId id="267" r:id="rId13"/>
-    <p:sldId id="268" r:id="rId14"/>
-    <p:sldId id="269" r:id="rId15"/>
-    <p:sldId id="271" r:id="rId16"/>
-    <p:sldId id="270" r:id="rId17"/>
+    <p:sldId id="272" r:id="rId11"/>
+    <p:sldId id="273" r:id="rId12"/>
+    <p:sldId id="274" r:id="rId13"/>
+    <p:sldId id="265" r:id="rId14"/>
+    <p:sldId id="266" r:id="rId15"/>
+    <p:sldId id="267" r:id="rId16"/>
+    <p:sldId id="268" r:id="rId17"/>
+    <p:sldId id="276" r:id="rId18"/>
+    <p:sldId id="277" r:id="rId19"/>
+    <p:sldId id="278" r:id="rId20"/>
+    <p:sldId id="279" r:id="rId21"/>
+    <p:sldId id="280" r:id="rId22"/>
+    <p:sldId id="269" r:id="rId23"/>
+    <p:sldId id="271" r:id="rId24"/>
+    <p:sldId id="270" r:id="rId25"/>
   </p:sldIdLst>
   <p:sldSz cx="12192000" cy="6858000"/>
   <p:notesSz cx="6858000" cy="9144000"/>
@@ -119,6 +127,11 @@
       </a:defRPr>
     </a:lvl9pPr>
   </p:defaultTextStyle>
+  <p:extLst>
+    <p:ext uri="{EFAFB233-063F-42B5-8137-9DF3F51BA10A}">
+      <p15:sldGuideLst xmlns:p15="http://schemas.microsoft.com/office/powerpoint/2012/main"/>
+    </p:ext>
+  </p:extLst>
 </p:presentation>
 </file>
 
@@ -308,7 +321,7 @@
           <a:p>
             <a:fld id="{4AAD347D-5ACD-4C99-B74B-A9C85AD731AF}" type="datetimeFigureOut">
               <a:rPr lang="en-US" dirty="0"/>
-              <a:t>12/9/2016</a:t>
+              <a:t>12/23/2016</a:t>
             </a:fld>
             <a:endParaRPr lang="en-US" dirty="0"/>
           </a:p>
@@ -578,7 +591,7 @@
           <a:p>
             <a:fld id="{4509A250-FF31-4206-8172-F9D3106AACB1}" type="datetimeFigureOut">
               <a:rPr lang="en-US" dirty="0"/>
-              <a:t>12/9/2016</a:t>
+              <a:t>12/23/2016</a:t>
             </a:fld>
             <a:endParaRPr lang="en-US" dirty="0"/>
           </a:p>
@@ -767,7 +780,7 @@
           <a:p>
             <a:fld id="{4509A250-FF31-4206-8172-F9D3106AACB1}" type="datetimeFigureOut">
               <a:rPr lang="en-US" dirty="0"/>
-              <a:t>12/9/2016</a:t>
+              <a:t>12/23/2016</a:t>
             </a:fld>
             <a:endParaRPr lang="en-US" dirty="0"/>
           </a:p>
@@ -1035,7 +1048,7 @@
           <a:p>
             <a:fld id="{4509A250-FF31-4206-8172-F9D3106AACB1}" type="datetimeFigureOut">
               <a:rPr lang="en-US" dirty="0"/>
-              <a:t>12/9/2016</a:t>
+              <a:t>12/23/2016</a:t>
             </a:fld>
             <a:endParaRPr lang="en-US" dirty="0"/>
           </a:p>
@@ -1371,7 +1384,7 @@
           <a:p>
             <a:fld id="{4509A250-FF31-4206-8172-F9D3106AACB1}" type="datetimeFigureOut">
               <a:rPr lang="en-US" dirty="0"/>
-              <a:t>12/9/2016</a:t>
+              <a:t>12/23/2016</a:t>
             </a:fld>
             <a:endParaRPr lang="en-US" dirty="0"/>
           </a:p>
@@ -1989,7 +2002,7 @@
           <a:p>
             <a:fld id="{4509A250-FF31-4206-8172-F9D3106AACB1}" type="datetimeFigureOut">
               <a:rPr lang="en-US" dirty="0"/>
-              <a:t>12/9/2016</a:t>
+              <a:t>12/23/2016</a:t>
             </a:fld>
             <a:endParaRPr lang="en-US" dirty="0"/>
           </a:p>
@@ -2844,7 +2857,7 @@
           <a:p>
             <a:fld id="{4509A250-FF31-4206-8172-F9D3106AACB1}" type="datetimeFigureOut">
               <a:rPr lang="en-US" dirty="0"/>
-              <a:t>12/9/2016</a:t>
+              <a:t>12/23/2016</a:t>
             </a:fld>
             <a:endParaRPr lang="en-US" dirty="0"/>
           </a:p>
@@ -3009,7 +3022,7 @@
           <a:p>
             <a:fld id="{4509A250-FF31-4206-8172-F9D3106AACB1}" type="datetimeFigureOut">
               <a:rPr lang="en-US" dirty="0"/>
-              <a:t>12/9/2016</a:t>
+              <a:t>12/23/2016</a:t>
             </a:fld>
             <a:endParaRPr lang="en-US" dirty="0"/>
           </a:p>
@@ -3184,7 +3197,7 @@
           <a:p>
             <a:fld id="{4509A250-FF31-4206-8172-F9D3106AACB1}" type="datetimeFigureOut">
               <a:rPr lang="en-US" dirty="0"/>
-              <a:t>12/9/2016</a:t>
+              <a:t>12/23/2016</a:t>
             </a:fld>
             <a:endParaRPr lang="en-US" dirty="0"/>
           </a:p>
@@ -3349,7 +3362,7 @@
           <a:p>
             <a:fld id="{4509A250-FF31-4206-8172-F9D3106AACB1}" type="datetimeFigureOut">
               <a:rPr lang="en-US" dirty="0"/>
-              <a:t>12/9/2016</a:t>
+              <a:t>12/23/2016</a:t>
             </a:fld>
             <a:endParaRPr lang="en-US" dirty="0"/>
           </a:p>
@@ -3591,7 +3604,7 @@
           <a:p>
             <a:fld id="{9796027F-7875-4030-9381-8BD8C4F21935}" type="datetimeFigureOut">
               <a:rPr lang="en-US" dirty="0"/>
-              <a:t>12/9/2016</a:t>
+              <a:t>12/23/2016</a:t>
             </a:fld>
             <a:endParaRPr lang="en-US" dirty="0"/>
           </a:p>
@@ -3878,7 +3891,7 @@
           <a:p>
             <a:fld id="{9796027F-7875-4030-9381-8BD8C4F21935}" type="datetimeFigureOut">
               <a:rPr lang="en-US" dirty="0"/>
-              <a:t>12/9/2016</a:t>
+              <a:t>12/23/2016</a:t>
             </a:fld>
             <a:endParaRPr lang="en-US" dirty="0"/>
           </a:p>
@@ -4317,7 +4330,7 @@
           <a:p>
             <a:fld id="{9796027F-7875-4030-9381-8BD8C4F21935}" type="datetimeFigureOut">
               <a:rPr lang="en-US" dirty="0"/>
-              <a:t>12/9/2016</a:t>
+              <a:t>12/23/2016</a:t>
             </a:fld>
             <a:endParaRPr lang="en-US" dirty="0"/>
           </a:p>
@@ -4430,7 +4443,7 @@
           <a:p>
             <a:fld id="{4509A250-FF31-4206-8172-F9D3106AACB1}" type="datetimeFigureOut">
               <a:rPr lang="en-US" dirty="0"/>
-              <a:t>12/9/2016</a:t>
+              <a:t>12/23/2016</a:t>
             </a:fld>
             <a:endParaRPr lang="en-US" dirty="0"/>
           </a:p>
@@ -4520,7 +4533,7 @@
           <a:p>
             <a:fld id="{4509A250-FF31-4206-8172-F9D3106AACB1}" type="datetimeFigureOut">
               <a:rPr lang="en-US" dirty="0"/>
-              <a:t>12/9/2016</a:t>
+              <a:t>12/23/2016</a:t>
             </a:fld>
             <a:endParaRPr lang="en-US" dirty="0"/>
           </a:p>
@@ -4794,7 +4807,7 @@
           <a:p>
             <a:fld id="{4509A250-FF31-4206-8172-F9D3106AACB1}" type="datetimeFigureOut">
               <a:rPr lang="en-US" dirty="0"/>
-              <a:t>12/9/2016</a:t>
+              <a:t>12/23/2016</a:t>
             </a:fld>
             <a:endParaRPr lang="en-US" dirty="0"/>
           </a:p>
@@ -5064,7 +5077,7 @@
           <a:p>
             <a:fld id="{4509A250-FF31-4206-8172-F9D3106AACB1}" type="datetimeFigureOut">
               <a:rPr lang="en-US" dirty="0"/>
-              <a:t>12/9/2016</a:t>
+              <a:t>12/23/2016</a:t>
             </a:fld>
             <a:endParaRPr lang="en-US" dirty="0"/>
           </a:p>
@@ -5488,7 +5501,7 @@
           <a:p>
             <a:fld id="{4AAD347D-5ACD-4C99-B74B-A9C85AD731AF}" type="datetimeFigureOut">
               <a:rPr lang="en-US" dirty="0"/>
-              <a:t>12/9/2016</a:t>
+              <a:t>12/23/2016</a:t>
             </a:fld>
             <a:endParaRPr lang="en-US" dirty="0"/>
           </a:p>
@@ -6064,6 +6077,13 @@
   <p:clrMapOvr>
     <a:masterClrMapping/>
   </p:clrMapOvr>
+  <p:timing>
+    <p:tnLst>
+      <p:par>
+        <p:cTn id="1" dur="indefinite" restart="never" nodeType="tmRoot"/>
+      </p:par>
+    </p:tnLst>
+  </p:timing>
 </p:sld>
 </file>
 
@@ -6096,8 +6116,8 @@
         </p:nvSpPr>
         <p:spPr>
           <a:xfrm>
-            <a:off x="646111" y="452718"/>
-            <a:ext cx="9404723" cy="792986"/>
+            <a:off x="770802" y="421545"/>
+            <a:ext cx="9404723" cy="700673"/>
           </a:xfrm>
         </p:spPr>
         <p:txBody>
@@ -6105,12 +6125,8 @@
           <a:lstStyle/>
           <a:p>
             <a:r>
-              <a:rPr lang="ru-RU" sz="3600" dirty="0"/>
-              <a:t>Удаление </a:t>
-            </a:r>
-            <a:r>
-              <a:rPr lang="en-US" sz="3600" dirty="0"/>
-              <a:t>(del)</a:t>
+              <a:rPr lang="ru-RU" sz="3600" dirty="0" smtClean="0"/>
+              <a:t>Работа добавления (добавление 160)</a:t>
             </a:r>
             <a:endParaRPr lang="uk-UA" sz="3600" dirty="0"/>
           </a:p>
@@ -6118,86 +6134,618 @@
       </p:sp>
       <p:sp>
         <p:nvSpPr>
-          <p:cNvPr id="3" name="Объект 2"/>
-          <p:cNvSpPr>
-            <a:spLocks noGrp="1"/>
-          </p:cNvSpPr>
-          <p:nvPr>
-            <p:ph idx="1"/>
-          </p:nvPr>
-        </p:nvSpPr>
-        <p:spPr>
-          <a:xfrm>
-            <a:off x="1103312" y="1338470"/>
-            <a:ext cx="9975505" cy="4909929"/>
-          </a:xfrm>
-        </p:spPr>
-        <p:txBody>
-          <a:bodyPr>
-            <a:normAutofit/>
+          <p:cNvPr id="4" name="Овал 3"/>
+          <p:cNvSpPr/>
+          <p:nvPr/>
+        </p:nvSpPr>
+        <p:spPr>
+          <a:xfrm>
+            <a:off x="2642476" y="1890278"/>
+            <a:ext cx="911215" cy="572367"/>
+          </a:xfrm>
+          <a:prstGeom prst="ellipse">
+            <a:avLst/>
+          </a:prstGeom>
+        </p:spPr>
+        <p:style>
+          <a:lnRef idx="2">
+            <a:schemeClr val="accent1">
+              <a:shade val="50000"/>
+            </a:schemeClr>
+          </a:lnRef>
+          <a:fillRef idx="1">
+            <a:schemeClr val="accent1"/>
+          </a:fillRef>
+          <a:effectRef idx="0">
+            <a:schemeClr val="accent1"/>
+          </a:effectRef>
+          <a:fontRef idx="minor">
+            <a:schemeClr val="lt1"/>
+          </a:fontRef>
+        </p:style>
+        <p:txBody>
+          <a:bodyPr rtlCol="0" anchor="ctr"/>
+          <a:lstStyle/>
+          <a:p>
+            <a:pPr algn="ctr"/>
+            <a:r>
+              <a:rPr lang="ru-RU" dirty="0" smtClean="0"/>
+              <a:t>102</a:t>
+            </a:r>
+            <a:endParaRPr lang="uk-UA" dirty="0"/>
+          </a:p>
+        </p:txBody>
+      </p:sp>
+      <p:sp>
+        <p:nvSpPr>
+          <p:cNvPr id="5" name="Овал 4"/>
+          <p:cNvSpPr/>
+          <p:nvPr/>
+        </p:nvSpPr>
+        <p:spPr>
+          <a:xfrm>
+            <a:off x="1129230" y="2992581"/>
+            <a:ext cx="834944" cy="498763"/>
+          </a:xfrm>
+          <a:prstGeom prst="ellipse">
+            <a:avLst/>
+          </a:prstGeom>
+        </p:spPr>
+        <p:style>
+          <a:lnRef idx="2">
+            <a:schemeClr val="accent1">
+              <a:shade val="50000"/>
+            </a:schemeClr>
+          </a:lnRef>
+          <a:fillRef idx="1">
+            <a:schemeClr val="accent1"/>
+          </a:fillRef>
+          <a:effectRef idx="0">
+            <a:schemeClr val="accent1"/>
+          </a:effectRef>
+          <a:fontRef idx="minor">
+            <a:schemeClr val="lt1"/>
+          </a:fontRef>
+        </p:style>
+        <p:txBody>
+          <a:bodyPr rtlCol="0" anchor="ctr"/>
+          <a:lstStyle/>
+          <a:p>
+            <a:pPr algn="ctr"/>
+            <a:r>
+              <a:rPr lang="ru-RU" dirty="0" smtClean="0"/>
+              <a:t>84</a:t>
+            </a:r>
+            <a:endParaRPr lang="uk-UA" dirty="0"/>
+          </a:p>
+        </p:txBody>
+      </p:sp>
+      <p:sp>
+        <p:nvSpPr>
+          <p:cNvPr id="6" name="Овал 5"/>
+          <p:cNvSpPr/>
+          <p:nvPr/>
+        </p:nvSpPr>
+        <p:spPr>
+          <a:xfrm>
+            <a:off x="3943935" y="2992581"/>
+            <a:ext cx="825492" cy="509155"/>
+          </a:xfrm>
+          <a:prstGeom prst="ellipse">
+            <a:avLst/>
+          </a:prstGeom>
+        </p:spPr>
+        <p:style>
+          <a:lnRef idx="2">
+            <a:schemeClr val="accent1">
+              <a:shade val="50000"/>
+            </a:schemeClr>
+          </a:lnRef>
+          <a:fillRef idx="1">
+            <a:schemeClr val="accent1"/>
+          </a:fillRef>
+          <a:effectRef idx="0">
+            <a:schemeClr val="accent1"/>
+          </a:effectRef>
+          <a:fontRef idx="minor">
+            <a:schemeClr val="lt1"/>
+          </a:fontRef>
+        </p:style>
+        <p:txBody>
+          <a:bodyPr rtlCol="0" anchor="ctr"/>
+          <a:lstStyle/>
+          <a:p>
+            <a:pPr algn="ctr"/>
+            <a:r>
+              <a:rPr lang="ru-RU" dirty="0" smtClean="0"/>
+              <a:t>153</a:t>
+            </a:r>
+            <a:endParaRPr lang="uk-UA" dirty="0"/>
+          </a:p>
+        </p:txBody>
+      </p:sp>
+      <p:sp>
+        <p:nvSpPr>
+          <p:cNvPr id="7" name="Овал 6"/>
+          <p:cNvSpPr/>
+          <p:nvPr/>
+        </p:nvSpPr>
+        <p:spPr>
+          <a:xfrm>
+            <a:off x="226803" y="4173682"/>
+            <a:ext cx="833069" cy="481445"/>
+          </a:xfrm>
+          <a:prstGeom prst="ellipse">
+            <a:avLst/>
+          </a:prstGeom>
+        </p:spPr>
+        <p:style>
+          <a:lnRef idx="2">
+            <a:schemeClr val="accent1">
+              <a:shade val="50000"/>
+            </a:schemeClr>
+          </a:lnRef>
+          <a:fillRef idx="1">
+            <a:schemeClr val="accent1"/>
+          </a:fillRef>
+          <a:effectRef idx="0">
+            <a:schemeClr val="accent1"/>
+          </a:effectRef>
+          <a:fontRef idx="minor">
+            <a:schemeClr val="lt1"/>
+          </a:fontRef>
+        </p:style>
+        <p:txBody>
+          <a:bodyPr rtlCol="0" anchor="ctr"/>
+          <a:lstStyle/>
+          <a:p>
+            <a:pPr algn="ctr"/>
+            <a:r>
+              <a:rPr lang="ru-RU" dirty="0" smtClean="0"/>
+              <a:t>42</a:t>
+            </a:r>
+            <a:endParaRPr lang="uk-UA" dirty="0"/>
+          </a:p>
+        </p:txBody>
+      </p:sp>
+      <p:sp>
+        <p:nvSpPr>
+          <p:cNvPr id="8" name="Овал 7"/>
+          <p:cNvSpPr/>
+          <p:nvPr/>
+        </p:nvSpPr>
+        <p:spPr>
+          <a:xfrm>
+            <a:off x="1964174" y="4118267"/>
+            <a:ext cx="872544" cy="536860"/>
+          </a:xfrm>
+          <a:prstGeom prst="ellipse">
+            <a:avLst/>
+          </a:prstGeom>
+        </p:spPr>
+        <p:style>
+          <a:lnRef idx="2">
+            <a:schemeClr val="accent1">
+              <a:shade val="50000"/>
+            </a:schemeClr>
+          </a:lnRef>
+          <a:fillRef idx="1">
+            <a:schemeClr val="accent1"/>
+          </a:fillRef>
+          <a:effectRef idx="0">
+            <a:schemeClr val="accent1"/>
+          </a:effectRef>
+          <a:fontRef idx="minor">
+            <a:schemeClr val="lt1"/>
+          </a:fontRef>
+        </p:style>
+        <p:txBody>
+          <a:bodyPr rtlCol="0" anchor="ctr"/>
+          <a:lstStyle/>
+          <a:p>
+            <a:pPr algn="ctr"/>
+            <a:r>
+              <a:rPr lang="ru-RU" dirty="0" smtClean="0"/>
+              <a:t>99</a:t>
+            </a:r>
+            <a:endParaRPr lang="uk-UA" dirty="0"/>
+          </a:p>
+        </p:txBody>
+      </p:sp>
+      <p:sp>
+        <p:nvSpPr>
+          <p:cNvPr id="9" name="Овал 8"/>
+          <p:cNvSpPr/>
+          <p:nvPr/>
+        </p:nvSpPr>
+        <p:spPr>
+          <a:xfrm>
+            <a:off x="3098083" y="4118267"/>
+            <a:ext cx="845852" cy="536860"/>
+          </a:xfrm>
+          <a:prstGeom prst="ellipse">
+            <a:avLst/>
+          </a:prstGeom>
+        </p:spPr>
+        <p:style>
+          <a:lnRef idx="2">
+            <a:schemeClr val="accent1">
+              <a:shade val="50000"/>
+            </a:schemeClr>
+          </a:lnRef>
+          <a:fillRef idx="1">
+            <a:schemeClr val="accent1"/>
+          </a:fillRef>
+          <a:effectRef idx="0">
+            <a:schemeClr val="accent1"/>
+          </a:effectRef>
+          <a:fontRef idx="minor">
+            <a:schemeClr val="lt1"/>
+          </a:fontRef>
+        </p:style>
+        <p:txBody>
+          <a:bodyPr rtlCol="0" anchor="ctr"/>
+          <a:lstStyle/>
+          <a:p>
+            <a:pPr algn="ctr"/>
+            <a:r>
+              <a:rPr lang="ru-RU" dirty="0" smtClean="0"/>
+              <a:t>126</a:t>
+            </a:r>
+            <a:endParaRPr lang="uk-UA" dirty="0"/>
+          </a:p>
+        </p:txBody>
+      </p:sp>
+      <p:cxnSp>
+        <p:nvCxnSpPr>
+          <p:cNvPr id="11" name="Прямая соединительная линия 10"/>
+          <p:cNvCxnSpPr>
+            <a:stCxn id="4" idx="3"/>
+            <a:endCxn id="5" idx="7"/>
+          </p:cNvCxnSpPr>
+          <p:nvPr/>
+        </p:nvCxnSpPr>
+        <p:spPr>
+          <a:xfrm flipH="1">
+            <a:off x="1841899" y="2378824"/>
+            <a:ext cx="934021" cy="686799"/>
+          </a:xfrm>
+          <a:prstGeom prst="line">
+            <a:avLst/>
+          </a:prstGeom>
+        </p:spPr>
+        <p:style>
+          <a:lnRef idx="1">
+            <a:schemeClr val="accent1"/>
+          </a:lnRef>
+          <a:fillRef idx="0">
+            <a:schemeClr val="accent1"/>
+          </a:fillRef>
+          <a:effectRef idx="0">
+            <a:schemeClr val="accent1"/>
+          </a:effectRef>
+          <a:fontRef idx="minor">
+            <a:schemeClr val="tx1"/>
+          </a:fontRef>
+        </p:style>
+      </p:cxnSp>
+      <p:cxnSp>
+        <p:nvCxnSpPr>
+          <p:cNvPr id="15" name="Прямая соединительная линия 14"/>
+          <p:cNvCxnSpPr>
+            <a:stCxn id="5" idx="3"/>
+            <a:endCxn id="7" idx="0"/>
+          </p:cNvCxnSpPr>
+          <p:nvPr/>
+        </p:nvCxnSpPr>
+        <p:spPr>
+          <a:xfrm flipH="1">
+            <a:off x="643338" y="3418302"/>
+            <a:ext cx="608167" cy="755380"/>
+          </a:xfrm>
+          <a:prstGeom prst="line">
+            <a:avLst/>
+          </a:prstGeom>
+        </p:spPr>
+        <p:style>
+          <a:lnRef idx="1">
+            <a:schemeClr val="accent1"/>
+          </a:lnRef>
+          <a:fillRef idx="0">
+            <a:schemeClr val="accent1"/>
+          </a:fillRef>
+          <a:effectRef idx="0">
+            <a:schemeClr val="accent1"/>
+          </a:effectRef>
+          <a:fontRef idx="minor">
+            <a:schemeClr val="tx1"/>
+          </a:fontRef>
+        </p:style>
+      </p:cxnSp>
+      <p:cxnSp>
+        <p:nvCxnSpPr>
+          <p:cNvPr id="17" name="Прямая соединительная линия 16"/>
+          <p:cNvCxnSpPr>
+            <a:stCxn id="5" idx="5"/>
+            <a:endCxn id="8" idx="0"/>
+          </p:cNvCxnSpPr>
+          <p:nvPr/>
+        </p:nvCxnSpPr>
+        <p:spPr>
+          <a:xfrm>
+            <a:off x="1841899" y="3418302"/>
+            <a:ext cx="558547" cy="699965"/>
+          </a:xfrm>
+          <a:prstGeom prst="line">
+            <a:avLst/>
+          </a:prstGeom>
+        </p:spPr>
+        <p:style>
+          <a:lnRef idx="1">
+            <a:schemeClr val="accent1"/>
+          </a:lnRef>
+          <a:fillRef idx="0">
+            <a:schemeClr val="accent1"/>
+          </a:fillRef>
+          <a:effectRef idx="0">
+            <a:schemeClr val="accent1"/>
+          </a:effectRef>
+          <a:fontRef idx="minor">
+            <a:schemeClr val="tx1"/>
+          </a:fontRef>
+        </p:style>
+      </p:cxnSp>
+      <p:cxnSp>
+        <p:nvCxnSpPr>
+          <p:cNvPr id="19" name="Прямая соединительная линия 18"/>
+          <p:cNvCxnSpPr>
+            <a:stCxn id="4" idx="5"/>
+            <a:endCxn id="6" idx="1"/>
+          </p:cNvCxnSpPr>
+          <p:nvPr/>
+        </p:nvCxnSpPr>
+        <p:spPr>
+          <a:xfrm>
+            <a:off x="3420247" y="2378824"/>
+            <a:ext cx="644579" cy="688321"/>
+          </a:xfrm>
+          <a:prstGeom prst="line">
+            <a:avLst/>
+          </a:prstGeom>
+        </p:spPr>
+        <p:style>
+          <a:lnRef idx="1">
+            <a:schemeClr val="accent1"/>
+          </a:lnRef>
+          <a:fillRef idx="0">
+            <a:schemeClr val="accent1"/>
+          </a:fillRef>
+          <a:effectRef idx="0">
+            <a:schemeClr val="accent1"/>
+          </a:effectRef>
+          <a:fontRef idx="minor">
+            <a:schemeClr val="tx1"/>
+          </a:fontRef>
+        </p:style>
+      </p:cxnSp>
+      <p:cxnSp>
+        <p:nvCxnSpPr>
+          <p:cNvPr id="21" name="Прямая соединительная линия 20"/>
+          <p:cNvCxnSpPr>
+            <a:endCxn id="9" idx="0"/>
+          </p:cNvCxnSpPr>
+          <p:nvPr/>
+        </p:nvCxnSpPr>
+        <p:spPr>
+          <a:xfrm flipH="1">
+            <a:off x="3521009" y="3325091"/>
+            <a:ext cx="635355" cy="793176"/>
+          </a:xfrm>
+          <a:prstGeom prst="line">
+            <a:avLst/>
+          </a:prstGeom>
+        </p:spPr>
+        <p:style>
+          <a:lnRef idx="1">
+            <a:schemeClr val="accent1"/>
+          </a:lnRef>
+          <a:fillRef idx="0">
+            <a:schemeClr val="accent1"/>
+          </a:fillRef>
+          <a:effectRef idx="0">
+            <a:schemeClr val="accent1"/>
+          </a:effectRef>
+          <a:fontRef idx="minor">
+            <a:schemeClr val="tx1"/>
+          </a:fontRef>
+        </p:style>
+      </p:cxnSp>
+      <p:sp>
+        <p:nvSpPr>
+          <p:cNvPr id="22" name="TextBox 21"/>
+          <p:cNvSpPr txBox="1"/>
+          <p:nvPr/>
+        </p:nvSpPr>
+        <p:spPr>
+          <a:xfrm>
+            <a:off x="4865295" y="1807129"/>
+            <a:ext cx="1215736" cy="369332"/>
+          </a:xfrm>
+          <a:prstGeom prst="rect">
+            <a:avLst/>
+          </a:prstGeom>
+          <a:noFill/>
+        </p:spPr>
+        <p:txBody>
+          <a:bodyPr wrap="square" rtlCol="0">
+            <a:spAutoFit/>
           </a:bodyPr>
           <a:lstStyle/>
           <a:p>
             <a:r>
-              <a:rPr lang="ru-RU" sz="2400" dirty="0"/>
-              <a:t>В функции </a:t>
-            </a:r>
-            <a:r>
-              <a:rPr lang="en-US" sz="2400" dirty="0"/>
-              <a:t>del </a:t>
-            </a:r>
-            <a:r>
-              <a:rPr lang="ru-RU" sz="2400" dirty="0"/>
-              <a:t>заносим результат выполненной функции </a:t>
-            </a:r>
-            <a:r>
-              <a:rPr lang="en-US" sz="2400" dirty="0" err="1"/>
-              <a:t>removeNode</a:t>
-            </a:r>
-            <a:r>
-              <a:rPr lang="ru-RU" sz="2400" dirty="0"/>
-              <a:t>, вызванной для корня выбранной версии и значения, подлежащего удалению – корень новой версии дерева.</a:t>
-            </a:r>
-          </a:p>
-          <a:p>
-            <a:endParaRPr lang="uk-UA" sz="2400" dirty="0"/>
-          </a:p>
-        </p:txBody>
-      </p:sp>
-      <p:pic>
-        <p:nvPicPr>
-          <p:cNvPr id="4" name="Рисунок 3"/>
-          <p:cNvPicPr>
-            <a:picLocks noChangeAspect="1"/>
-          </p:cNvPicPr>
-          <p:nvPr/>
-        </p:nvPicPr>
-        <p:blipFill>
-          <a:blip r:embed="rId2"/>
-          <a:stretch>
-            <a:fillRect/>
-          </a:stretch>
-        </p:blipFill>
-        <p:spPr>
-          <a:xfrm>
-            <a:off x="2708095" y="3439111"/>
-            <a:ext cx="5941703" cy="893738"/>
+              <a:rPr lang="ru-RU" dirty="0" smtClean="0"/>
+              <a:t>160</a:t>
+            </a:r>
+            <a:r>
+              <a:rPr lang="en-US" dirty="0" smtClean="0"/>
+              <a:t> &gt; 102</a:t>
+            </a:r>
+            <a:endParaRPr lang="uk-UA" dirty="0"/>
+          </a:p>
+        </p:txBody>
+      </p:sp>
+      <p:sp>
+        <p:nvSpPr>
+          <p:cNvPr id="23" name="Овал 22"/>
+          <p:cNvSpPr/>
+          <p:nvPr/>
+        </p:nvSpPr>
+        <p:spPr>
+          <a:xfrm>
+            <a:off x="7055427" y="1890278"/>
+            <a:ext cx="862446" cy="572367"/>
+          </a:xfrm>
+          <a:prstGeom prst="ellipse">
+            <a:avLst/>
+          </a:prstGeom>
+        </p:spPr>
+        <p:style>
+          <a:lnRef idx="3">
+            <a:schemeClr val="lt1"/>
+          </a:lnRef>
+          <a:fillRef idx="1">
+            <a:schemeClr val="accent3"/>
+          </a:fillRef>
+          <a:effectRef idx="1">
+            <a:schemeClr val="accent3"/>
+          </a:effectRef>
+          <a:fontRef idx="minor">
+            <a:schemeClr val="lt1"/>
+          </a:fontRef>
+        </p:style>
+        <p:txBody>
+          <a:bodyPr rtlCol="0" anchor="ctr"/>
+          <a:lstStyle/>
+          <a:p>
+            <a:pPr algn="ctr"/>
+            <a:r>
+              <a:rPr lang="en-US" dirty="0" smtClean="0"/>
+              <a:t>102</a:t>
+            </a:r>
+            <a:endParaRPr lang="uk-UA" dirty="0"/>
+          </a:p>
+        </p:txBody>
+      </p:sp>
+      <p:cxnSp>
+        <p:nvCxnSpPr>
+          <p:cNvPr id="25" name="Прямая соединительная линия 24"/>
+          <p:cNvCxnSpPr>
+            <a:stCxn id="23" idx="3"/>
+            <a:endCxn id="5" idx="6"/>
+          </p:cNvCxnSpPr>
+          <p:nvPr/>
+        </p:nvCxnSpPr>
+        <p:spPr>
+          <a:xfrm flipH="1">
+            <a:off x="1964174" y="2378824"/>
+            <a:ext cx="5217555" cy="863139"/>
+          </a:xfrm>
+          <a:prstGeom prst="line">
+            <a:avLst/>
+          </a:prstGeom>
+        </p:spPr>
+        <p:style>
+          <a:lnRef idx="1">
+            <a:schemeClr val="accent2"/>
+          </a:lnRef>
+          <a:fillRef idx="0">
+            <a:schemeClr val="accent2"/>
+          </a:fillRef>
+          <a:effectRef idx="0">
+            <a:schemeClr val="accent2"/>
+          </a:effectRef>
+          <a:fontRef idx="minor">
+            <a:schemeClr val="tx1"/>
+          </a:fontRef>
+        </p:style>
+      </p:cxnSp>
+      <p:sp>
+        <p:nvSpPr>
+          <p:cNvPr id="26" name="TextBox 25"/>
+          <p:cNvSpPr txBox="1"/>
+          <p:nvPr/>
+        </p:nvSpPr>
+        <p:spPr>
+          <a:xfrm>
+            <a:off x="2840640" y="1458306"/>
+            <a:ext cx="514885" cy="369332"/>
           </a:xfrm>
           <a:prstGeom prst="rect">
             <a:avLst/>
           </a:prstGeom>
-        </p:spPr>
-      </p:pic>
+          <a:noFill/>
+        </p:spPr>
+        <p:txBody>
+          <a:bodyPr wrap="square" rtlCol="0">
+            <a:spAutoFit/>
+          </a:bodyPr>
+          <a:lstStyle/>
+          <a:p>
+            <a:r>
+              <a:rPr lang="en-US" dirty="0" smtClean="0"/>
+              <a:t>G1</a:t>
+            </a:r>
+            <a:endParaRPr lang="uk-UA" dirty="0"/>
+          </a:p>
+        </p:txBody>
+      </p:sp>
+      <p:sp>
+        <p:nvSpPr>
+          <p:cNvPr id="27" name="TextBox 26"/>
+          <p:cNvSpPr txBox="1"/>
+          <p:nvPr/>
+        </p:nvSpPr>
+        <p:spPr>
+          <a:xfrm>
+            <a:off x="7229207" y="1457439"/>
+            <a:ext cx="514885" cy="369332"/>
+          </a:xfrm>
+          <a:prstGeom prst="rect">
+            <a:avLst/>
+          </a:prstGeom>
+          <a:noFill/>
+        </p:spPr>
+        <p:txBody>
+          <a:bodyPr wrap="square" rtlCol="0">
+            <a:spAutoFit/>
+          </a:bodyPr>
+          <a:lstStyle/>
+          <a:p>
+            <a:r>
+              <a:rPr lang="en-US" dirty="0" smtClean="0"/>
+              <a:t>G2</a:t>
+            </a:r>
+            <a:endParaRPr lang="uk-UA" dirty="0"/>
+          </a:p>
+        </p:txBody>
+      </p:sp>
     </p:spTree>
     <p:extLst>
       <p:ext uri="{BB962C8B-B14F-4D97-AF65-F5344CB8AC3E}">
-        <p14:creationId xmlns:p14="http://schemas.microsoft.com/office/powerpoint/2010/main" val="596916258"/>
+        <p14:creationId xmlns:p14="http://schemas.microsoft.com/office/powerpoint/2010/main" val="3538474588"/>
       </p:ext>
     </p:extLst>
   </p:cSld>
   <p:clrMapOvr>
     <a:masterClrMapping/>
   </p:clrMapOvr>
+  <p:timing>
+    <p:tnLst>
+      <p:par>
+        <p:cTn id="1" dur="indefinite" restart="never" nodeType="tmRoot"/>
+      </p:par>
+    </p:tnLst>
+  </p:timing>
 </p:sld>
 </file>
 
@@ -6228,18 +6776,63 @@
             <p:ph type="title"/>
           </p:nvPr>
         </p:nvSpPr>
-        <p:spPr/>
+        <p:spPr>
+          <a:xfrm>
+            <a:off x="770802" y="421545"/>
+            <a:ext cx="9404723" cy="700673"/>
+          </a:xfrm>
+        </p:spPr>
         <p:txBody>
           <a:bodyPr/>
           <a:lstStyle/>
           <a:p>
             <a:r>
-              <a:rPr lang="ru-RU" sz="4400" dirty="0"/>
-              <a:t>Функция </a:t>
-            </a:r>
-            <a:r>
-              <a:rPr lang="en-US" sz="4400" dirty="0" err="1"/>
-              <a:t>removeNode</a:t>
+              <a:rPr lang="ru-RU" sz="3600" dirty="0" smtClean="0"/>
+              <a:t>Работа добавления (добавление 160)</a:t>
+            </a:r>
+            <a:endParaRPr lang="uk-UA" sz="3600" dirty="0"/>
+          </a:p>
+        </p:txBody>
+      </p:sp>
+      <p:sp>
+        <p:nvSpPr>
+          <p:cNvPr id="4" name="Овал 3"/>
+          <p:cNvSpPr/>
+          <p:nvPr/>
+        </p:nvSpPr>
+        <p:spPr>
+          <a:xfrm>
+            <a:off x="2642476" y="1890278"/>
+            <a:ext cx="911215" cy="572367"/>
+          </a:xfrm>
+          <a:prstGeom prst="ellipse">
+            <a:avLst/>
+          </a:prstGeom>
+        </p:spPr>
+        <p:style>
+          <a:lnRef idx="2">
+            <a:schemeClr val="accent1">
+              <a:shade val="50000"/>
+            </a:schemeClr>
+          </a:lnRef>
+          <a:fillRef idx="1">
+            <a:schemeClr val="accent1"/>
+          </a:fillRef>
+          <a:effectRef idx="0">
+            <a:schemeClr val="accent1"/>
+          </a:effectRef>
+          <a:fontRef idx="minor">
+            <a:schemeClr val="lt1"/>
+          </a:fontRef>
+        </p:style>
+        <p:txBody>
+          <a:bodyPr rtlCol="0" anchor="ctr"/>
+          <a:lstStyle/>
+          <a:p>
+            <a:pPr algn="ctr"/>
+            <a:r>
+              <a:rPr lang="ru-RU" dirty="0" smtClean="0"/>
+              <a:t>102</a:t>
             </a:r>
             <a:endParaRPr lang="uk-UA" dirty="0"/>
           </a:p>
@@ -6247,68 +6840,682 @@
       </p:sp>
       <p:sp>
         <p:nvSpPr>
-          <p:cNvPr id="3" name="Объект 2"/>
-          <p:cNvSpPr>
-            <a:spLocks noGrp="1"/>
-          </p:cNvSpPr>
-          <p:nvPr>
-            <p:ph idx="1"/>
-          </p:nvPr>
-        </p:nvSpPr>
-        <p:spPr>
-          <a:xfrm>
-            <a:off x="1103312" y="1444488"/>
-            <a:ext cx="9962253" cy="4803912"/>
-          </a:xfrm>
-        </p:spPr>
-        <p:txBody>
-          <a:bodyPr>
-            <a:normAutofit/>
+          <p:cNvPr id="5" name="Овал 4"/>
+          <p:cNvSpPr/>
+          <p:nvPr/>
+        </p:nvSpPr>
+        <p:spPr>
+          <a:xfrm>
+            <a:off x="1129230" y="2992581"/>
+            <a:ext cx="834944" cy="498763"/>
+          </a:xfrm>
+          <a:prstGeom prst="ellipse">
+            <a:avLst/>
+          </a:prstGeom>
+        </p:spPr>
+        <p:style>
+          <a:lnRef idx="2">
+            <a:schemeClr val="accent1">
+              <a:shade val="50000"/>
+            </a:schemeClr>
+          </a:lnRef>
+          <a:fillRef idx="1">
+            <a:schemeClr val="accent1"/>
+          </a:fillRef>
+          <a:effectRef idx="0">
+            <a:schemeClr val="accent1"/>
+          </a:effectRef>
+          <a:fontRef idx="minor">
+            <a:schemeClr val="lt1"/>
+          </a:fontRef>
+        </p:style>
+        <p:txBody>
+          <a:bodyPr rtlCol="0" anchor="ctr"/>
+          <a:lstStyle/>
+          <a:p>
+            <a:pPr algn="ctr"/>
+            <a:r>
+              <a:rPr lang="ru-RU" dirty="0" smtClean="0"/>
+              <a:t>84</a:t>
+            </a:r>
+            <a:endParaRPr lang="uk-UA" dirty="0"/>
+          </a:p>
+        </p:txBody>
+      </p:sp>
+      <p:sp>
+        <p:nvSpPr>
+          <p:cNvPr id="6" name="Овал 5"/>
+          <p:cNvSpPr/>
+          <p:nvPr/>
+        </p:nvSpPr>
+        <p:spPr>
+          <a:xfrm>
+            <a:off x="3943935" y="2992581"/>
+            <a:ext cx="825492" cy="509155"/>
+          </a:xfrm>
+          <a:prstGeom prst="ellipse">
+            <a:avLst/>
+          </a:prstGeom>
+        </p:spPr>
+        <p:style>
+          <a:lnRef idx="2">
+            <a:schemeClr val="accent1">
+              <a:shade val="50000"/>
+            </a:schemeClr>
+          </a:lnRef>
+          <a:fillRef idx="1">
+            <a:schemeClr val="accent1"/>
+          </a:fillRef>
+          <a:effectRef idx="0">
+            <a:schemeClr val="accent1"/>
+          </a:effectRef>
+          <a:fontRef idx="minor">
+            <a:schemeClr val="lt1"/>
+          </a:fontRef>
+        </p:style>
+        <p:txBody>
+          <a:bodyPr rtlCol="0" anchor="ctr"/>
+          <a:lstStyle/>
+          <a:p>
+            <a:pPr algn="ctr"/>
+            <a:r>
+              <a:rPr lang="ru-RU" dirty="0" smtClean="0"/>
+              <a:t>153</a:t>
+            </a:r>
+            <a:endParaRPr lang="uk-UA" dirty="0"/>
+          </a:p>
+        </p:txBody>
+      </p:sp>
+      <p:sp>
+        <p:nvSpPr>
+          <p:cNvPr id="7" name="Овал 6"/>
+          <p:cNvSpPr/>
+          <p:nvPr/>
+        </p:nvSpPr>
+        <p:spPr>
+          <a:xfrm>
+            <a:off x="226803" y="4173682"/>
+            <a:ext cx="833069" cy="481445"/>
+          </a:xfrm>
+          <a:prstGeom prst="ellipse">
+            <a:avLst/>
+          </a:prstGeom>
+        </p:spPr>
+        <p:style>
+          <a:lnRef idx="2">
+            <a:schemeClr val="accent1">
+              <a:shade val="50000"/>
+            </a:schemeClr>
+          </a:lnRef>
+          <a:fillRef idx="1">
+            <a:schemeClr val="accent1"/>
+          </a:fillRef>
+          <a:effectRef idx="0">
+            <a:schemeClr val="accent1"/>
+          </a:effectRef>
+          <a:fontRef idx="minor">
+            <a:schemeClr val="lt1"/>
+          </a:fontRef>
+        </p:style>
+        <p:txBody>
+          <a:bodyPr rtlCol="0" anchor="ctr"/>
+          <a:lstStyle/>
+          <a:p>
+            <a:pPr algn="ctr"/>
+            <a:r>
+              <a:rPr lang="ru-RU" dirty="0" smtClean="0"/>
+              <a:t>42</a:t>
+            </a:r>
+            <a:endParaRPr lang="uk-UA" dirty="0"/>
+          </a:p>
+        </p:txBody>
+      </p:sp>
+      <p:sp>
+        <p:nvSpPr>
+          <p:cNvPr id="8" name="Овал 7"/>
+          <p:cNvSpPr/>
+          <p:nvPr/>
+        </p:nvSpPr>
+        <p:spPr>
+          <a:xfrm>
+            <a:off x="1964174" y="4118267"/>
+            <a:ext cx="872544" cy="536860"/>
+          </a:xfrm>
+          <a:prstGeom prst="ellipse">
+            <a:avLst/>
+          </a:prstGeom>
+        </p:spPr>
+        <p:style>
+          <a:lnRef idx="2">
+            <a:schemeClr val="accent1">
+              <a:shade val="50000"/>
+            </a:schemeClr>
+          </a:lnRef>
+          <a:fillRef idx="1">
+            <a:schemeClr val="accent1"/>
+          </a:fillRef>
+          <a:effectRef idx="0">
+            <a:schemeClr val="accent1"/>
+          </a:effectRef>
+          <a:fontRef idx="minor">
+            <a:schemeClr val="lt1"/>
+          </a:fontRef>
+        </p:style>
+        <p:txBody>
+          <a:bodyPr rtlCol="0" anchor="ctr"/>
+          <a:lstStyle/>
+          <a:p>
+            <a:pPr algn="ctr"/>
+            <a:r>
+              <a:rPr lang="ru-RU" dirty="0" smtClean="0"/>
+              <a:t>99</a:t>
+            </a:r>
+            <a:endParaRPr lang="uk-UA" dirty="0"/>
+          </a:p>
+        </p:txBody>
+      </p:sp>
+      <p:sp>
+        <p:nvSpPr>
+          <p:cNvPr id="9" name="Овал 8"/>
+          <p:cNvSpPr/>
+          <p:nvPr/>
+        </p:nvSpPr>
+        <p:spPr>
+          <a:xfrm>
+            <a:off x="3098083" y="4118267"/>
+            <a:ext cx="845852" cy="536860"/>
+          </a:xfrm>
+          <a:prstGeom prst="ellipse">
+            <a:avLst/>
+          </a:prstGeom>
+        </p:spPr>
+        <p:style>
+          <a:lnRef idx="2">
+            <a:schemeClr val="accent1">
+              <a:shade val="50000"/>
+            </a:schemeClr>
+          </a:lnRef>
+          <a:fillRef idx="1">
+            <a:schemeClr val="accent1"/>
+          </a:fillRef>
+          <a:effectRef idx="0">
+            <a:schemeClr val="accent1"/>
+          </a:effectRef>
+          <a:fontRef idx="minor">
+            <a:schemeClr val="lt1"/>
+          </a:fontRef>
+        </p:style>
+        <p:txBody>
+          <a:bodyPr rtlCol="0" anchor="ctr"/>
+          <a:lstStyle/>
+          <a:p>
+            <a:pPr algn="ctr"/>
+            <a:r>
+              <a:rPr lang="ru-RU" dirty="0" smtClean="0"/>
+              <a:t>126</a:t>
+            </a:r>
+            <a:endParaRPr lang="uk-UA" dirty="0"/>
+          </a:p>
+        </p:txBody>
+      </p:sp>
+      <p:cxnSp>
+        <p:nvCxnSpPr>
+          <p:cNvPr id="11" name="Прямая соединительная линия 10"/>
+          <p:cNvCxnSpPr>
+            <a:stCxn id="4" idx="3"/>
+            <a:endCxn id="5" idx="7"/>
+          </p:cNvCxnSpPr>
+          <p:nvPr/>
+        </p:nvCxnSpPr>
+        <p:spPr>
+          <a:xfrm flipH="1">
+            <a:off x="1841899" y="2378824"/>
+            <a:ext cx="934021" cy="686799"/>
+          </a:xfrm>
+          <a:prstGeom prst="line">
+            <a:avLst/>
+          </a:prstGeom>
+        </p:spPr>
+        <p:style>
+          <a:lnRef idx="1">
+            <a:schemeClr val="accent1"/>
+          </a:lnRef>
+          <a:fillRef idx="0">
+            <a:schemeClr val="accent1"/>
+          </a:fillRef>
+          <a:effectRef idx="0">
+            <a:schemeClr val="accent1"/>
+          </a:effectRef>
+          <a:fontRef idx="minor">
+            <a:schemeClr val="tx1"/>
+          </a:fontRef>
+        </p:style>
+      </p:cxnSp>
+      <p:cxnSp>
+        <p:nvCxnSpPr>
+          <p:cNvPr id="15" name="Прямая соединительная линия 14"/>
+          <p:cNvCxnSpPr>
+            <a:stCxn id="5" idx="3"/>
+            <a:endCxn id="7" idx="0"/>
+          </p:cNvCxnSpPr>
+          <p:nvPr/>
+        </p:nvCxnSpPr>
+        <p:spPr>
+          <a:xfrm flipH="1">
+            <a:off x="643338" y="3418302"/>
+            <a:ext cx="608167" cy="755380"/>
+          </a:xfrm>
+          <a:prstGeom prst="line">
+            <a:avLst/>
+          </a:prstGeom>
+        </p:spPr>
+        <p:style>
+          <a:lnRef idx="1">
+            <a:schemeClr val="accent1"/>
+          </a:lnRef>
+          <a:fillRef idx="0">
+            <a:schemeClr val="accent1"/>
+          </a:fillRef>
+          <a:effectRef idx="0">
+            <a:schemeClr val="accent1"/>
+          </a:effectRef>
+          <a:fontRef idx="minor">
+            <a:schemeClr val="tx1"/>
+          </a:fontRef>
+        </p:style>
+      </p:cxnSp>
+      <p:cxnSp>
+        <p:nvCxnSpPr>
+          <p:cNvPr id="17" name="Прямая соединительная линия 16"/>
+          <p:cNvCxnSpPr>
+            <a:stCxn id="5" idx="5"/>
+            <a:endCxn id="8" idx="0"/>
+          </p:cNvCxnSpPr>
+          <p:nvPr/>
+        </p:nvCxnSpPr>
+        <p:spPr>
+          <a:xfrm>
+            <a:off x="1841899" y="3418302"/>
+            <a:ext cx="558547" cy="699965"/>
+          </a:xfrm>
+          <a:prstGeom prst="line">
+            <a:avLst/>
+          </a:prstGeom>
+        </p:spPr>
+        <p:style>
+          <a:lnRef idx="1">
+            <a:schemeClr val="accent1"/>
+          </a:lnRef>
+          <a:fillRef idx="0">
+            <a:schemeClr val="accent1"/>
+          </a:fillRef>
+          <a:effectRef idx="0">
+            <a:schemeClr val="accent1"/>
+          </a:effectRef>
+          <a:fontRef idx="minor">
+            <a:schemeClr val="tx1"/>
+          </a:fontRef>
+        </p:style>
+      </p:cxnSp>
+      <p:cxnSp>
+        <p:nvCxnSpPr>
+          <p:cNvPr id="19" name="Прямая соединительная линия 18"/>
+          <p:cNvCxnSpPr>
+            <a:stCxn id="4" idx="5"/>
+            <a:endCxn id="6" idx="1"/>
+          </p:cNvCxnSpPr>
+          <p:nvPr/>
+        </p:nvCxnSpPr>
+        <p:spPr>
+          <a:xfrm>
+            <a:off x="3420247" y="2378824"/>
+            <a:ext cx="644579" cy="688321"/>
+          </a:xfrm>
+          <a:prstGeom prst="line">
+            <a:avLst/>
+          </a:prstGeom>
+        </p:spPr>
+        <p:style>
+          <a:lnRef idx="1">
+            <a:schemeClr val="accent1"/>
+          </a:lnRef>
+          <a:fillRef idx="0">
+            <a:schemeClr val="accent1"/>
+          </a:fillRef>
+          <a:effectRef idx="0">
+            <a:schemeClr val="accent1"/>
+          </a:effectRef>
+          <a:fontRef idx="minor">
+            <a:schemeClr val="tx1"/>
+          </a:fontRef>
+        </p:style>
+      </p:cxnSp>
+      <p:cxnSp>
+        <p:nvCxnSpPr>
+          <p:cNvPr id="21" name="Прямая соединительная линия 20"/>
+          <p:cNvCxnSpPr>
+            <a:endCxn id="9" idx="0"/>
+          </p:cNvCxnSpPr>
+          <p:nvPr/>
+        </p:nvCxnSpPr>
+        <p:spPr>
+          <a:xfrm flipH="1">
+            <a:off x="3521009" y="3325091"/>
+            <a:ext cx="635355" cy="793176"/>
+          </a:xfrm>
+          <a:prstGeom prst="line">
+            <a:avLst/>
+          </a:prstGeom>
+        </p:spPr>
+        <p:style>
+          <a:lnRef idx="1">
+            <a:schemeClr val="accent1"/>
+          </a:lnRef>
+          <a:fillRef idx="0">
+            <a:schemeClr val="accent1"/>
+          </a:fillRef>
+          <a:effectRef idx="0">
+            <a:schemeClr val="accent1"/>
+          </a:effectRef>
+          <a:fontRef idx="minor">
+            <a:schemeClr val="tx1"/>
+          </a:fontRef>
+        </p:style>
+      </p:cxnSp>
+      <p:sp>
+        <p:nvSpPr>
+          <p:cNvPr id="22" name="TextBox 21"/>
+          <p:cNvSpPr txBox="1"/>
+          <p:nvPr/>
+        </p:nvSpPr>
+        <p:spPr>
+          <a:xfrm>
+            <a:off x="4865295" y="1807129"/>
+            <a:ext cx="1215736" cy="369332"/>
+          </a:xfrm>
+          <a:prstGeom prst="rect">
+            <a:avLst/>
+          </a:prstGeom>
+          <a:noFill/>
+        </p:spPr>
+        <p:txBody>
+          <a:bodyPr wrap="square" rtlCol="0">
+            <a:spAutoFit/>
           </a:bodyPr>
           <a:lstStyle/>
           <a:p>
             <a:r>
-              <a:rPr lang="ru-RU" sz="2400" dirty="0"/>
-              <a:t>При значениях больших или меньших значений дерева, действия выполняются аналогичные добавлению.</a:t>
-            </a:r>
-            <a:endParaRPr lang="uk-UA" sz="2400" dirty="0"/>
-          </a:p>
-        </p:txBody>
-      </p:sp>
-      <p:pic>
-        <p:nvPicPr>
-          <p:cNvPr id="4" name="Рисунок 3"/>
-          <p:cNvPicPr>
-            <a:picLocks noChangeAspect="1"/>
-          </p:cNvPicPr>
-          <p:nvPr/>
-        </p:nvPicPr>
-        <p:blipFill>
-          <a:blip r:embed="rId2"/>
-          <a:stretch>
-            <a:fillRect/>
-          </a:stretch>
-        </p:blipFill>
-        <p:spPr>
-          <a:xfrm>
-            <a:off x="3496810" y="2356265"/>
-            <a:ext cx="5175256" cy="3892135"/>
+              <a:rPr lang="ru-RU" dirty="0" smtClean="0"/>
+              <a:t>160</a:t>
+            </a:r>
+            <a:r>
+              <a:rPr lang="en-US" dirty="0" smtClean="0"/>
+              <a:t> &gt; 153</a:t>
+            </a:r>
+            <a:endParaRPr lang="uk-UA" dirty="0"/>
+          </a:p>
+        </p:txBody>
+      </p:sp>
+      <p:sp>
+        <p:nvSpPr>
+          <p:cNvPr id="23" name="Овал 22"/>
+          <p:cNvSpPr/>
+          <p:nvPr/>
+        </p:nvSpPr>
+        <p:spPr>
+          <a:xfrm>
+            <a:off x="7055427" y="1890278"/>
+            <a:ext cx="862446" cy="572367"/>
+          </a:xfrm>
+          <a:prstGeom prst="ellipse">
+            <a:avLst/>
+          </a:prstGeom>
+        </p:spPr>
+        <p:style>
+          <a:lnRef idx="3">
+            <a:schemeClr val="lt1"/>
+          </a:lnRef>
+          <a:fillRef idx="1">
+            <a:schemeClr val="accent3"/>
+          </a:fillRef>
+          <a:effectRef idx="1">
+            <a:schemeClr val="accent3"/>
+          </a:effectRef>
+          <a:fontRef idx="minor">
+            <a:schemeClr val="lt1"/>
+          </a:fontRef>
+        </p:style>
+        <p:txBody>
+          <a:bodyPr rtlCol="0" anchor="ctr"/>
+          <a:lstStyle/>
+          <a:p>
+            <a:pPr algn="ctr"/>
+            <a:r>
+              <a:rPr lang="en-US" dirty="0" smtClean="0"/>
+              <a:t>102</a:t>
+            </a:r>
+            <a:endParaRPr lang="uk-UA" dirty="0"/>
+          </a:p>
+        </p:txBody>
+      </p:sp>
+      <p:cxnSp>
+        <p:nvCxnSpPr>
+          <p:cNvPr id="25" name="Прямая соединительная линия 24"/>
+          <p:cNvCxnSpPr>
+            <a:stCxn id="23" idx="3"/>
+            <a:endCxn id="5" idx="6"/>
+          </p:cNvCxnSpPr>
+          <p:nvPr/>
+        </p:nvCxnSpPr>
+        <p:spPr>
+          <a:xfrm flipH="1">
+            <a:off x="1964174" y="2378824"/>
+            <a:ext cx="5217555" cy="863139"/>
+          </a:xfrm>
+          <a:prstGeom prst="line">
+            <a:avLst/>
+          </a:prstGeom>
+        </p:spPr>
+        <p:style>
+          <a:lnRef idx="1">
+            <a:schemeClr val="accent2"/>
+          </a:lnRef>
+          <a:fillRef idx="0">
+            <a:schemeClr val="accent2"/>
+          </a:fillRef>
+          <a:effectRef idx="0">
+            <a:schemeClr val="accent2"/>
+          </a:effectRef>
+          <a:fontRef idx="minor">
+            <a:schemeClr val="tx1"/>
+          </a:fontRef>
+        </p:style>
+      </p:cxnSp>
+      <p:sp>
+        <p:nvSpPr>
+          <p:cNvPr id="3" name="Овал 2"/>
+          <p:cNvSpPr/>
+          <p:nvPr/>
+        </p:nvSpPr>
+        <p:spPr>
+          <a:xfrm>
+            <a:off x="8188036" y="3065623"/>
+            <a:ext cx="831273" cy="550413"/>
+          </a:xfrm>
+          <a:prstGeom prst="ellipse">
+            <a:avLst/>
+          </a:prstGeom>
+        </p:spPr>
+        <p:style>
+          <a:lnRef idx="3">
+            <a:schemeClr val="lt1"/>
+          </a:lnRef>
+          <a:fillRef idx="1">
+            <a:schemeClr val="accent3"/>
+          </a:fillRef>
+          <a:effectRef idx="1">
+            <a:schemeClr val="accent3"/>
+          </a:effectRef>
+          <a:fontRef idx="minor">
+            <a:schemeClr val="lt1"/>
+          </a:fontRef>
+        </p:style>
+        <p:txBody>
+          <a:bodyPr rtlCol="0" anchor="ctr"/>
+          <a:lstStyle/>
+          <a:p>
+            <a:pPr algn="ctr"/>
+            <a:r>
+              <a:rPr lang="en-US" dirty="0" smtClean="0"/>
+              <a:t>153</a:t>
+            </a:r>
+            <a:endParaRPr lang="uk-UA" dirty="0"/>
+          </a:p>
+        </p:txBody>
+      </p:sp>
+      <p:cxnSp>
+        <p:nvCxnSpPr>
+          <p:cNvPr id="12" name="Прямая соединительная линия 11"/>
+          <p:cNvCxnSpPr>
+            <a:stCxn id="23" idx="5"/>
+            <a:endCxn id="3" idx="1"/>
+          </p:cNvCxnSpPr>
+          <p:nvPr/>
+        </p:nvCxnSpPr>
+        <p:spPr>
+          <a:xfrm>
+            <a:off x="7791571" y="2378824"/>
+            <a:ext cx="518202" cy="767405"/>
+          </a:xfrm>
+          <a:prstGeom prst="line">
+            <a:avLst/>
+          </a:prstGeom>
+        </p:spPr>
+        <p:style>
+          <a:lnRef idx="1">
+            <a:schemeClr val="accent2"/>
+          </a:lnRef>
+          <a:fillRef idx="0">
+            <a:schemeClr val="accent2"/>
+          </a:fillRef>
+          <a:effectRef idx="0">
+            <a:schemeClr val="accent2"/>
+          </a:effectRef>
+          <a:fontRef idx="minor">
+            <a:schemeClr val="tx1"/>
+          </a:fontRef>
+        </p:style>
+      </p:cxnSp>
+      <p:cxnSp>
+        <p:nvCxnSpPr>
+          <p:cNvPr id="14" name="Прямая соединительная линия 13"/>
+          <p:cNvCxnSpPr>
+            <a:stCxn id="3" idx="3"/>
+            <a:endCxn id="9" idx="7"/>
+          </p:cNvCxnSpPr>
+          <p:nvPr/>
+        </p:nvCxnSpPr>
+        <p:spPr>
+          <a:xfrm flipH="1">
+            <a:off x="3820063" y="3535430"/>
+            <a:ext cx="4489710" cy="661458"/>
+          </a:xfrm>
+          <a:prstGeom prst="line">
+            <a:avLst/>
+          </a:prstGeom>
+        </p:spPr>
+        <p:style>
+          <a:lnRef idx="1">
+            <a:schemeClr val="accent2"/>
+          </a:lnRef>
+          <a:fillRef idx="0">
+            <a:schemeClr val="accent2"/>
+          </a:fillRef>
+          <a:effectRef idx="0">
+            <a:schemeClr val="accent2"/>
+          </a:effectRef>
+          <a:fontRef idx="minor">
+            <a:schemeClr val="tx1"/>
+          </a:fontRef>
+        </p:style>
+      </p:cxnSp>
+      <p:sp>
+        <p:nvSpPr>
+          <p:cNvPr id="24" name="TextBox 23"/>
+          <p:cNvSpPr txBox="1"/>
+          <p:nvPr/>
+        </p:nvSpPr>
+        <p:spPr>
+          <a:xfrm>
+            <a:off x="2840640" y="1458306"/>
+            <a:ext cx="514885" cy="369332"/>
           </a:xfrm>
           <a:prstGeom prst="rect">
             <a:avLst/>
           </a:prstGeom>
-        </p:spPr>
-      </p:pic>
+          <a:noFill/>
+        </p:spPr>
+        <p:txBody>
+          <a:bodyPr wrap="square" rtlCol="0">
+            <a:spAutoFit/>
+          </a:bodyPr>
+          <a:lstStyle/>
+          <a:p>
+            <a:r>
+              <a:rPr lang="en-US" dirty="0" smtClean="0"/>
+              <a:t>G1</a:t>
+            </a:r>
+            <a:endParaRPr lang="uk-UA" dirty="0"/>
+          </a:p>
+        </p:txBody>
+      </p:sp>
+      <p:sp>
+        <p:nvSpPr>
+          <p:cNvPr id="26" name="TextBox 25"/>
+          <p:cNvSpPr txBox="1"/>
+          <p:nvPr/>
+        </p:nvSpPr>
+        <p:spPr>
+          <a:xfrm>
+            <a:off x="7181729" y="1457733"/>
+            <a:ext cx="514885" cy="369332"/>
+          </a:xfrm>
+          <a:prstGeom prst="rect">
+            <a:avLst/>
+          </a:prstGeom>
+          <a:noFill/>
+        </p:spPr>
+        <p:txBody>
+          <a:bodyPr wrap="square" rtlCol="0">
+            <a:spAutoFit/>
+          </a:bodyPr>
+          <a:lstStyle/>
+          <a:p>
+            <a:r>
+              <a:rPr lang="en-US" dirty="0" smtClean="0"/>
+              <a:t>G2</a:t>
+            </a:r>
+            <a:endParaRPr lang="uk-UA" dirty="0"/>
+          </a:p>
+        </p:txBody>
+      </p:sp>
     </p:spTree>
     <p:extLst>
       <p:ext uri="{BB962C8B-B14F-4D97-AF65-F5344CB8AC3E}">
-        <p14:creationId xmlns:p14="http://schemas.microsoft.com/office/powerpoint/2010/main" val="959791149"/>
+        <p14:creationId xmlns:p14="http://schemas.microsoft.com/office/powerpoint/2010/main" val="2728979398"/>
       </p:ext>
     </p:extLst>
   </p:cSld>
   <p:clrMapOvr>
     <a:masterClrMapping/>
   </p:clrMapOvr>
+  <p:timing>
+    <p:tnLst>
+      <p:par>
+        <p:cTn id="1" dur="indefinite" restart="never" nodeType="tmRoot"/>
+      </p:par>
+    </p:tnLst>
+  </p:timing>
 </p:sld>
 </file>
 
@@ -6341,8 +7548,8 @@
         </p:nvSpPr>
         <p:spPr>
           <a:xfrm>
-            <a:off x="646111" y="452718"/>
-            <a:ext cx="9404723" cy="819491"/>
+            <a:off x="770802" y="421545"/>
+            <a:ext cx="9404723" cy="700673"/>
           </a:xfrm>
         </p:spPr>
         <p:txBody>
@@ -6350,12 +7557,52 @@
           <a:lstStyle/>
           <a:p>
             <a:r>
-              <a:rPr lang="ru-RU" dirty="0"/>
-              <a:t>Функция </a:t>
-            </a:r>
-            <a:r>
-              <a:rPr lang="en-US" dirty="0" err="1"/>
-              <a:t>removeNode</a:t>
+              <a:rPr lang="ru-RU" sz="3600" dirty="0" smtClean="0"/>
+              <a:t>Работа добавления (добавление 160)</a:t>
+            </a:r>
+            <a:endParaRPr lang="uk-UA" sz="3600" dirty="0"/>
+          </a:p>
+        </p:txBody>
+      </p:sp>
+      <p:sp>
+        <p:nvSpPr>
+          <p:cNvPr id="4" name="Овал 3"/>
+          <p:cNvSpPr/>
+          <p:nvPr/>
+        </p:nvSpPr>
+        <p:spPr>
+          <a:xfrm>
+            <a:off x="2642476" y="1890278"/>
+            <a:ext cx="911215" cy="572367"/>
+          </a:xfrm>
+          <a:prstGeom prst="ellipse">
+            <a:avLst/>
+          </a:prstGeom>
+        </p:spPr>
+        <p:style>
+          <a:lnRef idx="2">
+            <a:schemeClr val="accent1">
+              <a:shade val="50000"/>
+            </a:schemeClr>
+          </a:lnRef>
+          <a:fillRef idx="1">
+            <a:schemeClr val="accent1"/>
+          </a:fillRef>
+          <a:effectRef idx="0">
+            <a:schemeClr val="accent1"/>
+          </a:effectRef>
+          <a:fontRef idx="minor">
+            <a:schemeClr val="lt1"/>
+          </a:fontRef>
+        </p:style>
+        <p:txBody>
+          <a:bodyPr rtlCol="0" anchor="ctr"/>
+          <a:lstStyle/>
+          <a:p>
+            <a:pPr algn="ctr"/>
+            <a:r>
+              <a:rPr lang="ru-RU" dirty="0" smtClean="0"/>
+              <a:t>102</a:t>
             </a:r>
             <a:endParaRPr lang="uk-UA" dirty="0"/>
           </a:p>
@@ -6363,69 +7610,753 @@
       </p:sp>
       <p:sp>
         <p:nvSpPr>
-          <p:cNvPr id="3" name="Объект 2"/>
-          <p:cNvSpPr>
-            <a:spLocks noGrp="1"/>
-          </p:cNvSpPr>
-          <p:nvPr>
-            <p:ph idx="1"/>
-          </p:nvPr>
-        </p:nvSpPr>
-        <p:spPr>
-          <a:xfrm>
-            <a:off x="1103312" y="1179444"/>
-            <a:ext cx="10002010" cy="5068956"/>
-          </a:xfrm>
-        </p:spPr>
-        <p:txBody>
-          <a:bodyPr>
-            <a:normAutofit/>
+          <p:cNvPr id="5" name="Овал 4"/>
+          <p:cNvSpPr/>
+          <p:nvPr/>
+        </p:nvSpPr>
+        <p:spPr>
+          <a:xfrm>
+            <a:off x="1129230" y="2992581"/>
+            <a:ext cx="834944" cy="498763"/>
+          </a:xfrm>
+          <a:prstGeom prst="ellipse">
+            <a:avLst/>
+          </a:prstGeom>
+        </p:spPr>
+        <p:style>
+          <a:lnRef idx="2">
+            <a:schemeClr val="accent1">
+              <a:shade val="50000"/>
+            </a:schemeClr>
+          </a:lnRef>
+          <a:fillRef idx="1">
+            <a:schemeClr val="accent1"/>
+          </a:fillRef>
+          <a:effectRef idx="0">
+            <a:schemeClr val="accent1"/>
+          </a:effectRef>
+          <a:fontRef idx="minor">
+            <a:schemeClr val="lt1"/>
+          </a:fontRef>
+        </p:style>
+        <p:txBody>
+          <a:bodyPr rtlCol="0" anchor="ctr"/>
+          <a:lstStyle/>
+          <a:p>
+            <a:pPr algn="ctr"/>
+            <a:r>
+              <a:rPr lang="ru-RU" dirty="0" smtClean="0"/>
+              <a:t>84</a:t>
+            </a:r>
+            <a:endParaRPr lang="uk-UA" dirty="0"/>
+          </a:p>
+        </p:txBody>
+      </p:sp>
+      <p:sp>
+        <p:nvSpPr>
+          <p:cNvPr id="6" name="Овал 5"/>
+          <p:cNvSpPr/>
+          <p:nvPr/>
+        </p:nvSpPr>
+        <p:spPr>
+          <a:xfrm>
+            <a:off x="3943935" y="2992581"/>
+            <a:ext cx="825492" cy="509155"/>
+          </a:xfrm>
+          <a:prstGeom prst="ellipse">
+            <a:avLst/>
+          </a:prstGeom>
+        </p:spPr>
+        <p:style>
+          <a:lnRef idx="2">
+            <a:schemeClr val="accent1">
+              <a:shade val="50000"/>
+            </a:schemeClr>
+          </a:lnRef>
+          <a:fillRef idx="1">
+            <a:schemeClr val="accent1"/>
+          </a:fillRef>
+          <a:effectRef idx="0">
+            <a:schemeClr val="accent1"/>
+          </a:effectRef>
+          <a:fontRef idx="minor">
+            <a:schemeClr val="lt1"/>
+          </a:fontRef>
+        </p:style>
+        <p:txBody>
+          <a:bodyPr rtlCol="0" anchor="ctr"/>
+          <a:lstStyle/>
+          <a:p>
+            <a:pPr algn="ctr"/>
+            <a:r>
+              <a:rPr lang="ru-RU" dirty="0" smtClean="0"/>
+              <a:t>153</a:t>
+            </a:r>
+            <a:endParaRPr lang="uk-UA" dirty="0"/>
+          </a:p>
+        </p:txBody>
+      </p:sp>
+      <p:sp>
+        <p:nvSpPr>
+          <p:cNvPr id="7" name="Овал 6"/>
+          <p:cNvSpPr/>
+          <p:nvPr/>
+        </p:nvSpPr>
+        <p:spPr>
+          <a:xfrm>
+            <a:off x="226803" y="4173682"/>
+            <a:ext cx="833069" cy="481445"/>
+          </a:xfrm>
+          <a:prstGeom prst="ellipse">
+            <a:avLst/>
+          </a:prstGeom>
+        </p:spPr>
+        <p:style>
+          <a:lnRef idx="2">
+            <a:schemeClr val="accent1">
+              <a:shade val="50000"/>
+            </a:schemeClr>
+          </a:lnRef>
+          <a:fillRef idx="1">
+            <a:schemeClr val="accent1"/>
+          </a:fillRef>
+          <a:effectRef idx="0">
+            <a:schemeClr val="accent1"/>
+          </a:effectRef>
+          <a:fontRef idx="minor">
+            <a:schemeClr val="lt1"/>
+          </a:fontRef>
+        </p:style>
+        <p:txBody>
+          <a:bodyPr rtlCol="0" anchor="ctr"/>
+          <a:lstStyle/>
+          <a:p>
+            <a:pPr algn="ctr"/>
+            <a:r>
+              <a:rPr lang="ru-RU" dirty="0" smtClean="0"/>
+              <a:t>42</a:t>
+            </a:r>
+            <a:endParaRPr lang="uk-UA" dirty="0"/>
+          </a:p>
+        </p:txBody>
+      </p:sp>
+      <p:sp>
+        <p:nvSpPr>
+          <p:cNvPr id="8" name="Овал 7"/>
+          <p:cNvSpPr/>
+          <p:nvPr/>
+        </p:nvSpPr>
+        <p:spPr>
+          <a:xfrm>
+            <a:off x="1964174" y="4118267"/>
+            <a:ext cx="872544" cy="536860"/>
+          </a:xfrm>
+          <a:prstGeom prst="ellipse">
+            <a:avLst/>
+          </a:prstGeom>
+        </p:spPr>
+        <p:style>
+          <a:lnRef idx="2">
+            <a:schemeClr val="accent1">
+              <a:shade val="50000"/>
+            </a:schemeClr>
+          </a:lnRef>
+          <a:fillRef idx="1">
+            <a:schemeClr val="accent1"/>
+          </a:fillRef>
+          <a:effectRef idx="0">
+            <a:schemeClr val="accent1"/>
+          </a:effectRef>
+          <a:fontRef idx="minor">
+            <a:schemeClr val="lt1"/>
+          </a:fontRef>
+        </p:style>
+        <p:txBody>
+          <a:bodyPr rtlCol="0" anchor="ctr"/>
+          <a:lstStyle/>
+          <a:p>
+            <a:pPr algn="ctr"/>
+            <a:r>
+              <a:rPr lang="ru-RU" dirty="0" smtClean="0"/>
+              <a:t>99</a:t>
+            </a:r>
+            <a:endParaRPr lang="uk-UA" dirty="0"/>
+          </a:p>
+        </p:txBody>
+      </p:sp>
+      <p:sp>
+        <p:nvSpPr>
+          <p:cNvPr id="9" name="Овал 8"/>
+          <p:cNvSpPr/>
+          <p:nvPr/>
+        </p:nvSpPr>
+        <p:spPr>
+          <a:xfrm>
+            <a:off x="3098083" y="4118267"/>
+            <a:ext cx="845852" cy="536860"/>
+          </a:xfrm>
+          <a:prstGeom prst="ellipse">
+            <a:avLst/>
+          </a:prstGeom>
+        </p:spPr>
+        <p:style>
+          <a:lnRef idx="2">
+            <a:schemeClr val="accent1">
+              <a:shade val="50000"/>
+            </a:schemeClr>
+          </a:lnRef>
+          <a:fillRef idx="1">
+            <a:schemeClr val="accent1"/>
+          </a:fillRef>
+          <a:effectRef idx="0">
+            <a:schemeClr val="accent1"/>
+          </a:effectRef>
+          <a:fontRef idx="minor">
+            <a:schemeClr val="lt1"/>
+          </a:fontRef>
+        </p:style>
+        <p:txBody>
+          <a:bodyPr rtlCol="0" anchor="ctr"/>
+          <a:lstStyle/>
+          <a:p>
+            <a:pPr algn="ctr"/>
+            <a:r>
+              <a:rPr lang="ru-RU" dirty="0" smtClean="0"/>
+              <a:t>126</a:t>
+            </a:r>
+            <a:endParaRPr lang="uk-UA" dirty="0"/>
+          </a:p>
+        </p:txBody>
+      </p:sp>
+      <p:cxnSp>
+        <p:nvCxnSpPr>
+          <p:cNvPr id="11" name="Прямая соединительная линия 10"/>
+          <p:cNvCxnSpPr>
+            <a:stCxn id="4" idx="3"/>
+            <a:endCxn id="5" idx="7"/>
+          </p:cNvCxnSpPr>
+          <p:nvPr/>
+        </p:nvCxnSpPr>
+        <p:spPr>
+          <a:xfrm flipH="1">
+            <a:off x="1841899" y="2378824"/>
+            <a:ext cx="934021" cy="686799"/>
+          </a:xfrm>
+          <a:prstGeom prst="line">
+            <a:avLst/>
+          </a:prstGeom>
+        </p:spPr>
+        <p:style>
+          <a:lnRef idx="1">
+            <a:schemeClr val="accent1"/>
+          </a:lnRef>
+          <a:fillRef idx="0">
+            <a:schemeClr val="accent1"/>
+          </a:fillRef>
+          <a:effectRef idx="0">
+            <a:schemeClr val="accent1"/>
+          </a:effectRef>
+          <a:fontRef idx="minor">
+            <a:schemeClr val="tx1"/>
+          </a:fontRef>
+        </p:style>
+      </p:cxnSp>
+      <p:cxnSp>
+        <p:nvCxnSpPr>
+          <p:cNvPr id="15" name="Прямая соединительная линия 14"/>
+          <p:cNvCxnSpPr>
+            <a:stCxn id="5" idx="3"/>
+            <a:endCxn id="7" idx="0"/>
+          </p:cNvCxnSpPr>
+          <p:nvPr/>
+        </p:nvCxnSpPr>
+        <p:spPr>
+          <a:xfrm flipH="1">
+            <a:off x="643338" y="3418302"/>
+            <a:ext cx="608167" cy="755380"/>
+          </a:xfrm>
+          <a:prstGeom prst="line">
+            <a:avLst/>
+          </a:prstGeom>
+        </p:spPr>
+        <p:style>
+          <a:lnRef idx="1">
+            <a:schemeClr val="accent1"/>
+          </a:lnRef>
+          <a:fillRef idx="0">
+            <a:schemeClr val="accent1"/>
+          </a:fillRef>
+          <a:effectRef idx="0">
+            <a:schemeClr val="accent1"/>
+          </a:effectRef>
+          <a:fontRef idx="minor">
+            <a:schemeClr val="tx1"/>
+          </a:fontRef>
+        </p:style>
+      </p:cxnSp>
+      <p:cxnSp>
+        <p:nvCxnSpPr>
+          <p:cNvPr id="17" name="Прямая соединительная линия 16"/>
+          <p:cNvCxnSpPr>
+            <a:stCxn id="5" idx="5"/>
+            <a:endCxn id="8" idx="0"/>
+          </p:cNvCxnSpPr>
+          <p:nvPr/>
+        </p:nvCxnSpPr>
+        <p:spPr>
+          <a:xfrm>
+            <a:off x="1841899" y="3418302"/>
+            <a:ext cx="558547" cy="699965"/>
+          </a:xfrm>
+          <a:prstGeom prst="line">
+            <a:avLst/>
+          </a:prstGeom>
+        </p:spPr>
+        <p:style>
+          <a:lnRef idx="1">
+            <a:schemeClr val="accent1"/>
+          </a:lnRef>
+          <a:fillRef idx="0">
+            <a:schemeClr val="accent1"/>
+          </a:fillRef>
+          <a:effectRef idx="0">
+            <a:schemeClr val="accent1"/>
+          </a:effectRef>
+          <a:fontRef idx="minor">
+            <a:schemeClr val="tx1"/>
+          </a:fontRef>
+        </p:style>
+      </p:cxnSp>
+      <p:cxnSp>
+        <p:nvCxnSpPr>
+          <p:cNvPr id="19" name="Прямая соединительная линия 18"/>
+          <p:cNvCxnSpPr>
+            <a:stCxn id="4" idx="5"/>
+            <a:endCxn id="6" idx="1"/>
+          </p:cNvCxnSpPr>
+          <p:nvPr/>
+        </p:nvCxnSpPr>
+        <p:spPr>
+          <a:xfrm>
+            <a:off x="3420247" y="2378824"/>
+            <a:ext cx="644579" cy="688321"/>
+          </a:xfrm>
+          <a:prstGeom prst="line">
+            <a:avLst/>
+          </a:prstGeom>
+        </p:spPr>
+        <p:style>
+          <a:lnRef idx="1">
+            <a:schemeClr val="accent1"/>
+          </a:lnRef>
+          <a:fillRef idx="0">
+            <a:schemeClr val="accent1"/>
+          </a:fillRef>
+          <a:effectRef idx="0">
+            <a:schemeClr val="accent1"/>
+          </a:effectRef>
+          <a:fontRef idx="minor">
+            <a:schemeClr val="tx1"/>
+          </a:fontRef>
+        </p:style>
+      </p:cxnSp>
+      <p:cxnSp>
+        <p:nvCxnSpPr>
+          <p:cNvPr id="21" name="Прямая соединительная линия 20"/>
+          <p:cNvCxnSpPr>
+            <a:endCxn id="9" idx="0"/>
+          </p:cNvCxnSpPr>
+          <p:nvPr/>
+        </p:nvCxnSpPr>
+        <p:spPr>
+          <a:xfrm flipH="1">
+            <a:off x="3521009" y="3325091"/>
+            <a:ext cx="635355" cy="793176"/>
+          </a:xfrm>
+          <a:prstGeom prst="line">
+            <a:avLst/>
+          </a:prstGeom>
+        </p:spPr>
+        <p:style>
+          <a:lnRef idx="1">
+            <a:schemeClr val="accent1"/>
+          </a:lnRef>
+          <a:fillRef idx="0">
+            <a:schemeClr val="accent1"/>
+          </a:fillRef>
+          <a:effectRef idx="0">
+            <a:schemeClr val="accent1"/>
+          </a:effectRef>
+          <a:fontRef idx="minor">
+            <a:schemeClr val="tx1"/>
+          </a:fontRef>
+        </p:style>
+      </p:cxnSp>
+      <p:sp>
+        <p:nvSpPr>
+          <p:cNvPr id="22" name="TextBox 21"/>
+          <p:cNvSpPr txBox="1"/>
+          <p:nvPr/>
+        </p:nvSpPr>
+        <p:spPr>
+          <a:xfrm>
+            <a:off x="3494170" y="1276673"/>
+            <a:ext cx="3957986" cy="369332"/>
+          </a:xfrm>
+          <a:prstGeom prst="rect">
+            <a:avLst/>
+          </a:prstGeom>
+          <a:noFill/>
+        </p:spPr>
+        <p:txBody>
+          <a:bodyPr wrap="square" rtlCol="0">
+            <a:spAutoFit/>
           </a:bodyPr>
           <a:lstStyle/>
           <a:p>
-            <a:pPr algn="just"/>
-            <a:r>
-              <a:rPr lang="ru-RU" sz="2400" dirty="0"/>
-              <a:t>При совпадении значений, если отсутствует правое поддерево, узлу новой версии дерева присваивается левое поддерево дерева текущей версии. Если отсутствует левое поддерево, то аналогично, наоборот.</a:t>
-            </a:r>
-            <a:endParaRPr lang="uk-UA" sz="2400" dirty="0"/>
-          </a:p>
-        </p:txBody>
-      </p:sp>
-      <p:pic>
-        <p:nvPicPr>
-          <p:cNvPr id="4" name="Рисунок 3"/>
-          <p:cNvPicPr>
-            <a:picLocks noChangeAspect="1"/>
-          </p:cNvPicPr>
-          <p:nvPr/>
-        </p:nvPicPr>
-        <p:blipFill>
-          <a:blip r:embed="rId2"/>
-          <a:stretch>
-            <a:fillRect/>
-          </a:stretch>
-        </p:blipFill>
-        <p:spPr>
-          <a:xfrm>
-            <a:off x="3646463" y="3054227"/>
-            <a:ext cx="4691104" cy="2671323"/>
+            <a:r>
+              <a:rPr lang="ru-RU" dirty="0" smtClean="0"/>
+              <a:t>У узла 153 нет правого ребенка</a:t>
+            </a:r>
+            <a:endParaRPr lang="uk-UA" dirty="0"/>
+          </a:p>
+        </p:txBody>
+      </p:sp>
+      <p:sp>
+        <p:nvSpPr>
+          <p:cNvPr id="23" name="Овал 22"/>
+          <p:cNvSpPr/>
+          <p:nvPr/>
+        </p:nvSpPr>
+        <p:spPr>
+          <a:xfrm>
+            <a:off x="7055427" y="1890278"/>
+            <a:ext cx="862446" cy="572367"/>
+          </a:xfrm>
+          <a:prstGeom prst="ellipse">
+            <a:avLst/>
+          </a:prstGeom>
+        </p:spPr>
+        <p:style>
+          <a:lnRef idx="3">
+            <a:schemeClr val="lt1"/>
+          </a:lnRef>
+          <a:fillRef idx="1">
+            <a:schemeClr val="accent3"/>
+          </a:fillRef>
+          <a:effectRef idx="1">
+            <a:schemeClr val="accent3"/>
+          </a:effectRef>
+          <a:fontRef idx="minor">
+            <a:schemeClr val="lt1"/>
+          </a:fontRef>
+        </p:style>
+        <p:txBody>
+          <a:bodyPr rtlCol="0" anchor="ctr"/>
+          <a:lstStyle/>
+          <a:p>
+            <a:pPr algn="ctr"/>
+            <a:r>
+              <a:rPr lang="en-US" dirty="0" smtClean="0"/>
+              <a:t>102</a:t>
+            </a:r>
+            <a:endParaRPr lang="uk-UA" dirty="0"/>
+          </a:p>
+        </p:txBody>
+      </p:sp>
+      <p:cxnSp>
+        <p:nvCxnSpPr>
+          <p:cNvPr id="25" name="Прямая соединительная линия 24"/>
+          <p:cNvCxnSpPr>
+            <a:stCxn id="23" idx="3"/>
+            <a:endCxn id="5" idx="6"/>
+          </p:cNvCxnSpPr>
+          <p:nvPr/>
+        </p:nvCxnSpPr>
+        <p:spPr>
+          <a:xfrm flipH="1">
+            <a:off x="1964174" y="2378824"/>
+            <a:ext cx="5217555" cy="863139"/>
+          </a:xfrm>
+          <a:prstGeom prst="line">
+            <a:avLst/>
+          </a:prstGeom>
+        </p:spPr>
+        <p:style>
+          <a:lnRef idx="1">
+            <a:schemeClr val="accent2"/>
+          </a:lnRef>
+          <a:fillRef idx="0">
+            <a:schemeClr val="accent2"/>
+          </a:fillRef>
+          <a:effectRef idx="0">
+            <a:schemeClr val="accent2"/>
+          </a:effectRef>
+          <a:fontRef idx="minor">
+            <a:schemeClr val="tx1"/>
+          </a:fontRef>
+        </p:style>
+      </p:cxnSp>
+      <p:sp>
+        <p:nvSpPr>
+          <p:cNvPr id="3" name="Овал 2"/>
+          <p:cNvSpPr/>
+          <p:nvPr/>
+        </p:nvSpPr>
+        <p:spPr>
+          <a:xfrm>
+            <a:off x="8188036" y="3065623"/>
+            <a:ext cx="831273" cy="550413"/>
+          </a:xfrm>
+          <a:prstGeom prst="ellipse">
+            <a:avLst/>
+          </a:prstGeom>
+        </p:spPr>
+        <p:style>
+          <a:lnRef idx="3">
+            <a:schemeClr val="lt1"/>
+          </a:lnRef>
+          <a:fillRef idx="1">
+            <a:schemeClr val="accent3"/>
+          </a:fillRef>
+          <a:effectRef idx="1">
+            <a:schemeClr val="accent3"/>
+          </a:effectRef>
+          <a:fontRef idx="minor">
+            <a:schemeClr val="lt1"/>
+          </a:fontRef>
+        </p:style>
+        <p:txBody>
+          <a:bodyPr rtlCol="0" anchor="ctr"/>
+          <a:lstStyle/>
+          <a:p>
+            <a:pPr algn="ctr"/>
+            <a:r>
+              <a:rPr lang="en-US" dirty="0" smtClean="0"/>
+              <a:t>153</a:t>
+            </a:r>
+            <a:endParaRPr lang="uk-UA" dirty="0"/>
+          </a:p>
+        </p:txBody>
+      </p:sp>
+      <p:cxnSp>
+        <p:nvCxnSpPr>
+          <p:cNvPr id="12" name="Прямая соединительная линия 11"/>
+          <p:cNvCxnSpPr>
+            <a:stCxn id="23" idx="5"/>
+            <a:endCxn id="3" idx="1"/>
+          </p:cNvCxnSpPr>
+          <p:nvPr/>
+        </p:nvCxnSpPr>
+        <p:spPr>
+          <a:xfrm>
+            <a:off x="7791571" y="2378824"/>
+            <a:ext cx="518202" cy="767405"/>
+          </a:xfrm>
+          <a:prstGeom prst="line">
+            <a:avLst/>
+          </a:prstGeom>
+        </p:spPr>
+        <p:style>
+          <a:lnRef idx="1">
+            <a:schemeClr val="accent2"/>
+          </a:lnRef>
+          <a:fillRef idx="0">
+            <a:schemeClr val="accent2"/>
+          </a:fillRef>
+          <a:effectRef idx="0">
+            <a:schemeClr val="accent2"/>
+          </a:effectRef>
+          <a:fontRef idx="minor">
+            <a:schemeClr val="tx1"/>
+          </a:fontRef>
+        </p:style>
+      </p:cxnSp>
+      <p:cxnSp>
+        <p:nvCxnSpPr>
+          <p:cNvPr id="14" name="Прямая соединительная линия 13"/>
+          <p:cNvCxnSpPr>
+            <a:stCxn id="3" idx="3"/>
+            <a:endCxn id="9" idx="7"/>
+          </p:cNvCxnSpPr>
+          <p:nvPr/>
+        </p:nvCxnSpPr>
+        <p:spPr>
+          <a:xfrm flipH="1">
+            <a:off x="3820063" y="3535430"/>
+            <a:ext cx="4489710" cy="661458"/>
+          </a:xfrm>
+          <a:prstGeom prst="line">
+            <a:avLst/>
+          </a:prstGeom>
+        </p:spPr>
+        <p:style>
+          <a:lnRef idx="1">
+            <a:schemeClr val="accent2"/>
+          </a:lnRef>
+          <a:fillRef idx="0">
+            <a:schemeClr val="accent2"/>
+          </a:fillRef>
+          <a:effectRef idx="0">
+            <a:schemeClr val="accent2"/>
+          </a:effectRef>
+          <a:fontRef idx="minor">
+            <a:schemeClr val="tx1"/>
+          </a:fontRef>
+        </p:style>
+      </p:cxnSp>
+      <p:sp>
+        <p:nvSpPr>
+          <p:cNvPr id="13" name="Овал 12"/>
+          <p:cNvSpPr/>
+          <p:nvPr/>
+        </p:nvSpPr>
+        <p:spPr>
+          <a:xfrm>
+            <a:off x="9164782" y="4416137"/>
+            <a:ext cx="852054" cy="569767"/>
+          </a:xfrm>
+          <a:prstGeom prst="ellipse">
+            <a:avLst/>
+          </a:prstGeom>
+        </p:spPr>
+        <p:style>
+          <a:lnRef idx="3">
+            <a:schemeClr val="lt1"/>
+          </a:lnRef>
+          <a:fillRef idx="1">
+            <a:schemeClr val="accent3"/>
+          </a:fillRef>
+          <a:effectRef idx="1">
+            <a:schemeClr val="accent3"/>
+          </a:effectRef>
+          <a:fontRef idx="minor">
+            <a:schemeClr val="lt1"/>
+          </a:fontRef>
+        </p:style>
+        <p:txBody>
+          <a:bodyPr rtlCol="0" anchor="ctr"/>
+          <a:lstStyle/>
+          <a:p>
+            <a:pPr algn="ctr"/>
+            <a:r>
+              <a:rPr lang="ru-RU" dirty="0" smtClean="0"/>
+              <a:t>160</a:t>
+            </a:r>
+            <a:endParaRPr lang="uk-UA" dirty="0"/>
+          </a:p>
+        </p:txBody>
+      </p:sp>
+      <p:cxnSp>
+        <p:nvCxnSpPr>
+          <p:cNvPr id="18" name="Прямая соединительная линия 17"/>
+          <p:cNvCxnSpPr>
+            <a:stCxn id="3" idx="5"/>
+            <a:endCxn id="13" idx="0"/>
+          </p:cNvCxnSpPr>
+          <p:nvPr/>
+        </p:nvCxnSpPr>
+        <p:spPr>
+          <a:xfrm>
+            <a:off x="8897572" y="3535430"/>
+            <a:ext cx="693237" cy="880707"/>
+          </a:xfrm>
+          <a:prstGeom prst="line">
+            <a:avLst/>
+          </a:prstGeom>
+        </p:spPr>
+        <p:style>
+          <a:lnRef idx="1">
+            <a:schemeClr val="accent2"/>
+          </a:lnRef>
+          <a:fillRef idx="0">
+            <a:schemeClr val="accent2"/>
+          </a:fillRef>
+          <a:effectRef idx="0">
+            <a:schemeClr val="accent2"/>
+          </a:effectRef>
+          <a:fontRef idx="minor">
+            <a:schemeClr val="tx1"/>
+          </a:fontRef>
+        </p:style>
+      </p:cxnSp>
+      <p:sp>
+        <p:nvSpPr>
+          <p:cNvPr id="24" name="TextBox 23"/>
+          <p:cNvSpPr txBox="1"/>
+          <p:nvPr/>
+        </p:nvSpPr>
+        <p:spPr>
+          <a:xfrm>
+            <a:off x="2840640" y="1458306"/>
+            <a:ext cx="514885" cy="369332"/>
           </a:xfrm>
           <a:prstGeom prst="rect">
             <a:avLst/>
           </a:prstGeom>
-        </p:spPr>
-      </p:pic>
+          <a:noFill/>
+        </p:spPr>
+        <p:txBody>
+          <a:bodyPr wrap="square" rtlCol="0">
+            <a:spAutoFit/>
+          </a:bodyPr>
+          <a:lstStyle/>
+          <a:p>
+            <a:r>
+              <a:rPr lang="en-US" dirty="0" smtClean="0"/>
+              <a:t>G1</a:t>
+            </a:r>
+            <a:endParaRPr lang="uk-UA" dirty="0"/>
+          </a:p>
+        </p:txBody>
+      </p:sp>
+      <p:sp>
+        <p:nvSpPr>
+          <p:cNvPr id="26" name="TextBox 25"/>
+          <p:cNvSpPr txBox="1"/>
+          <p:nvPr/>
+        </p:nvSpPr>
+        <p:spPr>
+          <a:xfrm>
+            <a:off x="7229207" y="1431071"/>
+            <a:ext cx="514885" cy="369332"/>
+          </a:xfrm>
+          <a:prstGeom prst="rect">
+            <a:avLst/>
+          </a:prstGeom>
+          <a:noFill/>
+        </p:spPr>
+        <p:txBody>
+          <a:bodyPr wrap="square" rtlCol="0">
+            <a:spAutoFit/>
+          </a:bodyPr>
+          <a:lstStyle/>
+          <a:p>
+            <a:r>
+              <a:rPr lang="en-US" dirty="0" smtClean="0"/>
+              <a:t>G2</a:t>
+            </a:r>
+            <a:endParaRPr lang="uk-UA" dirty="0"/>
+          </a:p>
+        </p:txBody>
+      </p:sp>
     </p:spTree>
     <p:extLst>
       <p:ext uri="{BB962C8B-B14F-4D97-AF65-F5344CB8AC3E}">
-        <p14:creationId xmlns:p14="http://schemas.microsoft.com/office/powerpoint/2010/main" val="3566433369"/>
+        <p14:creationId xmlns:p14="http://schemas.microsoft.com/office/powerpoint/2010/main" val="1775169521"/>
       </p:ext>
     </p:extLst>
   </p:cSld>
   <p:clrMapOvr>
     <a:masterClrMapping/>
   </p:clrMapOvr>
+  <p:timing>
+    <p:tnLst>
+      <p:par>
+        <p:cTn id="1" dur="indefinite" restart="never" nodeType="tmRoot"/>
+      </p:par>
+    </p:tnLst>
+  </p:timing>
 </p:sld>
 </file>
 
@@ -6459,7 +8390,7 @@
         <p:spPr>
           <a:xfrm>
             <a:off x="646111" y="452718"/>
-            <a:ext cx="9404723" cy="713473"/>
+            <a:ext cx="9404723" cy="792986"/>
           </a:xfrm>
         </p:spPr>
         <p:txBody>
@@ -6467,14 +8398,14 @@
           <a:lstStyle/>
           <a:p>
             <a:r>
-              <a:rPr lang="ru-RU" dirty="0"/>
-              <a:t>Функция </a:t>
-            </a:r>
-            <a:r>
-              <a:rPr lang="en-US" dirty="0" err="1"/>
-              <a:t>removeNode</a:t>
-            </a:r>
-            <a:endParaRPr lang="uk-UA" dirty="0"/>
+              <a:rPr lang="ru-RU" sz="3600" dirty="0"/>
+              <a:t>Удаление </a:t>
+            </a:r>
+            <a:r>
+              <a:rPr lang="en-US" sz="3600" dirty="0"/>
+              <a:t>(del)</a:t>
+            </a:r>
+            <a:endParaRPr lang="uk-UA" sz="3600" dirty="0"/>
           </a:p>
         </p:txBody>
       </p:sp>
@@ -6490,8 +8421,8 @@
         </p:nvSpPr>
         <p:spPr>
           <a:xfrm>
-            <a:off x="1103312" y="1325218"/>
-            <a:ext cx="10002010" cy="4923182"/>
+            <a:off x="1103312" y="1338470"/>
+            <a:ext cx="9975505" cy="4909929"/>
           </a:xfrm>
         </p:spPr>
         <p:txBody>
@@ -6500,11 +8431,28 @@
           </a:bodyPr>
           <a:lstStyle/>
           <a:p>
-            <a:pPr algn="just"/>
             <a:r>
               <a:rPr lang="ru-RU" sz="2400" dirty="0"/>
-              <a:t>При совпадении если и левое, и правое поддеревья непустые, то в узел дерева новой версии заносится минимальное значение на правом поддереве дерева текущей версии. Новому правому поддереву присваивается правое поддерево дерева текущей версии с удаленным минимальным значением. Левое поддерево переносится в новое дерево без изменений.</a:t>
-            </a:r>
+              <a:t>В функции </a:t>
+            </a:r>
+            <a:r>
+              <a:rPr lang="en-US" sz="2400" dirty="0"/>
+              <a:t>del </a:t>
+            </a:r>
+            <a:r>
+              <a:rPr lang="ru-RU" sz="2400" dirty="0"/>
+              <a:t>заносим результат выполненной функции </a:t>
+            </a:r>
+            <a:r>
+              <a:rPr lang="en-US" sz="2400" dirty="0" err="1" smtClean="0"/>
+              <a:t>deleteNode</a:t>
+            </a:r>
+            <a:r>
+              <a:rPr lang="ru-RU" sz="2400" dirty="0"/>
+              <a:t>, вызванной для корня выбранной версии и значения, подлежащего удалению – корень новой версии дерева.</a:t>
+            </a:r>
+          </a:p>
+          <a:p>
             <a:endParaRPr lang="uk-UA" sz="2400" dirty="0"/>
           </a:p>
         </p:txBody>
@@ -6525,56 +8473,8 @@
         </p:blipFill>
         <p:spPr>
           <a:xfrm>
-            <a:off x="1011119" y="4234986"/>
-            <a:ext cx="4501785" cy="1823543"/>
-          </a:xfrm>
-          <a:prstGeom prst="rect">
-            <a:avLst/>
-          </a:prstGeom>
-        </p:spPr>
-      </p:pic>
-      <p:pic>
-        <p:nvPicPr>
-          <p:cNvPr id="7" name="Рисунок 6"/>
-          <p:cNvPicPr>
-            <a:picLocks noChangeAspect="1"/>
-          </p:cNvPicPr>
-          <p:nvPr/>
-        </p:nvPicPr>
-        <p:blipFill>
-          <a:blip r:embed="rId3"/>
-          <a:stretch>
-            <a:fillRect/>
-          </a:stretch>
-        </p:blipFill>
-        <p:spPr>
-          <a:xfrm>
-            <a:off x="6247001" y="5088834"/>
-            <a:ext cx="3869956" cy="1033669"/>
-          </a:xfrm>
-          <a:prstGeom prst="rect">
-            <a:avLst/>
-          </a:prstGeom>
-        </p:spPr>
-      </p:pic>
-      <p:pic>
-        <p:nvPicPr>
-          <p:cNvPr id="8" name="Рисунок 7"/>
-          <p:cNvPicPr>
-            <a:picLocks noChangeAspect="1"/>
-          </p:cNvPicPr>
-          <p:nvPr/>
-        </p:nvPicPr>
-        <p:blipFill>
-          <a:blip r:embed="rId4"/>
-          <a:stretch>
-            <a:fillRect/>
-          </a:stretch>
-        </p:blipFill>
-        <p:spPr>
-          <a:xfrm>
-            <a:off x="6247001" y="4075958"/>
-            <a:ext cx="2981697" cy="853849"/>
+            <a:off x="2708095" y="3439111"/>
+            <a:ext cx="5941703" cy="893738"/>
           </a:xfrm>
           <a:prstGeom prst="rect">
             <a:avLst/>
@@ -6584,13 +8484,20 @@
     </p:spTree>
     <p:extLst>
       <p:ext uri="{BB962C8B-B14F-4D97-AF65-F5344CB8AC3E}">
-        <p14:creationId xmlns:p14="http://schemas.microsoft.com/office/powerpoint/2010/main" val="3543240857"/>
+        <p14:creationId xmlns:p14="http://schemas.microsoft.com/office/powerpoint/2010/main" val="596916258"/>
       </p:ext>
     </p:extLst>
   </p:cSld>
   <p:clrMapOvr>
     <a:masterClrMapping/>
   </p:clrMapOvr>
+  <p:timing>
+    <p:tnLst>
+      <p:par>
+        <p:cTn id="1" dur="indefinite" restart="never" nodeType="tmRoot"/>
+      </p:par>
+    </p:tnLst>
+  </p:timing>
 </p:sld>
 </file>
 
@@ -6621,23 +8528,18 @@
             <p:ph type="title"/>
           </p:nvPr>
         </p:nvSpPr>
-        <p:spPr>
-          <a:xfrm>
-            <a:off x="646111" y="452718"/>
-            <a:ext cx="9404723" cy="739978"/>
-          </a:xfrm>
-        </p:spPr>
+        <p:spPr/>
         <p:txBody>
           <a:bodyPr/>
           <a:lstStyle/>
           <a:p>
             <a:r>
-              <a:rPr lang="ru-RU" dirty="0"/>
+              <a:rPr lang="ru-RU" sz="4400" dirty="0"/>
               <a:t>Функция </a:t>
             </a:r>
             <a:r>
-              <a:rPr lang="en-US" dirty="0"/>
-              <a:t>contains</a:t>
+              <a:rPr lang="en-US" sz="4400" dirty="0" err="1" smtClean="0"/>
+              <a:t>deleteNode</a:t>
             </a:r>
             <a:endParaRPr lang="uk-UA" dirty="0"/>
           </a:p>
@@ -6655,8 +8557,8 @@
         </p:nvSpPr>
         <p:spPr>
           <a:xfrm>
-            <a:off x="1103312" y="1338470"/>
-            <a:ext cx="9975505" cy="4909929"/>
+            <a:off x="1103312" y="1444488"/>
+            <a:ext cx="9962253" cy="4803912"/>
           </a:xfrm>
         </p:spPr>
         <p:txBody>
@@ -6667,18 +8569,8 @@
           <a:p>
             <a:r>
               <a:rPr lang="ru-RU" sz="2400" dirty="0"/>
-              <a:t>Функция </a:t>
-            </a:r>
-            <a:r>
-              <a:rPr lang="en-US" sz="2400" dirty="0"/>
-              <a:t>contains </a:t>
-            </a:r>
-            <a:r>
-              <a:rPr lang="ru-RU" sz="2400" dirty="0"/>
-              <a:t>определяет находится ли узел с заданным значением в определенной версии дерева.</a:t>
-            </a:r>
-          </a:p>
-          <a:p>
+              <a:t>При значениях больших или меньших значений дерева, действия выполняются аналогичные добавлению.</a:t>
+            </a:r>
             <a:endParaRPr lang="uk-UA" sz="2400" dirty="0"/>
           </a:p>
         </p:txBody>
@@ -6699,8 +8591,8 @@
         </p:blipFill>
         <p:spPr>
           <a:xfrm>
-            <a:off x="3889643" y="2447046"/>
-            <a:ext cx="4383573" cy="3306640"/>
+            <a:off x="3496810" y="2356265"/>
+            <a:ext cx="5175256" cy="3892135"/>
           </a:xfrm>
           <a:prstGeom prst="rect">
             <a:avLst/>
@@ -6710,13 +8602,20 @@
     </p:spTree>
     <p:extLst>
       <p:ext uri="{BB962C8B-B14F-4D97-AF65-F5344CB8AC3E}">
-        <p14:creationId xmlns:p14="http://schemas.microsoft.com/office/powerpoint/2010/main" val="922082805"/>
+        <p14:creationId xmlns:p14="http://schemas.microsoft.com/office/powerpoint/2010/main" val="959791149"/>
       </p:ext>
     </p:extLst>
   </p:cSld>
   <p:clrMapOvr>
     <a:masterClrMapping/>
   </p:clrMapOvr>
+  <p:timing>
+    <p:tnLst>
+      <p:par>
+        <p:cTn id="1" dur="indefinite" restart="never" nodeType="tmRoot"/>
+      </p:par>
+    </p:tnLst>
+  </p:timing>
 </p:sld>
 </file>
 
@@ -6750,7 +8649,7 @@
         <p:spPr>
           <a:xfrm>
             <a:off x="646111" y="452718"/>
-            <a:ext cx="9404723" cy="700221"/>
+            <a:ext cx="9404723" cy="819491"/>
           </a:xfrm>
         </p:spPr>
         <p:txBody>
@@ -6759,21 +8658,54 @@
           <a:p>
             <a:r>
               <a:rPr lang="ru-RU" dirty="0"/>
-              <a:t>Тесты</a:t>
+              <a:t>Функция </a:t>
+            </a:r>
+            <a:r>
+              <a:rPr lang="en-US" dirty="0" err="1" smtClean="0"/>
+              <a:t>deleteNode</a:t>
             </a:r>
             <a:endParaRPr lang="uk-UA" dirty="0"/>
           </a:p>
         </p:txBody>
       </p:sp>
-      <p:pic>
-        <p:nvPicPr>
-          <p:cNvPr id="4" name="Объект 3"/>
-          <p:cNvPicPr>
-            <a:picLocks noGrp="1" noChangeAspect="1"/>
-          </p:cNvPicPr>
+      <p:sp>
+        <p:nvSpPr>
+          <p:cNvPr id="3" name="Объект 2"/>
+          <p:cNvSpPr>
+            <a:spLocks noGrp="1"/>
+          </p:cNvSpPr>
           <p:nvPr>
             <p:ph idx="1"/>
           </p:nvPr>
+        </p:nvSpPr>
+        <p:spPr>
+          <a:xfrm>
+            <a:off x="1103312" y="1179444"/>
+            <a:ext cx="10002010" cy="5068956"/>
+          </a:xfrm>
+        </p:spPr>
+        <p:txBody>
+          <a:bodyPr>
+            <a:normAutofit/>
+          </a:bodyPr>
+          <a:lstStyle/>
+          <a:p>
+            <a:pPr algn="just"/>
+            <a:r>
+              <a:rPr lang="ru-RU" sz="2400" dirty="0"/>
+              <a:t>При совпадении значений, если отсутствует правое поддерево, узлу новой версии дерева присваивается левое поддерево дерева текущей версии. Если отсутствует левое поддерево, то аналогично, наоборот.</a:t>
+            </a:r>
+            <a:endParaRPr lang="uk-UA" sz="2400" dirty="0"/>
+          </a:p>
+        </p:txBody>
+      </p:sp>
+      <p:pic>
+        <p:nvPicPr>
+          <p:cNvPr id="4" name="Рисунок 3"/>
+          <p:cNvPicPr>
+            <a:picLocks noChangeAspect="1"/>
+          </p:cNvPicPr>
+          <p:nvPr/>
         </p:nvPicPr>
         <p:blipFill>
           <a:blip r:embed="rId2"/>
@@ -6783,536 +8715,8 @@
         </p:blipFill>
         <p:spPr>
           <a:xfrm>
-            <a:off x="1305872" y="1109333"/>
-            <a:ext cx="1281331" cy="2424140"/>
-          </a:xfrm>
-          <a:prstGeom prst="rect">
-            <a:avLst/>
-          </a:prstGeom>
-        </p:spPr>
-      </p:pic>
-      <p:pic>
-        <p:nvPicPr>
-          <p:cNvPr id="5" name="Рисунок 4"/>
-          <p:cNvPicPr>
-            <a:picLocks noChangeAspect="1"/>
-          </p:cNvPicPr>
-          <p:nvPr/>
-        </p:nvPicPr>
-        <p:blipFill>
-          <a:blip r:embed="rId3"/>
-          <a:stretch>
-            <a:fillRect/>
-          </a:stretch>
-        </p:blipFill>
-        <p:spPr>
-          <a:xfrm>
-            <a:off x="2830282" y="1139404"/>
-            <a:ext cx="1258510" cy="386134"/>
-          </a:xfrm>
-          <a:prstGeom prst="rect">
-            <a:avLst/>
-          </a:prstGeom>
-        </p:spPr>
-      </p:pic>
-      <p:pic>
-        <p:nvPicPr>
-          <p:cNvPr id="6" name="Рисунок 5"/>
-          <p:cNvPicPr>
-            <a:picLocks noChangeAspect="1"/>
-          </p:cNvPicPr>
-          <p:nvPr/>
-        </p:nvPicPr>
-        <p:blipFill>
-          <a:blip r:embed="rId4"/>
-          <a:stretch>
-            <a:fillRect/>
-          </a:stretch>
-        </p:blipFill>
-        <p:spPr>
-          <a:xfrm>
-            <a:off x="2830282" y="1641975"/>
-            <a:ext cx="1278238" cy="346438"/>
-          </a:xfrm>
-          <a:prstGeom prst="rect">
-            <a:avLst/>
-          </a:prstGeom>
-        </p:spPr>
-      </p:pic>
-      <p:pic>
-        <p:nvPicPr>
-          <p:cNvPr id="7" name="Рисунок 6"/>
-          <p:cNvPicPr>
-            <a:picLocks noChangeAspect="1"/>
-          </p:cNvPicPr>
-          <p:nvPr/>
-        </p:nvPicPr>
-        <p:blipFill>
-          <a:blip r:embed="rId5"/>
-          <a:stretch>
-            <a:fillRect/>
-          </a:stretch>
-        </p:blipFill>
-        <p:spPr>
-          <a:xfrm>
-            <a:off x="2833830" y="2152822"/>
-            <a:ext cx="1744551" cy="351615"/>
-          </a:xfrm>
-          <a:prstGeom prst="rect">
-            <a:avLst/>
-          </a:prstGeom>
-        </p:spPr>
-      </p:pic>
-      <p:pic>
-        <p:nvPicPr>
-          <p:cNvPr id="8" name="Рисунок 7"/>
-          <p:cNvPicPr>
-            <a:picLocks noChangeAspect="1"/>
-          </p:cNvPicPr>
-          <p:nvPr/>
-        </p:nvPicPr>
-        <p:blipFill>
-          <a:blip r:embed="rId6"/>
-          <a:stretch>
-            <a:fillRect/>
-          </a:stretch>
-        </p:blipFill>
-        <p:spPr>
-          <a:xfrm>
-            <a:off x="2830282" y="2628389"/>
-            <a:ext cx="1385118" cy="349777"/>
-          </a:xfrm>
-          <a:prstGeom prst="rect">
-            <a:avLst/>
-          </a:prstGeom>
-        </p:spPr>
-      </p:pic>
-      <p:pic>
-        <p:nvPicPr>
-          <p:cNvPr id="9" name="Рисунок 8"/>
-          <p:cNvPicPr>
-            <a:picLocks noChangeAspect="1"/>
-          </p:cNvPicPr>
-          <p:nvPr/>
-        </p:nvPicPr>
-        <p:blipFill>
-          <a:blip r:embed="rId7"/>
-          <a:stretch>
-            <a:fillRect/>
-          </a:stretch>
-        </p:blipFill>
-        <p:spPr>
-          <a:xfrm>
-            <a:off x="2830282" y="3122390"/>
-            <a:ext cx="1737636" cy="390968"/>
-          </a:xfrm>
-          <a:prstGeom prst="rect">
-            <a:avLst/>
-          </a:prstGeom>
-        </p:spPr>
-      </p:pic>
-      <p:pic>
-        <p:nvPicPr>
-          <p:cNvPr id="10" name="Рисунок 9"/>
-          <p:cNvPicPr>
-            <a:picLocks noChangeAspect="1"/>
-          </p:cNvPicPr>
-          <p:nvPr/>
-        </p:nvPicPr>
-        <p:blipFill>
-          <a:blip r:embed="rId8"/>
-          <a:stretch>
-            <a:fillRect/>
-          </a:stretch>
-        </p:blipFill>
-        <p:spPr>
-          <a:xfrm>
-            <a:off x="4813867" y="1110053"/>
-            <a:ext cx="1240888" cy="318760"/>
-          </a:xfrm>
-          <a:prstGeom prst="rect">
-            <a:avLst/>
-          </a:prstGeom>
-        </p:spPr>
-      </p:pic>
-      <p:pic>
-        <p:nvPicPr>
-          <p:cNvPr id="11" name="Рисунок 10"/>
-          <p:cNvPicPr>
-            <a:picLocks noChangeAspect="1"/>
-          </p:cNvPicPr>
-          <p:nvPr/>
-        </p:nvPicPr>
-        <p:blipFill>
-          <a:blip r:embed="rId9"/>
-          <a:stretch>
-            <a:fillRect/>
-          </a:stretch>
-        </p:blipFill>
-        <p:spPr>
-          <a:xfrm>
-            <a:off x="4805649" y="1605844"/>
-            <a:ext cx="1650428" cy="303679"/>
-          </a:xfrm>
-          <a:prstGeom prst="rect">
-            <a:avLst/>
-          </a:prstGeom>
-        </p:spPr>
-      </p:pic>
-      <p:pic>
-        <p:nvPicPr>
-          <p:cNvPr id="12" name="Рисунок 11"/>
-          <p:cNvPicPr>
-            <a:picLocks noChangeAspect="1"/>
-          </p:cNvPicPr>
-          <p:nvPr/>
-        </p:nvPicPr>
-        <p:blipFill>
-          <a:blip r:embed="rId10"/>
-          <a:stretch>
-            <a:fillRect/>
-          </a:stretch>
-        </p:blipFill>
-        <p:spPr>
-          <a:xfrm>
-            <a:off x="4813867" y="2545752"/>
-            <a:ext cx="1412566" cy="335659"/>
-          </a:xfrm>
-          <a:prstGeom prst="rect">
-            <a:avLst/>
-          </a:prstGeom>
-        </p:spPr>
-      </p:pic>
-      <p:pic>
-        <p:nvPicPr>
-          <p:cNvPr id="13" name="Рисунок 12"/>
-          <p:cNvPicPr>
-            <a:picLocks noChangeAspect="1"/>
-          </p:cNvPicPr>
-          <p:nvPr/>
-        </p:nvPicPr>
-        <p:blipFill>
-          <a:blip r:embed="rId11"/>
-          <a:stretch>
-            <a:fillRect/>
-          </a:stretch>
-        </p:blipFill>
-        <p:spPr>
-          <a:xfrm>
-            <a:off x="4813867" y="2082991"/>
-            <a:ext cx="1650429" cy="355696"/>
-          </a:xfrm>
-          <a:prstGeom prst="rect">
-            <a:avLst/>
-          </a:prstGeom>
-        </p:spPr>
-      </p:pic>
-      <p:pic>
-        <p:nvPicPr>
-          <p:cNvPr id="14" name="Рисунок 13"/>
-          <p:cNvPicPr>
-            <a:picLocks noChangeAspect="1"/>
-          </p:cNvPicPr>
-          <p:nvPr/>
-        </p:nvPicPr>
-        <p:blipFill>
-          <a:blip r:embed="rId12"/>
-          <a:stretch>
-            <a:fillRect/>
-          </a:stretch>
-        </p:blipFill>
-        <p:spPr>
-          <a:xfrm>
-            <a:off x="1309153" y="4200878"/>
-            <a:ext cx="1278050" cy="1481797"/>
-          </a:xfrm>
-          <a:prstGeom prst="rect">
-            <a:avLst/>
-          </a:prstGeom>
-        </p:spPr>
-      </p:pic>
-      <p:pic>
-        <p:nvPicPr>
-          <p:cNvPr id="15" name="Рисунок 14"/>
-          <p:cNvPicPr>
-            <a:picLocks noChangeAspect="1"/>
-          </p:cNvPicPr>
-          <p:nvPr/>
-        </p:nvPicPr>
-        <p:blipFill>
-          <a:blip r:embed="rId13"/>
-          <a:stretch>
-            <a:fillRect/>
-          </a:stretch>
-        </p:blipFill>
-        <p:spPr>
-          <a:xfrm>
-            <a:off x="2837927" y="4198684"/>
-            <a:ext cx="1122475" cy="291012"/>
-          </a:xfrm>
-          <a:prstGeom prst="rect">
-            <a:avLst/>
-          </a:prstGeom>
-        </p:spPr>
-      </p:pic>
-      <p:pic>
-        <p:nvPicPr>
-          <p:cNvPr id="16" name="Рисунок 15"/>
-          <p:cNvPicPr>
-            <a:picLocks noChangeAspect="1"/>
-          </p:cNvPicPr>
-          <p:nvPr/>
-        </p:nvPicPr>
-        <p:blipFill>
-          <a:blip r:embed="rId14"/>
-          <a:stretch>
-            <a:fillRect/>
-          </a:stretch>
-        </p:blipFill>
-        <p:spPr>
-          <a:xfrm>
-            <a:off x="2830282" y="4786252"/>
-            <a:ext cx="1122475" cy="311047"/>
-          </a:xfrm>
-          <a:prstGeom prst="rect">
-            <a:avLst/>
-          </a:prstGeom>
-        </p:spPr>
-      </p:pic>
-      <p:pic>
-        <p:nvPicPr>
-          <p:cNvPr id="17" name="Рисунок 16"/>
-          <p:cNvPicPr>
-            <a:picLocks noChangeAspect="1"/>
-          </p:cNvPicPr>
-          <p:nvPr/>
-        </p:nvPicPr>
-        <p:blipFill>
-          <a:blip r:embed="rId15"/>
-          <a:stretch>
-            <a:fillRect/>
-          </a:stretch>
-        </p:blipFill>
-        <p:spPr>
-          <a:xfrm>
-            <a:off x="2837927" y="5402915"/>
-            <a:ext cx="1131203" cy="279760"/>
-          </a:xfrm>
-          <a:prstGeom prst="rect">
-            <a:avLst/>
-          </a:prstGeom>
-        </p:spPr>
-      </p:pic>
-      <p:pic>
-        <p:nvPicPr>
-          <p:cNvPr id="18" name="Рисунок 17"/>
-          <p:cNvPicPr>
-            <a:picLocks noChangeAspect="1"/>
-          </p:cNvPicPr>
-          <p:nvPr/>
-        </p:nvPicPr>
-        <p:blipFill>
-          <a:blip r:embed="rId16"/>
-          <a:stretch>
-            <a:fillRect/>
-          </a:stretch>
-        </p:blipFill>
-        <p:spPr>
-          <a:xfrm>
-            <a:off x="4296965" y="4195833"/>
-            <a:ext cx="1333898" cy="303759"/>
-          </a:xfrm>
-          <a:prstGeom prst="rect">
-            <a:avLst/>
-          </a:prstGeom>
-        </p:spPr>
-      </p:pic>
-      <p:pic>
-        <p:nvPicPr>
-          <p:cNvPr id="19" name="Рисунок 18"/>
-          <p:cNvPicPr>
-            <a:picLocks noChangeAspect="1"/>
-          </p:cNvPicPr>
-          <p:nvPr/>
-        </p:nvPicPr>
-        <p:blipFill>
-          <a:blip r:embed="rId17"/>
-          <a:stretch>
-            <a:fillRect/>
-          </a:stretch>
-        </p:blipFill>
-        <p:spPr>
-          <a:xfrm>
-            <a:off x="4296965" y="4742539"/>
-            <a:ext cx="1333898" cy="354760"/>
-          </a:xfrm>
-          <a:prstGeom prst="rect">
-            <a:avLst/>
-          </a:prstGeom>
-        </p:spPr>
-      </p:pic>
-      <p:pic>
-        <p:nvPicPr>
-          <p:cNvPr id="20" name="Рисунок 19"/>
-          <p:cNvPicPr>
-            <a:picLocks noChangeAspect="1"/>
-          </p:cNvPicPr>
-          <p:nvPr/>
-        </p:nvPicPr>
-        <p:blipFill>
-          <a:blip r:embed="rId18"/>
-          <a:stretch>
-            <a:fillRect/>
-          </a:stretch>
-        </p:blipFill>
-        <p:spPr>
-          <a:xfrm>
-            <a:off x="6464296" y="5313523"/>
-            <a:ext cx="1834436" cy="394177"/>
-          </a:xfrm>
-          <a:prstGeom prst="rect">
-            <a:avLst/>
-          </a:prstGeom>
-        </p:spPr>
-      </p:pic>
-      <p:pic>
-        <p:nvPicPr>
-          <p:cNvPr id="21" name="Рисунок 20"/>
-          <p:cNvPicPr>
-            <a:picLocks noChangeAspect="1"/>
-          </p:cNvPicPr>
-          <p:nvPr/>
-        </p:nvPicPr>
-        <p:blipFill>
-          <a:blip r:embed="rId19"/>
-          <a:stretch>
-            <a:fillRect/>
-          </a:stretch>
-        </p:blipFill>
-        <p:spPr>
-          <a:xfrm>
-            <a:off x="6464296" y="4752006"/>
-            <a:ext cx="1834436" cy="379538"/>
-          </a:xfrm>
-          <a:prstGeom prst="rect">
-            <a:avLst/>
-          </a:prstGeom>
-        </p:spPr>
-      </p:pic>
-      <p:pic>
-        <p:nvPicPr>
-          <p:cNvPr id="23" name="Рисунок 22"/>
-          <p:cNvPicPr>
-            <a:picLocks noChangeAspect="1"/>
-          </p:cNvPicPr>
-          <p:nvPr/>
-        </p:nvPicPr>
-        <p:blipFill>
-          <a:blip r:embed="rId20"/>
-          <a:stretch>
-            <a:fillRect/>
-          </a:stretch>
-        </p:blipFill>
-        <p:spPr>
-          <a:xfrm>
-            <a:off x="6464296" y="4196452"/>
-            <a:ext cx="1834436" cy="387767"/>
-          </a:xfrm>
-          <a:prstGeom prst="rect">
-            <a:avLst/>
-          </a:prstGeom>
-        </p:spPr>
-      </p:pic>
-      <p:pic>
-        <p:nvPicPr>
-          <p:cNvPr id="24" name="Рисунок 23"/>
-          <p:cNvPicPr>
-            <a:picLocks noChangeAspect="1"/>
-          </p:cNvPicPr>
-          <p:nvPr/>
-        </p:nvPicPr>
-        <p:blipFill>
-          <a:blip r:embed="rId21"/>
-          <a:stretch>
-            <a:fillRect/>
-          </a:stretch>
-        </p:blipFill>
-        <p:spPr>
-          <a:xfrm>
-            <a:off x="7251017" y="2537286"/>
-            <a:ext cx="1925361" cy="405339"/>
-          </a:xfrm>
-          <a:prstGeom prst="rect">
-            <a:avLst/>
-          </a:prstGeom>
-        </p:spPr>
-      </p:pic>
-      <p:pic>
-        <p:nvPicPr>
-          <p:cNvPr id="25" name="Рисунок 24"/>
-          <p:cNvPicPr>
-            <a:picLocks noChangeAspect="1"/>
-          </p:cNvPicPr>
-          <p:nvPr/>
-        </p:nvPicPr>
-        <p:blipFill>
-          <a:blip r:embed="rId22"/>
-          <a:stretch>
-            <a:fillRect/>
-          </a:stretch>
-        </p:blipFill>
-        <p:spPr>
-          <a:xfrm>
-            <a:off x="7251017" y="2034103"/>
-            <a:ext cx="1738238" cy="384801"/>
-          </a:xfrm>
-          <a:prstGeom prst="rect">
-            <a:avLst/>
-          </a:prstGeom>
-        </p:spPr>
-      </p:pic>
-      <p:pic>
-        <p:nvPicPr>
-          <p:cNvPr id="26" name="Рисунок 25"/>
-          <p:cNvPicPr>
-            <a:picLocks noChangeAspect="1"/>
-          </p:cNvPicPr>
-          <p:nvPr/>
-        </p:nvPicPr>
-        <p:blipFill>
-          <a:blip r:embed="rId23"/>
-          <a:stretch>
-            <a:fillRect/>
-          </a:stretch>
-        </p:blipFill>
-        <p:spPr>
-          <a:xfrm>
-            <a:off x="7251017" y="1533476"/>
-            <a:ext cx="1925361" cy="376047"/>
-          </a:xfrm>
-          <a:prstGeom prst="rect">
-            <a:avLst/>
-          </a:prstGeom>
-        </p:spPr>
-      </p:pic>
-      <p:pic>
-        <p:nvPicPr>
-          <p:cNvPr id="27" name="Рисунок 26"/>
-          <p:cNvPicPr>
-            <a:picLocks noChangeAspect="1"/>
-          </p:cNvPicPr>
-          <p:nvPr/>
-        </p:nvPicPr>
-        <p:blipFill>
-          <a:blip r:embed="rId24"/>
-          <a:stretch>
-            <a:fillRect/>
-          </a:stretch>
-        </p:blipFill>
-        <p:spPr>
-          <a:xfrm>
-            <a:off x="7251018" y="1029113"/>
-            <a:ext cx="1738237" cy="379783"/>
+            <a:off x="3646463" y="3054227"/>
+            <a:ext cx="4691104" cy="2671323"/>
           </a:xfrm>
           <a:prstGeom prst="rect">
             <a:avLst/>
@@ -7322,13 +8726,20 @@
     </p:spTree>
     <p:extLst>
       <p:ext uri="{BB962C8B-B14F-4D97-AF65-F5344CB8AC3E}">
-        <p14:creationId xmlns:p14="http://schemas.microsoft.com/office/powerpoint/2010/main" val="1549359986"/>
+        <p14:creationId xmlns:p14="http://schemas.microsoft.com/office/powerpoint/2010/main" val="3566433369"/>
       </p:ext>
     </p:extLst>
   </p:cSld>
   <p:clrMapOvr>
     <a:masterClrMapping/>
   </p:clrMapOvr>
+  <p:timing>
+    <p:tnLst>
+      <p:par>
+        <p:cTn id="1" dur="indefinite" restart="never" nodeType="tmRoot"/>
+      </p:par>
+    </p:tnLst>
+  </p:timing>
 </p:sld>
 </file>
 
@@ -7362,7 +8773,7 @@
         <p:spPr>
           <a:xfrm>
             <a:off x="646111" y="452718"/>
-            <a:ext cx="9404723" cy="726725"/>
+            <a:ext cx="9404723" cy="713473"/>
           </a:xfrm>
         </p:spPr>
         <p:txBody>
@@ -7371,7 +8782,15 @@
           <a:p>
             <a:r>
               <a:rPr lang="ru-RU" dirty="0"/>
-              <a:t>Асимптотика</a:t>
+              <a:t>Функция </a:t>
+            </a:r>
+            <a:r>
+              <a:rPr lang="en-US" dirty="0" err="1" smtClean="0"/>
+              <a:t>delete</a:t>
+            </a:r>
+            <a:r>
+              <a:rPr lang="en-US" dirty="0" err="1" smtClean="0"/>
+              <a:t>Node</a:t>
             </a:r>
             <a:endParaRPr lang="uk-UA" dirty="0"/>
           </a:p>
@@ -7389,8 +8808,8 @@
         </p:nvSpPr>
         <p:spPr>
           <a:xfrm>
-            <a:off x="1104293" y="1338470"/>
-            <a:ext cx="10001029" cy="5068956"/>
+            <a:off x="1103312" y="1325218"/>
+            <a:ext cx="10002010" cy="4923182"/>
           </a:xfrm>
         </p:spPr>
         <p:txBody>
@@ -7399,46 +8818,3014 @@
           </a:bodyPr>
           <a:lstStyle/>
           <a:p>
+            <a:pPr algn="just"/>
             <a:r>
               <a:rPr lang="ru-RU" sz="2400" dirty="0"/>
-              <a:t>По времени для добавления и удаления: О(</a:t>
-            </a:r>
-            <a:r>
-              <a:rPr lang="en-US" sz="2400" dirty="0"/>
-              <a:t>log n)</a:t>
-            </a:r>
-          </a:p>
-          <a:p>
-            <a:r>
-              <a:rPr lang="ru-RU" sz="2400" dirty="0"/>
-              <a:t>По памяти : </a:t>
-            </a:r>
-            <a:r>
-              <a:rPr lang="en-US" sz="2400" dirty="0"/>
-              <a:t>O(K + K * log K) (K – </a:t>
-            </a:r>
-            <a:r>
-              <a:rPr lang="ru-RU" sz="2400" dirty="0"/>
-              <a:t>количество запросов</a:t>
-            </a:r>
-            <a:r>
-              <a:rPr lang="en-US" sz="2400" dirty="0"/>
-              <a:t>)</a:t>
+              <a:t>При совпадении если и левое, и правое поддеревья непустые, то в узел дерева новой версии заносится минимальное значение на правом поддереве дерева текущей версии. Новому правому поддереву присваивается правое поддерево дерева текущей версии с удаленным минимальным значением. Левое поддерево переносится в новое дерево без изменений.</a:t>
             </a:r>
             <a:endParaRPr lang="uk-UA" sz="2400" dirty="0"/>
           </a:p>
         </p:txBody>
       </p:sp>
+      <p:pic>
+        <p:nvPicPr>
+          <p:cNvPr id="7" name="Рисунок 6"/>
+          <p:cNvPicPr>
+            <a:picLocks noChangeAspect="1"/>
+          </p:cNvPicPr>
+          <p:nvPr/>
+        </p:nvPicPr>
+        <p:blipFill>
+          <a:blip r:embed="rId2"/>
+          <a:stretch>
+            <a:fillRect/>
+          </a:stretch>
+        </p:blipFill>
+        <p:spPr>
+          <a:xfrm>
+            <a:off x="6247001" y="5088834"/>
+            <a:ext cx="3869956" cy="1033669"/>
+          </a:xfrm>
+          <a:prstGeom prst="rect">
+            <a:avLst/>
+          </a:prstGeom>
+        </p:spPr>
+      </p:pic>
+      <p:pic>
+        <p:nvPicPr>
+          <p:cNvPr id="5" name="Рисунок 4"/>
+          <p:cNvPicPr>
+            <a:picLocks noChangeAspect="1"/>
+          </p:cNvPicPr>
+          <p:nvPr/>
+        </p:nvPicPr>
+        <p:blipFill>
+          <a:blip r:embed="rId3"/>
+          <a:stretch>
+            <a:fillRect/>
+          </a:stretch>
+        </p:blipFill>
+        <p:spPr>
+          <a:xfrm>
+            <a:off x="1602365" y="4342049"/>
+            <a:ext cx="4166271" cy="1493569"/>
+          </a:xfrm>
+          <a:prstGeom prst="rect">
+            <a:avLst/>
+          </a:prstGeom>
+        </p:spPr>
+      </p:pic>
+      <p:pic>
+        <p:nvPicPr>
+          <p:cNvPr id="6" name="Рисунок 5"/>
+          <p:cNvPicPr>
+            <a:picLocks noChangeAspect="1"/>
+          </p:cNvPicPr>
+          <p:nvPr/>
+        </p:nvPicPr>
+        <p:blipFill>
+          <a:blip r:embed="rId4"/>
+          <a:stretch>
+            <a:fillRect/>
+          </a:stretch>
+        </p:blipFill>
+        <p:spPr>
+          <a:xfrm>
+            <a:off x="6247001" y="4123495"/>
+            <a:ext cx="3433324" cy="806311"/>
+          </a:xfrm>
+          <a:prstGeom prst="rect">
+            <a:avLst/>
+          </a:prstGeom>
+        </p:spPr>
+      </p:pic>
     </p:spTree>
     <p:extLst>
       <p:ext uri="{BB962C8B-B14F-4D97-AF65-F5344CB8AC3E}">
-        <p14:creationId xmlns:p14="http://schemas.microsoft.com/office/powerpoint/2010/main" val="3384172288"/>
+        <p14:creationId xmlns:p14="http://schemas.microsoft.com/office/powerpoint/2010/main" val="3543240857"/>
       </p:ext>
     </p:extLst>
   </p:cSld>
   <p:clrMapOvr>
     <a:masterClrMapping/>
   </p:clrMapOvr>
+  <p:timing>
+    <p:tnLst>
+      <p:par>
+        <p:cTn id="1" dur="indefinite" restart="never" nodeType="tmRoot"/>
+      </p:par>
+    </p:tnLst>
+  </p:timing>
+</p:sld>
+</file>
+
+<file path=ppt/slides/slide17.xml><?xml version="1.0" encoding="utf-8"?>
+<p:sld xmlns:a="http://schemas.openxmlformats.org/drawingml/2006/main" xmlns:r="http://schemas.openxmlformats.org/officeDocument/2006/relationships" xmlns:p="http://schemas.openxmlformats.org/presentationml/2006/main">
+  <p:cSld>
+    <p:spTree>
+      <p:nvGrpSpPr>
+        <p:cNvPr id="1" name=""/>
+        <p:cNvGrpSpPr/>
+        <p:nvPr/>
+      </p:nvGrpSpPr>
+      <p:grpSpPr>
+        <a:xfrm>
+          <a:off x="0" y="0"/>
+          <a:ext cx="0" cy="0"/>
+          <a:chOff x="0" y="0"/>
+          <a:chExt cx="0" cy="0"/>
+        </a:xfrm>
+      </p:grpSpPr>
+      <p:sp>
+        <p:nvSpPr>
+          <p:cNvPr id="2" name="Заголовок 1"/>
+          <p:cNvSpPr>
+            <a:spLocks noGrp="1"/>
+          </p:cNvSpPr>
+          <p:nvPr>
+            <p:ph type="title"/>
+          </p:nvPr>
+        </p:nvSpPr>
+        <p:spPr>
+          <a:xfrm>
+            <a:off x="770802" y="421545"/>
+            <a:ext cx="9404723" cy="700673"/>
+          </a:xfrm>
+        </p:spPr>
+        <p:txBody>
+          <a:bodyPr/>
+          <a:lstStyle/>
+          <a:p>
+            <a:r>
+              <a:rPr lang="ru-RU" sz="3600" dirty="0" smtClean="0"/>
+              <a:t>Работа удаления (удаление 99)</a:t>
+            </a:r>
+            <a:endParaRPr lang="uk-UA" sz="3600" dirty="0"/>
+          </a:p>
+        </p:txBody>
+      </p:sp>
+      <p:sp>
+        <p:nvSpPr>
+          <p:cNvPr id="4" name="Овал 3"/>
+          <p:cNvSpPr/>
+          <p:nvPr/>
+        </p:nvSpPr>
+        <p:spPr>
+          <a:xfrm>
+            <a:off x="2642476" y="1890278"/>
+            <a:ext cx="911215" cy="572367"/>
+          </a:xfrm>
+          <a:prstGeom prst="ellipse">
+            <a:avLst/>
+          </a:prstGeom>
+        </p:spPr>
+        <p:style>
+          <a:lnRef idx="2">
+            <a:schemeClr val="accent1">
+              <a:shade val="50000"/>
+            </a:schemeClr>
+          </a:lnRef>
+          <a:fillRef idx="1">
+            <a:schemeClr val="accent1"/>
+          </a:fillRef>
+          <a:effectRef idx="0">
+            <a:schemeClr val="accent1"/>
+          </a:effectRef>
+          <a:fontRef idx="minor">
+            <a:schemeClr val="lt1"/>
+          </a:fontRef>
+        </p:style>
+        <p:txBody>
+          <a:bodyPr rtlCol="0" anchor="ctr"/>
+          <a:lstStyle/>
+          <a:p>
+            <a:pPr algn="ctr"/>
+            <a:r>
+              <a:rPr lang="ru-RU" dirty="0" smtClean="0"/>
+              <a:t>102</a:t>
+            </a:r>
+            <a:endParaRPr lang="uk-UA" dirty="0"/>
+          </a:p>
+        </p:txBody>
+      </p:sp>
+      <p:sp>
+        <p:nvSpPr>
+          <p:cNvPr id="5" name="Овал 4"/>
+          <p:cNvSpPr/>
+          <p:nvPr/>
+        </p:nvSpPr>
+        <p:spPr>
+          <a:xfrm>
+            <a:off x="1129230" y="2992581"/>
+            <a:ext cx="834944" cy="498763"/>
+          </a:xfrm>
+          <a:prstGeom prst="ellipse">
+            <a:avLst/>
+          </a:prstGeom>
+        </p:spPr>
+        <p:style>
+          <a:lnRef idx="2">
+            <a:schemeClr val="accent1">
+              <a:shade val="50000"/>
+            </a:schemeClr>
+          </a:lnRef>
+          <a:fillRef idx="1">
+            <a:schemeClr val="accent1"/>
+          </a:fillRef>
+          <a:effectRef idx="0">
+            <a:schemeClr val="accent1"/>
+          </a:effectRef>
+          <a:fontRef idx="minor">
+            <a:schemeClr val="lt1"/>
+          </a:fontRef>
+        </p:style>
+        <p:txBody>
+          <a:bodyPr rtlCol="0" anchor="ctr"/>
+          <a:lstStyle/>
+          <a:p>
+            <a:pPr algn="ctr"/>
+            <a:r>
+              <a:rPr lang="ru-RU" dirty="0" smtClean="0"/>
+              <a:t>84</a:t>
+            </a:r>
+            <a:endParaRPr lang="uk-UA" dirty="0"/>
+          </a:p>
+        </p:txBody>
+      </p:sp>
+      <p:sp>
+        <p:nvSpPr>
+          <p:cNvPr id="6" name="Овал 5"/>
+          <p:cNvSpPr/>
+          <p:nvPr/>
+        </p:nvSpPr>
+        <p:spPr>
+          <a:xfrm>
+            <a:off x="3943935" y="2992581"/>
+            <a:ext cx="825492" cy="509155"/>
+          </a:xfrm>
+          <a:prstGeom prst="ellipse">
+            <a:avLst/>
+          </a:prstGeom>
+        </p:spPr>
+        <p:style>
+          <a:lnRef idx="2">
+            <a:schemeClr val="accent1">
+              <a:shade val="50000"/>
+            </a:schemeClr>
+          </a:lnRef>
+          <a:fillRef idx="1">
+            <a:schemeClr val="accent1"/>
+          </a:fillRef>
+          <a:effectRef idx="0">
+            <a:schemeClr val="accent1"/>
+          </a:effectRef>
+          <a:fontRef idx="minor">
+            <a:schemeClr val="lt1"/>
+          </a:fontRef>
+        </p:style>
+        <p:txBody>
+          <a:bodyPr rtlCol="0" anchor="ctr"/>
+          <a:lstStyle/>
+          <a:p>
+            <a:pPr algn="ctr"/>
+            <a:r>
+              <a:rPr lang="ru-RU" dirty="0" smtClean="0"/>
+              <a:t>153</a:t>
+            </a:r>
+            <a:endParaRPr lang="uk-UA" dirty="0"/>
+          </a:p>
+        </p:txBody>
+      </p:sp>
+      <p:sp>
+        <p:nvSpPr>
+          <p:cNvPr id="7" name="Овал 6"/>
+          <p:cNvSpPr/>
+          <p:nvPr/>
+        </p:nvSpPr>
+        <p:spPr>
+          <a:xfrm>
+            <a:off x="226803" y="4173682"/>
+            <a:ext cx="833069" cy="481445"/>
+          </a:xfrm>
+          <a:prstGeom prst="ellipse">
+            <a:avLst/>
+          </a:prstGeom>
+        </p:spPr>
+        <p:style>
+          <a:lnRef idx="2">
+            <a:schemeClr val="accent1">
+              <a:shade val="50000"/>
+            </a:schemeClr>
+          </a:lnRef>
+          <a:fillRef idx="1">
+            <a:schemeClr val="accent1"/>
+          </a:fillRef>
+          <a:effectRef idx="0">
+            <a:schemeClr val="accent1"/>
+          </a:effectRef>
+          <a:fontRef idx="minor">
+            <a:schemeClr val="lt1"/>
+          </a:fontRef>
+        </p:style>
+        <p:txBody>
+          <a:bodyPr rtlCol="0" anchor="ctr"/>
+          <a:lstStyle/>
+          <a:p>
+            <a:pPr algn="ctr"/>
+            <a:r>
+              <a:rPr lang="ru-RU" dirty="0" smtClean="0"/>
+              <a:t>42</a:t>
+            </a:r>
+            <a:endParaRPr lang="uk-UA" dirty="0"/>
+          </a:p>
+        </p:txBody>
+      </p:sp>
+      <p:sp>
+        <p:nvSpPr>
+          <p:cNvPr id="8" name="Овал 7"/>
+          <p:cNvSpPr/>
+          <p:nvPr/>
+        </p:nvSpPr>
+        <p:spPr>
+          <a:xfrm>
+            <a:off x="1964174" y="4118267"/>
+            <a:ext cx="872544" cy="536860"/>
+          </a:xfrm>
+          <a:prstGeom prst="ellipse">
+            <a:avLst/>
+          </a:prstGeom>
+        </p:spPr>
+        <p:style>
+          <a:lnRef idx="2">
+            <a:schemeClr val="accent1">
+              <a:shade val="50000"/>
+            </a:schemeClr>
+          </a:lnRef>
+          <a:fillRef idx="1">
+            <a:schemeClr val="accent1"/>
+          </a:fillRef>
+          <a:effectRef idx="0">
+            <a:schemeClr val="accent1"/>
+          </a:effectRef>
+          <a:fontRef idx="minor">
+            <a:schemeClr val="lt1"/>
+          </a:fontRef>
+        </p:style>
+        <p:txBody>
+          <a:bodyPr rtlCol="0" anchor="ctr"/>
+          <a:lstStyle/>
+          <a:p>
+            <a:pPr algn="ctr"/>
+            <a:r>
+              <a:rPr lang="ru-RU" dirty="0" smtClean="0"/>
+              <a:t>99</a:t>
+            </a:r>
+            <a:endParaRPr lang="uk-UA" dirty="0"/>
+          </a:p>
+        </p:txBody>
+      </p:sp>
+      <p:sp>
+        <p:nvSpPr>
+          <p:cNvPr id="9" name="Овал 8"/>
+          <p:cNvSpPr/>
+          <p:nvPr/>
+        </p:nvSpPr>
+        <p:spPr>
+          <a:xfrm>
+            <a:off x="3098083" y="4118267"/>
+            <a:ext cx="845852" cy="536860"/>
+          </a:xfrm>
+          <a:prstGeom prst="ellipse">
+            <a:avLst/>
+          </a:prstGeom>
+        </p:spPr>
+        <p:style>
+          <a:lnRef idx="2">
+            <a:schemeClr val="accent1">
+              <a:shade val="50000"/>
+            </a:schemeClr>
+          </a:lnRef>
+          <a:fillRef idx="1">
+            <a:schemeClr val="accent1"/>
+          </a:fillRef>
+          <a:effectRef idx="0">
+            <a:schemeClr val="accent1"/>
+          </a:effectRef>
+          <a:fontRef idx="minor">
+            <a:schemeClr val="lt1"/>
+          </a:fontRef>
+        </p:style>
+        <p:txBody>
+          <a:bodyPr rtlCol="0" anchor="ctr"/>
+          <a:lstStyle/>
+          <a:p>
+            <a:pPr algn="ctr"/>
+            <a:r>
+              <a:rPr lang="ru-RU" dirty="0" smtClean="0"/>
+              <a:t>126</a:t>
+            </a:r>
+            <a:endParaRPr lang="uk-UA" dirty="0"/>
+          </a:p>
+        </p:txBody>
+      </p:sp>
+      <p:cxnSp>
+        <p:nvCxnSpPr>
+          <p:cNvPr id="11" name="Прямая соединительная линия 10"/>
+          <p:cNvCxnSpPr>
+            <a:stCxn id="4" idx="3"/>
+            <a:endCxn id="5" idx="7"/>
+          </p:cNvCxnSpPr>
+          <p:nvPr/>
+        </p:nvCxnSpPr>
+        <p:spPr>
+          <a:xfrm flipH="1">
+            <a:off x="1841899" y="2378824"/>
+            <a:ext cx="934021" cy="686799"/>
+          </a:xfrm>
+          <a:prstGeom prst="line">
+            <a:avLst/>
+          </a:prstGeom>
+        </p:spPr>
+        <p:style>
+          <a:lnRef idx="1">
+            <a:schemeClr val="accent1"/>
+          </a:lnRef>
+          <a:fillRef idx="0">
+            <a:schemeClr val="accent1"/>
+          </a:fillRef>
+          <a:effectRef idx="0">
+            <a:schemeClr val="accent1"/>
+          </a:effectRef>
+          <a:fontRef idx="minor">
+            <a:schemeClr val="tx1"/>
+          </a:fontRef>
+        </p:style>
+      </p:cxnSp>
+      <p:cxnSp>
+        <p:nvCxnSpPr>
+          <p:cNvPr id="15" name="Прямая соединительная линия 14"/>
+          <p:cNvCxnSpPr>
+            <a:stCxn id="5" idx="3"/>
+            <a:endCxn id="7" idx="0"/>
+          </p:cNvCxnSpPr>
+          <p:nvPr/>
+        </p:nvCxnSpPr>
+        <p:spPr>
+          <a:xfrm flipH="1">
+            <a:off x="643338" y="3418302"/>
+            <a:ext cx="608167" cy="755380"/>
+          </a:xfrm>
+          <a:prstGeom prst="line">
+            <a:avLst/>
+          </a:prstGeom>
+        </p:spPr>
+        <p:style>
+          <a:lnRef idx="1">
+            <a:schemeClr val="accent1"/>
+          </a:lnRef>
+          <a:fillRef idx="0">
+            <a:schemeClr val="accent1"/>
+          </a:fillRef>
+          <a:effectRef idx="0">
+            <a:schemeClr val="accent1"/>
+          </a:effectRef>
+          <a:fontRef idx="minor">
+            <a:schemeClr val="tx1"/>
+          </a:fontRef>
+        </p:style>
+      </p:cxnSp>
+      <p:cxnSp>
+        <p:nvCxnSpPr>
+          <p:cNvPr id="17" name="Прямая соединительная линия 16"/>
+          <p:cNvCxnSpPr>
+            <a:stCxn id="5" idx="5"/>
+            <a:endCxn id="8" idx="0"/>
+          </p:cNvCxnSpPr>
+          <p:nvPr/>
+        </p:nvCxnSpPr>
+        <p:spPr>
+          <a:xfrm>
+            <a:off x="1841899" y="3418302"/>
+            <a:ext cx="558547" cy="699965"/>
+          </a:xfrm>
+          <a:prstGeom prst="line">
+            <a:avLst/>
+          </a:prstGeom>
+        </p:spPr>
+        <p:style>
+          <a:lnRef idx="1">
+            <a:schemeClr val="accent1"/>
+          </a:lnRef>
+          <a:fillRef idx="0">
+            <a:schemeClr val="accent1"/>
+          </a:fillRef>
+          <a:effectRef idx="0">
+            <a:schemeClr val="accent1"/>
+          </a:effectRef>
+          <a:fontRef idx="minor">
+            <a:schemeClr val="tx1"/>
+          </a:fontRef>
+        </p:style>
+      </p:cxnSp>
+      <p:cxnSp>
+        <p:nvCxnSpPr>
+          <p:cNvPr id="19" name="Прямая соединительная линия 18"/>
+          <p:cNvCxnSpPr>
+            <a:stCxn id="4" idx="5"/>
+            <a:endCxn id="6" idx="1"/>
+          </p:cNvCxnSpPr>
+          <p:nvPr/>
+        </p:nvCxnSpPr>
+        <p:spPr>
+          <a:xfrm>
+            <a:off x="3420247" y="2378824"/>
+            <a:ext cx="644579" cy="688321"/>
+          </a:xfrm>
+          <a:prstGeom prst="line">
+            <a:avLst/>
+          </a:prstGeom>
+        </p:spPr>
+        <p:style>
+          <a:lnRef idx="1">
+            <a:schemeClr val="accent1"/>
+          </a:lnRef>
+          <a:fillRef idx="0">
+            <a:schemeClr val="accent1"/>
+          </a:fillRef>
+          <a:effectRef idx="0">
+            <a:schemeClr val="accent1"/>
+          </a:effectRef>
+          <a:fontRef idx="minor">
+            <a:schemeClr val="tx1"/>
+          </a:fontRef>
+        </p:style>
+      </p:cxnSp>
+      <p:cxnSp>
+        <p:nvCxnSpPr>
+          <p:cNvPr id="21" name="Прямая соединительная линия 20"/>
+          <p:cNvCxnSpPr>
+            <a:endCxn id="9" idx="0"/>
+          </p:cNvCxnSpPr>
+          <p:nvPr/>
+        </p:nvCxnSpPr>
+        <p:spPr>
+          <a:xfrm flipH="1">
+            <a:off x="3521009" y="3325091"/>
+            <a:ext cx="635355" cy="793176"/>
+          </a:xfrm>
+          <a:prstGeom prst="line">
+            <a:avLst/>
+          </a:prstGeom>
+        </p:spPr>
+        <p:style>
+          <a:lnRef idx="1">
+            <a:schemeClr val="accent1"/>
+          </a:lnRef>
+          <a:fillRef idx="0">
+            <a:schemeClr val="accent1"/>
+          </a:fillRef>
+          <a:effectRef idx="0">
+            <a:schemeClr val="accent1"/>
+          </a:effectRef>
+          <a:fontRef idx="minor">
+            <a:schemeClr val="tx1"/>
+          </a:fontRef>
+        </p:style>
+      </p:cxnSp>
+      <p:sp>
+        <p:nvSpPr>
+          <p:cNvPr id="22" name="TextBox 21"/>
+          <p:cNvSpPr txBox="1"/>
+          <p:nvPr/>
+        </p:nvSpPr>
+        <p:spPr>
+          <a:xfrm>
+            <a:off x="4865295" y="1807129"/>
+            <a:ext cx="1215736" cy="369332"/>
+          </a:xfrm>
+          <a:prstGeom prst="rect">
+            <a:avLst/>
+          </a:prstGeom>
+          <a:noFill/>
+        </p:spPr>
+        <p:txBody>
+          <a:bodyPr wrap="square" rtlCol="0">
+            <a:spAutoFit/>
+          </a:bodyPr>
+          <a:lstStyle/>
+          <a:p>
+            <a:r>
+              <a:rPr lang="ru-RU" dirty="0" smtClean="0"/>
+              <a:t>99</a:t>
+            </a:r>
+            <a:r>
+              <a:rPr lang="en-US" dirty="0" smtClean="0"/>
+              <a:t> &lt; 102</a:t>
+            </a:r>
+            <a:endParaRPr lang="uk-UA" dirty="0"/>
+          </a:p>
+        </p:txBody>
+      </p:sp>
+      <p:sp>
+        <p:nvSpPr>
+          <p:cNvPr id="26" name="TextBox 25"/>
+          <p:cNvSpPr txBox="1"/>
+          <p:nvPr/>
+        </p:nvSpPr>
+        <p:spPr>
+          <a:xfrm>
+            <a:off x="2840640" y="1458306"/>
+            <a:ext cx="514885" cy="369332"/>
+          </a:xfrm>
+          <a:prstGeom prst="rect">
+            <a:avLst/>
+          </a:prstGeom>
+          <a:noFill/>
+        </p:spPr>
+        <p:txBody>
+          <a:bodyPr wrap="square" rtlCol="0">
+            <a:spAutoFit/>
+          </a:bodyPr>
+          <a:lstStyle/>
+          <a:p>
+            <a:r>
+              <a:rPr lang="en-US" dirty="0" smtClean="0"/>
+              <a:t>G1</a:t>
+            </a:r>
+            <a:endParaRPr lang="uk-UA" dirty="0"/>
+          </a:p>
+        </p:txBody>
+      </p:sp>
+      <p:sp>
+        <p:nvSpPr>
+          <p:cNvPr id="3" name="Овал 2"/>
+          <p:cNvSpPr/>
+          <p:nvPr/>
+        </p:nvSpPr>
+        <p:spPr>
+          <a:xfrm>
+            <a:off x="1007539" y="5215928"/>
+            <a:ext cx="847459" cy="571500"/>
+          </a:xfrm>
+          <a:prstGeom prst="ellipse">
+            <a:avLst/>
+          </a:prstGeom>
+        </p:spPr>
+        <p:style>
+          <a:lnRef idx="2">
+            <a:schemeClr val="accent1">
+              <a:shade val="50000"/>
+            </a:schemeClr>
+          </a:lnRef>
+          <a:fillRef idx="1">
+            <a:schemeClr val="accent1"/>
+          </a:fillRef>
+          <a:effectRef idx="0">
+            <a:schemeClr val="accent1"/>
+          </a:effectRef>
+          <a:fontRef idx="minor">
+            <a:schemeClr val="lt1"/>
+          </a:fontRef>
+        </p:style>
+        <p:txBody>
+          <a:bodyPr rtlCol="0" anchor="ctr"/>
+          <a:lstStyle/>
+          <a:p>
+            <a:pPr algn="ctr"/>
+            <a:r>
+              <a:rPr lang="en-US" dirty="0" smtClean="0"/>
+              <a:t>87</a:t>
+            </a:r>
+            <a:endParaRPr lang="uk-UA" dirty="0"/>
+          </a:p>
+        </p:txBody>
+      </p:sp>
+      <p:sp>
+        <p:nvSpPr>
+          <p:cNvPr id="10" name="Овал 9"/>
+          <p:cNvSpPr/>
+          <p:nvPr/>
+        </p:nvSpPr>
+        <p:spPr>
+          <a:xfrm>
+            <a:off x="2525957" y="5217568"/>
+            <a:ext cx="955079" cy="602675"/>
+          </a:xfrm>
+          <a:prstGeom prst="ellipse">
+            <a:avLst/>
+          </a:prstGeom>
+        </p:spPr>
+        <p:style>
+          <a:lnRef idx="2">
+            <a:schemeClr val="accent1">
+              <a:shade val="50000"/>
+            </a:schemeClr>
+          </a:lnRef>
+          <a:fillRef idx="1">
+            <a:schemeClr val="accent1"/>
+          </a:fillRef>
+          <a:effectRef idx="0">
+            <a:schemeClr val="accent1"/>
+          </a:effectRef>
+          <a:fontRef idx="minor">
+            <a:schemeClr val="lt1"/>
+          </a:fontRef>
+        </p:style>
+        <p:txBody>
+          <a:bodyPr rtlCol="0" anchor="ctr"/>
+          <a:lstStyle/>
+          <a:p>
+            <a:pPr algn="ctr"/>
+            <a:r>
+              <a:rPr lang="en-US" dirty="0" smtClean="0"/>
+              <a:t>100</a:t>
+            </a:r>
+            <a:endParaRPr lang="uk-UA" dirty="0"/>
+          </a:p>
+        </p:txBody>
+      </p:sp>
+      <p:cxnSp>
+        <p:nvCxnSpPr>
+          <p:cNvPr id="13" name="Прямая соединительная линия 12"/>
+          <p:cNvCxnSpPr>
+            <a:stCxn id="8" idx="3"/>
+            <a:endCxn id="3" idx="0"/>
+          </p:cNvCxnSpPr>
+          <p:nvPr/>
+        </p:nvCxnSpPr>
+        <p:spPr>
+          <a:xfrm flipH="1">
+            <a:off x="1431269" y="4576506"/>
+            <a:ext cx="660686" cy="639422"/>
+          </a:xfrm>
+          <a:prstGeom prst="line">
+            <a:avLst/>
+          </a:prstGeom>
+        </p:spPr>
+        <p:style>
+          <a:lnRef idx="1">
+            <a:schemeClr val="accent1"/>
+          </a:lnRef>
+          <a:fillRef idx="0">
+            <a:schemeClr val="accent1"/>
+          </a:fillRef>
+          <a:effectRef idx="0">
+            <a:schemeClr val="accent1"/>
+          </a:effectRef>
+          <a:fontRef idx="minor">
+            <a:schemeClr val="tx1"/>
+          </a:fontRef>
+        </p:style>
+      </p:cxnSp>
+      <p:cxnSp>
+        <p:nvCxnSpPr>
+          <p:cNvPr id="16" name="Прямая соединительная линия 15"/>
+          <p:cNvCxnSpPr>
+            <a:stCxn id="8" idx="5"/>
+            <a:endCxn id="10" idx="0"/>
+          </p:cNvCxnSpPr>
+          <p:nvPr/>
+        </p:nvCxnSpPr>
+        <p:spPr>
+          <a:xfrm>
+            <a:off x="2708937" y="4576506"/>
+            <a:ext cx="294560" cy="641062"/>
+          </a:xfrm>
+          <a:prstGeom prst="line">
+            <a:avLst/>
+          </a:prstGeom>
+        </p:spPr>
+        <p:style>
+          <a:lnRef idx="1">
+            <a:schemeClr val="accent1"/>
+          </a:lnRef>
+          <a:fillRef idx="0">
+            <a:schemeClr val="accent1"/>
+          </a:fillRef>
+          <a:effectRef idx="0">
+            <a:schemeClr val="accent1"/>
+          </a:effectRef>
+          <a:fontRef idx="minor">
+            <a:schemeClr val="tx1"/>
+          </a:fontRef>
+        </p:style>
+      </p:cxnSp>
+      <p:sp>
+        <p:nvSpPr>
+          <p:cNvPr id="18" name="Овал 17"/>
+          <p:cNvSpPr/>
+          <p:nvPr/>
+        </p:nvSpPr>
+        <p:spPr>
+          <a:xfrm>
+            <a:off x="7990609" y="1807129"/>
+            <a:ext cx="841664" cy="574760"/>
+          </a:xfrm>
+          <a:prstGeom prst="ellipse">
+            <a:avLst/>
+          </a:prstGeom>
+        </p:spPr>
+        <p:style>
+          <a:lnRef idx="3">
+            <a:schemeClr val="lt1"/>
+          </a:lnRef>
+          <a:fillRef idx="1">
+            <a:schemeClr val="accent3"/>
+          </a:fillRef>
+          <a:effectRef idx="1">
+            <a:schemeClr val="accent3"/>
+          </a:effectRef>
+          <a:fontRef idx="minor">
+            <a:schemeClr val="lt1"/>
+          </a:fontRef>
+        </p:style>
+        <p:txBody>
+          <a:bodyPr rtlCol="0" anchor="ctr"/>
+          <a:lstStyle/>
+          <a:p>
+            <a:pPr algn="ctr"/>
+            <a:r>
+              <a:rPr lang="en-US" dirty="0" smtClean="0"/>
+              <a:t>102</a:t>
+            </a:r>
+            <a:endParaRPr lang="uk-UA" dirty="0"/>
+          </a:p>
+        </p:txBody>
+      </p:sp>
+      <p:sp>
+        <p:nvSpPr>
+          <p:cNvPr id="24" name="Полилиния 23"/>
+          <p:cNvSpPr/>
+          <p:nvPr/>
+        </p:nvSpPr>
+        <p:spPr>
+          <a:xfrm>
+            <a:off x="4717473" y="2327564"/>
+            <a:ext cx="5048615" cy="1028700"/>
+          </a:xfrm>
+          <a:custGeom>
+            <a:avLst/>
+            <a:gdLst>
+              <a:gd name="connsiteX0" fmla="*/ 3927763 w 5048615"/>
+              <a:gd name="connsiteY0" fmla="*/ 0 h 1028700"/>
+              <a:gd name="connsiteX1" fmla="*/ 4800600 w 5048615"/>
+              <a:gd name="connsiteY1" fmla="*/ 571500 h 1028700"/>
+              <a:gd name="connsiteX2" fmla="*/ 0 w 5048615"/>
+              <a:gd name="connsiteY2" fmla="*/ 1028700 h 1028700"/>
+            </a:gdLst>
+            <a:ahLst/>
+            <a:cxnLst>
+              <a:cxn ang="0">
+                <a:pos x="connsiteX0" y="connsiteY0"/>
+              </a:cxn>
+              <a:cxn ang="0">
+                <a:pos x="connsiteX1" y="connsiteY1"/>
+              </a:cxn>
+              <a:cxn ang="0">
+                <a:pos x="connsiteX2" y="connsiteY2"/>
+              </a:cxn>
+            </a:cxnLst>
+            <a:rect l="l" t="t" r="r" b="b"/>
+            <a:pathLst>
+              <a:path w="5048615" h="1028700">
+                <a:moveTo>
+                  <a:pt x="3927763" y="0"/>
+                </a:moveTo>
+                <a:cubicBezTo>
+                  <a:pt x="4691495" y="200025"/>
+                  <a:pt x="5455227" y="400050"/>
+                  <a:pt x="4800600" y="571500"/>
+                </a:cubicBezTo>
+                <a:cubicBezTo>
+                  <a:pt x="4145973" y="742950"/>
+                  <a:pt x="701386" y="943841"/>
+                  <a:pt x="0" y="1028700"/>
+                </a:cubicBezTo>
+              </a:path>
+            </a:pathLst>
+          </a:custGeom>
+        </p:spPr>
+        <p:style>
+          <a:lnRef idx="1">
+            <a:schemeClr val="accent2"/>
+          </a:lnRef>
+          <a:fillRef idx="0">
+            <a:schemeClr val="accent2"/>
+          </a:fillRef>
+          <a:effectRef idx="0">
+            <a:schemeClr val="accent2"/>
+          </a:effectRef>
+          <a:fontRef idx="minor">
+            <a:schemeClr val="tx1"/>
+          </a:fontRef>
+        </p:style>
+        <p:txBody>
+          <a:bodyPr rtlCol="0" anchor="ctr"/>
+          <a:lstStyle/>
+          <a:p>
+            <a:pPr algn="ctr"/>
+            <a:endParaRPr lang="uk-UA"/>
+          </a:p>
+        </p:txBody>
+      </p:sp>
+      <p:sp>
+        <p:nvSpPr>
+          <p:cNvPr id="28" name="TextBox 27"/>
+          <p:cNvSpPr txBox="1"/>
+          <p:nvPr/>
+        </p:nvSpPr>
+        <p:spPr>
+          <a:xfrm>
+            <a:off x="8153998" y="1435710"/>
+            <a:ext cx="514885" cy="369332"/>
+          </a:xfrm>
+          <a:prstGeom prst="rect">
+            <a:avLst/>
+          </a:prstGeom>
+          <a:noFill/>
+        </p:spPr>
+        <p:txBody>
+          <a:bodyPr wrap="square" rtlCol="0">
+            <a:spAutoFit/>
+          </a:bodyPr>
+          <a:lstStyle/>
+          <a:p>
+            <a:r>
+              <a:rPr lang="en-US" dirty="0" smtClean="0"/>
+              <a:t>G</a:t>
+            </a:r>
+            <a:r>
+              <a:rPr lang="ru-RU" dirty="0" smtClean="0"/>
+              <a:t>2</a:t>
+            </a:r>
+            <a:endParaRPr lang="uk-UA" dirty="0"/>
+          </a:p>
+        </p:txBody>
+      </p:sp>
+    </p:spTree>
+    <p:extLst>
+      <p:ext uri="{BB962C8B-B14F-4D97-AF65-F5344CB8AC3E}">
+        <p14:creationId xmlns:p14="http://schemas.microsoft.com/office/powerpoint/2010/main" val="99119985"/>
+      </p:ext>
+    </p:extLst>
+  </p:cSld>
+  <p:clrMapOvr>
+    <a:masterClrMapping/>
+  </p:clrMapOvr>
+  <p:timing>
+    <p:tnLst>
+      <p:par>
+        <p:cTn id="1" dur="indefinite" restart="never" nodeType="tmRoot"/>
+      </p:par>
+    </p:tnLst>
+  </p:timing>
+</p:sld>
+</file>
+
+<file path=ppt/slides/slide18.xml><?xml version="1.0" encoding="utf-8"?>
+<p:sld xmlns:a="http://schemas.openxmlformats.org/drawingml/2006/main" xmlns:r="http://schemas.openxmlformats.org/officeDocument/2006/relationships" xmlns:p="http://schemas.openxmlformats.org/presentationml/2006/main">
+  <p:cSld>
+    <p:spTree>
+      <p:nvGrpSpPr>
+        <p:cNvPr id="1" name=""/>
+        <p:cNvGrpSpPr/>
+        <p:nvPr/>
+      </p:nvGrpSpPr>
+      <p:grpSpPr>
+        <a:xfrm>
+          <a:off x="0" y="0"/>
+          <a:ext cx="0" cy="0"/>
+          <a:chOff x="0" y="0"/>
+          <a:chExt cx="0" cy="0"/>
+        </a:xfrm>
+      </p:grpSpPr>
+      <p:sp>
+        <p:nvSpPr>
+          <p:cNvPr id="2" name="Заголовок 1"/>
+          <p:cNvSpPr>
+            <a:spLocks noGrp="1"/>
+          </p:cNvSpPr>
+          <p:nvPr>
+            <p:ph type="title"/>
+          </p:nvPr>
+        </p:nvSpPr>
+        <p:spPr>
+          <a:xfrm>
+            <a:off x="770802" y="421545"/>
+            <a:ext cx="9404723" cy="700673"/>
+          </a:xfrm>
+        </p:spPr>
+        <p:txBody>
+          <a:bodyPr/>
+          <a:lstStyle/>
+          <a:p>
+            <a:r>
+              <a:rPr lang="ru-RU" sz="3600" dirty="0" smtClean="0"/>
+              <a:t>Работа удаления (удаление 99)</a:t>
+            </a:r>
+            <a:endParaRPr lang="uk-UA" sz="3600" dirty="0"/>
+          </a:p>
+        </p:txBody>
+      </p:sp>
+      <p:sp>
+        <p:nvSpPr>
+          <p:cNvPr id="4" name="Овал 3"/>
+          <p:cNvSpPr/>
+          <p:nvPr/>
+        </p:nvSpPr>
+        <p:spPr>
+          <a:xfrm>
+            <a:off x="2642476" y="1890278"/>
+            <a:ext cx="911215" cy="572367"/>
+          </a:xfrm>
+          <a:prstGeom prst="ellipse">
+            <a:avLst/>
+          </a:prstGeom>
+        </p:spPr>
+        <p:style>
+          <a:lnRef idx="2">
+            <a:schemeClr val="accent1">
+              <a:shade val="50000"/>
+            </a:schemeClr>
+          </a:lnRef>
+          <a:fillRef idx="1">
+            <a:schemeClr val="accent1"/>
+          </a:fillRef>
+          <a:effectRef idx="0">
+            <a:schemeClr val="accent1"/>
+          </a:effectRef>
+          <a:fontRef idx="minor">
+            <a:schemeClr val="lt1"/>
+          </a:fontRef>
+        </p:style>
+        <p:txBody>
+          <a:bodyPr rtlCol="0" anchor="ctr"/>
+          <a:lstStyle/>
+          <a:p>
+            <a:pPr algn="ctr"/>
+            <a:r>
+              <a:rPr lang="ru-RU" dirty="0" smtClean="0"/>
+              <a:t>102</a:t>
+            </a:r>
+            <a:endParaRPr lang="uk-UA" dirty="0"/>
+          </a:p>
+        </p:txBody>
+      </p:sp>
+      <p:sp>
+        <p:nvSpPr>
+          <p:cNvPr id="5" name="Овал 4"/>
+          <p:cNvSpPr/>
+          <p:nvPr/>
+        </p:nvSpPr>
+        <p:spPr>
+          <a:xfrm>
+            <a:off x="1129230" y="2992581"/>
+            <a:ext cx="834944" cy="498763"/>
+          </a:xfrm>
+          <a:prstGeom prst="ellipse">
+            <a:avLst/>
+          </a:prstGeom>
+        </p:spPr>
+        <p:style>
+          <a:lnRef idx="2">
+            <a:schemeClr val="accent1">
+              <a:shade val="50000"/>
+            </a:schemeClr>
+          </a:lnRef>
+          <a:fillRef idx="1">
+            <a:schemeClr val="accent1"/>
+          </a:fillRef>
+          <a:effectRef idx="0">
+            <a:schemeClr val="accent1"/>
+          </a:effectRef>
+          <a:fontRef idx="minor">
+            <a:schemeClr val="lt1"/>
+          </a:fontRef>
+        </p:style>
+        <p:txBody>
+          <a:bodyPr rtlCol="0" anchor="ctr"/>
+          <a:lstStyle/>
+          <a:p>
+            <a:pPr algn="ctr"/>
+            <a:r>
+              <a:rPr lang="ru-RU" dirty="0" smtClean="0"/>
+              <a:t>84</a:t>
+            </a:r>
+            <a:endParaRPr lang="uk-UA" dirty="0"/>
+          </a:p>
+        </p:txBody>
+      </p:sp>
+      <p:sp>
+        <p:nvSpPr>
+          <p:cNvPr id="6" name="Овал 5"/>
+          <p:cNvSpPr/>
+          <p:nvPr/>
+        </p:nvSpPr>
+        <p:spPr>
+          <a:xfrm>
+            <a:off x="3943935" y="2992581"/>
+            <a:ext cx="825492" cy="509155"/>
+          </a:xfrm>
+          <a:prstGeom prst="ellipse">
+            <a:avLst/>
+          </a:prstGeom>
+        </p:spPr>
+        <p:style>
+          <a:lnRef idx="2">
+            <a:schemeClr val="accent1">
+              <a:shade val="50000"/>
+            </a:schemeClr>
+          </a:lnRef>
+          <a:fillRef idx="1">
+            <a:schemeClr val="accent1"/>
+          </a:fillRef>
+          <a:effectRef idx="0">
+            <a:schemeClr val="accent1"/>
+          </a:effectRef>
+          <a:fontRef idx="minor">
+            <a:schemeClr val="lt1"/>
+          </a:fontRef>
+        </p:style>
+        <p:txBody>
+          <a:bodyPr rtlCol="0" anchor="ctr"/>
+          <a:lstStyle/>
+          <a:p>
+            <a:pPr algn="ctr"/>
+            <a:r>
+              <a:rPr lang="ru-RU" dirty="0" smtClean="0"/>
+              <a:t>153</a:t>
+            </a:r>
+            <a:endParaRPr lang="uk-UA" dirty="0"/>
+          </a:p>
+        </p:txBody>
+      </p:sp>
+      <p:sp>
+        <p:nvSpPr>
+          <p:cNvPr id="7" name="Овал 6"/>
+          <p:cNvSpPr/>
+          <p:nvPr/>
+        </p:nvSpPr>
+        <p:spPr>
+          <a:xfrm>
+            <a:off x="226803" y="4173682"/>
+            <a:ext cx="833069" cy="481445"/>
+          </a:xfrm>
+          <a:prstGeom prst="ellipse">
+            <a:avLst/>
+          </a:prstGeom>
+        </p:spPr>
+        <p:style>
+          <a:lnRef idx="2">
+            <a:schemeClr val="accent1">
+              <a:shade val="50000"/>
+            </a:schemeClr>
+          </a:lnRef>
+          <a:fillRef idx="1">
+            <a:schemeClr val="accent1"/>
+          </a:fillRef>
+          <a:effectRef idx="0">
+            <a:schemeClr val="accent1"/>
+          </a:effectRef>
+          <a:fontRef idx="minor">
+            <a:schemeClr val="lt1"/>
+          </a:fontRef>
+        </p:style>
+        <p:txBody>
+          <a:bodyPr rtlCol="0" anchor="ctr"/>
+          <a:lstStyle/>
+          <a:p>
+            <a:pPr algn="ctr"/>
+            <a:r>
+              <a:rPr lang="ru-RU" dirty="0" smtClean="0"/>
+              <a:t>42</a:t>
+            </a:r>
+            <a:endParaRPr lang="uk-UA" dirty="0"/>
+          </a:p>
+        </p:txBody>
+      </p:sp>
+      <p:sp>
+        <p:nvSpPr>
+          <p:cNvPr id="8" name="Овал 7"/>
+          <p:cNvSpPr/>
+          <p:nvPr/>
+        </p:nvSpPr>
+        <p:spPr>
+          <a:xfrm>
+            <a:off x="1964174" y="4118267"/>
+            <a:ext cx="872544" cy="536860"/>
+          </a:xfrm>
+          <a:prstGeom prst="ellipse">
+            <a:avLst/>
+          </a:prstGeom>
+        </p:spPr>
+        <p:style>
+          <a:lnRef idx="2">
+            <a:schemeClr val="accent1">
+              <a:shade val="50000"/>
+            </a:schemeClr>
+          </a:lnRef>
+          <a:fillRef idx="1">
+            <a:schemeClr val="accent1"/>
+          </a:fillRef>
+          <a:effectRef idx="0">
+            <a:schemeClr val="accent1"/>
+          </a:effectRef>
+          <a:fontRef idx="minor">
+            <a:schemeClr val="lt1"/>
+          </a:fontRef>
+        </p:style>
+        <p:txBody>
+          <a:bodyPr rtlCol="0" anchor="ctr"/>
+          <a:lstStyle/>
+          <a:p>
+            <a:pPr algn="ctr"/>
+            <a:r>
+              <a:rPr lang="ru-RU" dirty="0" smtClean="0"/>
+              <a:t>99</a:t>
+            </a:r>
+            <a:endParaRPr lang="uk-UA" dirty="0"/>
+          </a:p>
+        </p:txBody>
+      </p:sp>
+      <p:sp>
+        <p:nvSpPr>
+          <p:cNvPr id="9" name="Овал 8"/>
+          <p:cNvSpPr/>
+          <p:nvPr/>
+        </p:nvSpPr>
+        <p:spPr>
+          <a:xfrm>
+            <a:off x="3098083" y="4118267"/>
+            <a:ext cx="845852" cy="536860"/>
+          </a:xfrm>
+          <a:prstGeom prst="ellipse">
+            <a:avLst/>
+          </a:prstGeom>
+        </p:spPr>
+        <p:style>
+          <a:lnRef idx="2">
+            <a:schemeClr val="accent1">
+              <a:shade val="50000"/>
+            </a:schemeClr>
+          </a:lnRef>
+          <a:fillRef idx="1">
+            <a:schemeClr val="accent1"/>
+          </a:fillRef>
+          <a:effectRef idx="0">
+            <a:schemeClr val="accent1"/>
+          </a:effectRef>
+          <a:fontRef idx="minor">
+            <a:schemeClr val="lt1"/>
+          </a:fontRef>
+        </p:style>
+        <p:txBody>
+          <a:bodyPr rtlCol="0" anchor="ctr"/>
+          <a:lstStyle/>
+          <a:p>
+            <a:pPr algn="ctr"/>
+            <a:r>
+              <a:rPr lang="ru-RU" dirty="0" smtClean="0"/>
+              <a:t>126</a:t>
+            </a:r>
+            <a:endParaRPr lang="uk-UA" dirty="0"/>
+          </a:p>
+        </p:txBody>
+      </p:sp>
+      <p:cxnSp>
+        <p:nvCxnSpPr>
+          <p:cNvPr id="11" name="Прямая соединительная линия 10"/>
+          <p:cNvCxnSpPr>
+            <a:stCxn id="4" idx="3"/>
+            <a:endCxn id="5" idx="7"/>
+          </p:cNvCxnSpPr>
+          <p:nvPr/>
+        </p:nvCxnSpPr>
+        <p:spPr>
+          <a:xfrm flipH="1">
+            <a:off x="1841899" y="2378824"/>
+            <a:ext cx="934021" cy="686799"/>
+          </a:xfrm>
+          <a:prstGeom prst="line">
+            <a:avLst/>
+          </a:prstGeom>
+        </p:spPr>
+        <p:style>
+          <a:lnRef idx="1">
+            <a:schemeClr val="accent1"/>
+          </a:lnRef>
+          <a:fillRef idx="0">
+            <a:schemeClr val="accent1"/>
+          </a:fillRef>
+          <a:effectRef idx="0">
+            <a:schemeClr val="accent1"/>
+          </a:effectRef>
+          <a:fontRef idx="minor">
+            <a:schemeClr val="tx1"/>
+          </a:fontRef>
+        </p:style>
+      </p:cxnSp>
+      <p:cxnSp>
+        <p:nvCxnSpPr>
+          <p:cNvPr id="15" name="Прямая соединительная линия 14"/>
+          <p:cNvCxnSpPr>
+            <a:stCxn id="5" idx="3"/>
+            <a:endCxn id="7" idx="0"/>
+          </p:cNvCxnSpPr>
+          <p:nvPr/>
+        </p:nvCxnSpPr>
+        <p:spPr>
+          <a:xfrm flipH="1">
+            <a:off x="643338" y="3418302"/>
+            <a:ext cx="608167" cy="755380"/>
+          </a:xfrm>
+          <a:prstGeom prst="line">
+            <a:avLst/>
+          </a:prstGeom>
+        </p:spPr>
+        <p:style>
+          <a:lnRef idx="1">
+            <a:schemeClr val="accent1"/>
+          </a:lnRef>
+          <a:fillRef idx="0">
+            <a:schemeClr val="accent1"/>
+          </a:fillRef>
+          <a:effectRef idx="0">
+            <a:schemeClr val="accent1"/>
+          </a:effectRef>
+          <a:fontRef idx="minor">
+            <a:schemeClr val="tx1"/>
+          </a:fontRef>
+        </p:style>
+      </p:cxnSp>
+      <p:cxnSp>
+        <p:nvCxnSpPr>
+          <p:cNvPr id="17" name="Прямая соединительная линия 16"/>
+          <p:cNvCxnSpPr>
+            <a:stCxn id="5" idx="5"/>
+            <a:endCxn id="8" idx="0"/>
+          </p:cNvCxnSpPr>
+          <p:nvPr/>
+        </p:nvCxnSpPr>
+        <p:spPr>
+          <a:xfrm>
+            <a:off x="1841899" y="3418302"/>
+            <a:ext cx="558547" cy="699965"/>
+          </a:xfrm>
+          <a:prstGeom prst="line">
+            <a:avLst/>
+          </a:prstGeom>
+        </p:spPr>
+        <p:style>
+          <a:lnRef idx="1">
+            <a:schemeClr val="accent1"/>
+          </a:lnRef>
+          <a:fillRef idx="0">
+            <a:schemeClr val="accent1"/>
+          </a:fillRef>
+          <a:effectRef idx="0">
+            <a:schemeClr val="accent1"/>
+          </a:effectRef>
+          <a:fontRef idx="minor">
+            <a:schemeClr val="tx1"/>
+          </a:fontRef>
+        </p:style>
+      </p:cxnSp>
+      <p:cxnSp>
+        <p:nvCxnSpPr>
+          <p:cNvPr id="19" name="Прямая соединительная линия 18"/>
+          <p:cNvCxnSpPr>
+            <a:stCxn id="4" idx="5"/>
+            <a:endCxn id="6" idx="1"/>
+          </p:cNvCxnSpPr>
+          <p:nvPr/>
+        </p:nvCxnSpPr>
+        <p:spPr>
+          <a:xfrm>
+            <a:off x="3420247" y="2378824"/>
+            <a:ext cx="644579" cy="688321"/>
+          </a:xfrm>
+          <a:prstGeom prst="line">
+            <a:avLst/>
+          </a:prstGeom>
+        </p:spPr>
+        <p:style>
+          <a:lnRef idx="1">
+            <a:schemeClr val="accent1"/>
+          </a:lnRef>
+          <a:fillRef idx="0">
+            <a:schemeClr val="accent1"/>
+          </a:fillRef>
+          <a:effectRef idx="0">
+            <a:schemeClr val="accent1"/>
+          </a:effectRef>
+          <a:fontRef idx="minor">
+            <a:schemeClr val="tx1"/>
+          </a:fontRef>
+        </p:style>
+      </p:cxnSp>
+      <p:cxnSp>
+        <p:nvCxnSpPr>
+          <p:cNvPr id="21" name="Прямая соединительная линия 20"/>
+          <p:cNvCxnSpPr>
+            <a:endCxn id="9" idx="0"/>
+          </p:cNvCxnSpPr>
+          <p:nvPr/>
+        </p:nvCxnSpPr>
+        <p:spPr>
+          <a:xfrm flipH="1">
+            <a:off x="3521009" y="3325091"/>
+            <a:ext cx="635355" cy="793176"/>
+          </a:xfrm>
+          <a:prstGeom prst="line">
+            <a:avLst/>
+          </a:prstGeom>
+        </p:spPr>
+        <p:style>
+          <a:lnRef idx="1">
+            <a:schemeClr val="accent1"/>
+          </a:lnRef>
+          <a:fillRef idx="0">
+            <a:schemeClr val="accent1"/>
+          </a:fillRef>
+          <a:effectRef idx="0">
+            <a:schemeClr val="accent1"/>
+          </a:effectRef>
+          <a:fontRef idx="minor">
+            <a:schemeClr val="tx1"/>
+          </a:fontRef>
+        </p:style>
+      </p:cxnSp>
+      <p:sp>
+        <p:nvSpPr>
+          <p:cNvPr id="22" name="TextBox 21"/>
+          <p:cNvSpPr txBox="1"/>
+          <p:nvPr/>
+        </p:nvSpPr>
+        <p:spPr>
+          <a:xfrm>
+            <a:off x="4865295" y="1807129"/>
+            <a:ext cx="1215736" cy="369332"/>
+          </a:xfrm>
+          <a:prstGeom prst="rect">
+            <a:avLst/>
+          </a:prstGeom>
+          <a:noFill/>
+        </p:spPr>
+        <p:txBody>
+          <a:bodyPr wrap="square" rtlCol="0">
+            <a:spAutoFit/>
+          </a:bodyPr>
+          <a:lstStyle/>
+          <a:p>
+            <a:r>
+              <a:rPr lang="ru-RU" dirty="0" smtClean="0"/>
+              <a:t>99</a:t>
+            </a:r>
+            <a:r>
+              <a:rPr lang="en-US" dirty="0" smtClean="0"/>
+              <a:t> &gt; 84</a:t>
+            </a:r>
+            <a:endParaRPr lang="uk-UA" dirty="0"/>
+          </a:p>
+        </p:txBody>
+      </p:sp>
+      <p:sp>
+        <p:nvSpPr>
+          <p:cNvPr id="26" name="TextBox 25"/>
+          <p:cNvSpPr txBox="1"/>
+          <p:nvPr/>
+        </p:nvSpPr>
+        <p:spPr>
+          <a:xfrm>
+            <a:off x="2840640" y="1458306"/>
+            <a:ext cx="514885" cy="369332"/>
+          </a:xfrm>
+          <a:prstGeom prst="rect">
+            <a:avLst/>
+          </a:prstGeom>
+          <a:noFill/>
+        </p:spPr>
+        <p:txBody>
+          <a:bodyPr wrap="square" rtlCol="0">
+            <a:spAutoFit/>
+          </a:bodyPr>
+          <a:lstStyle/>
+          <a:p>
+            <a:r>
+              <a:rPr lang="en-US" dirty="0" smtClean="0"/>
+              <a:t>G1</a:t>
+            </a:r>
+            <a:endParaRPr lang="uk-UA" dirty="0"/>
+          </a:p>
+        </p:txBody>
+      </p:sp>
+      <p:sp>
+        <p:nvSpPr>
+          <p:cNvPr id="3" name="Овал 2"/>
+          <p:cNvSpPr/>
+          <p:nvPr/>
+        </p:nvSpPr>
+        <p:spPr>
+          <a:xfrm>
+            <a:off x="1007539" y="5215928"/>
+            <a:ext cx="847459" cy="571500"/>
+          </a:xfrm>
+          <a:prstGeom prst="ellipse">
+            <a:avLst/>
+          </a:prstGeom>
+        </p:spPr>
+        <p:style>
+          <a:lnRef idx="2">
+            <a:schemeClr val="accent1">
+              <a:shade val="50000"/>
+            </a:schemeClr>
+          </a:lnRef>
+          <a:fillRef idx="1">
+            <a:schemeClr val="accent1"/>
+          </a:fillRef>
+          <a:effectRef idx="0">
+            <a:schemeClr val="accent1"/>
+          </a:effectRef>
+          <a:fontRef idx="minor">
+            <a:schemeClr val="lt1"/>
+          </a:fontRef>
+        </p:style>
+        <p:txBody>
+          <a:bodyPr rtlCol="0" anchor="ctr"/>
+          <a:lstStyle/>
+          <a:p>
+            <a:pPr algn="ctr"/>
+            <a:r>
+              <a:rPr lang="en-US" dirty="0" smtClean="0"/>
+              <a:t>87</a:t>
+            </a:r>
+            <a:endParaRPr lang="uk-UA" dirty="0"/>
+          </a:p>
+        </p:txBody>
+      </p:sp>
+      <p:sp>
+        <p:nvSpPr>
+          <p:cNvPr id="10" name="Овал 9"/>
+          <p:cNvSpPr/>
+          <p:nvPr/>
+        </p:nvSpPr>
+        <p:spPr>
+          <a:xfrm>
+            <a:off x="2525957" y="5217568"/>
+            <a:ext cx="955079" cy="602675"/>
+          </a:xfrm>
+          <a:prstGeom prst="ellipse">
+            <a:avLst/>
+          </a:prstGeom>
+        </p:spPr>
+        <p:style>
+          <a:lnRef idx="2">
+            <a:schemeClr val="accent1">
+              <a:shade val="50000"/>
+            </a:schemeClr>
+          </a:lnRef>
+          <a:fillRef idx="1">
+            <a:schemeClr val="accent1"/>
+          </a:fillRef>
+          <a:effectRef idx="0">
+            <a:schemeClr val="accent1"/>
+          </a:effectRef>
+          <a:fontRef idx="minor">
+            <a:schemeClr val="lt1"/>
+          </a:fontRef>
+        </p:style>
+        <p:txBody>
+          <a:bodyPr rtlCol="0" anchor="ctr"/>
+          <a:lstStyle/>
+          <a:p>
+            <a:pPr algn="ctr"/>
+            <a:r>
+              <a:rPr lang="en-US" dirty="0" smtClean="0"/>
+              <a:t>100</a:t>
+            </a:r>
+            <a:endParaRPr lang="uk-UA" dirty="0"/>
+          </a:p>
+        </p:txBody>
+      </p:sp>
+      <p:cxnSp>
+        <p:nvCxnSpPr>
+          <p:cNvPr id="13" name="Прямая соединительная линия 12"/>
+          <p:cNvCxnSpPr>
+            <a:stCxn id="8" idx="3"/>
+            <a:endCxn id="3" idx="0"/>
+          </p:cNvCxnSpPr>
+          <p:nvPr/>
+        </p:nvCxnSpPr>
+        <p:spPr>
+          <a:xfrm flipH="1">
+            <a:off x="1431269" y="4576506"/>
+            <a:ext cx="660686" cy="639422"/>
+          </a:xfrm>
+          <a:prstGeom prst="line">
+            <a:avLst/>
+          </a:prstGeom>
+        </p:spPr>
+        <p:style>
+          <a:lnRef idx="1">
+            <a:schemeClr val="accent1"/>
+          </a:lnRef>
+          <a:fillRef idx="0">
+            <a:schemeClr val="accent1"/>
+          </a:fillRef>
+          <a:effectRef idx="0">
+            <a:schemeClr val="accent1"/>
+          </a:effectRef>
+          <a:fontRef idx="minor">
+            <a:schemeClr val="tx1"/>
+          </a:fontRef>
+        </p:style>
+      </p:cxnSp>
+      <p:cxnSp>
+        <p:nvCxnSpPr>
+          <p:cNvPr id="16" name="Прямая соединительная линия 15"/>
+          <p:cNvCxnSpPr>
+            <a:stCxn id="8" idx="5"/>
+            <a:endCxn id="10" idx="0"/>
+          </p:cNvCxnSpPr>
+          <p:nvPr/>
+        </p:nvCxnSpPr>
+        <p:spPr>
+          <a:xfrm>
+            <a:off x="2708937" y="4576506"/>
+            <a:ext cx="294560" cy="641062"/>
+          </a:xfrm>
+          <a:prstGeom prst="line">
+            <a:avLst/>
+          </a:prstGeom>
+        </p:spPr>
+        <p:style>
+          <a:lnRef idx="1">
+            <a:schemeClr val="accent1"/>
+          </a:lnRef>
+          <a:fillRef idx="0">
+            <a:schemeClr val="accent1"/>
+          </a:fillRef>
+          <a:effectRef idx="0">
+            <a:schemeClr val="accent1"/>
+          </a:effectRef>
+          <a:fontRef idx="minor">
+            <a:schemeClr val="tx1"/>
+          </a:fontRef>
+        </p:style>
+      </p:cxnSp>
+      <p:sp>
+        <p:nvSpPr>
+          <p:cNvPr id="18" name="Овал 17"/>
+          <p:cNvSpPr/>
+          <p:nvPr/>
+        </p:nvSpPr>
+        <p:spPr>
+          <a:xfrm>
+            <a:off x="7990609" y="1807129"/>
+            <a:ext cx="841664" cy="574760"/>
+          </a:xfrm>
+          <a:prstGeom prst="ellipse">
+            <a:avLst/>
+          </a:prstGeom>
+        </p:spPr>
+        <p:style>
+          <a:lnRef idx="3">
+            <a:schemeClr val="lt1"/>
+          </a:lnRef>
+          <a:fillRef idx="1">
+            <a:schemeClr val="accent3"/>
+          </a:fillRef>
+          <a:effectRef idx="1">
+            <a:schemeClr val="accent3"/>
+          </a:effectRef>
+          <a:fontRef idx="minor">
+            <a:schemeClr val="lt1"/>
+          </a:fontRef>
+        </p:style>
+        <p:txBody>
+          <a:bodyPr rtlCol="0" anchor="ctr"/>
+          <a:lstStyle/>
+          <a:p>
+            <a:pPr algn="ctr"/>
+            <a:r>
+              <a:rPr lang="en-US" dirty="0" smtClean="0"/>
+              <a:t>102</a:t>
+            </a:r>
+            <a:endParaRPr lang="uk-UA" dirty="0"/>
+          </a:p>
+        </p:txBody>
+      </p:sp>
+      <p:sp>
+        <p:nvSpPr>
+          <p:cNvPr id="24" name="Полилиния 23"/>
+          <p:cNvSpPr/>
+          <p:nvPr/>
+        </p:nvSpPr>
+        <p:spPr>
+          <a:xfrm>
+            <a:off x="4717473" y="2327564"/>
+            <a:ext cx="5048615" cy="1028700"/>
+          </a:xfrm>
+          <a:custGeom>
+            <a:avLst/>
+            <a:gdLst>
+              <a:gd name="connsiteX0" fmla="*/ 3927763 w 5048615"/>
+              <a:gd name="connsiteY0" fmla="*/ 0 h 1028700"/>
+              <a:gd name="connsiteX1" fmla="*/ 4800600 w 5048615"/>
+              <a:gd name="connsiteY1" fmla="*/ 571500 h 1028700"/>
+              <a:gd name="connsiteX2" fmla="*/ 0 w 5048615"/>
+              <a:gd name="connsiteY2" fmla="*/ 1028700 h 1028700"/>
+            </a:gdLst>
+            <a:ahLst/>
+            <a:cxnLst>
+              <a:cxn ang="0">
+                <a:pos x="connsiteX0" y="connsiteY0"/>
+              </a:cxn>
+              <a:cxn ang="0">
+                <a:pos x="connsiteX1" y="connsiteY1"/>
+              </a:cxn>
+              <a:cxn ang="0">
+                <a:pos x="connsiteX2" y="connsiteY2"/>
+              </a:cxn>
+            </a:cxnLst>
+            <a:rect l="l" t="t" r="r" b="b"/>
+            <a:pathLst>
+              <a:path w="5048615" h="1028700">
+                <a:moveTo>
+                  <a:pt x="3927763" y="0"/>
+                </a:moveTo>
+                <a:cubicBezTo>
+                  <a:pt x="4691495" y="200025"/>
+                  <a:pt x="5455227" y="400050"/>
+                  <a:pt x="4800600" y="571500"/>
+                </a:cubicBezTo>
+                <a:cubicBezTo>
+                  <a:pt x="4145973" y="742950"/>
+                  <a:pt x="701386" y="943841"/>
+                  <a:pt x="0" y="1028700"/>
+                </a:cubicBezTo>
+              </a:path>
+            </a:pathLst>
+          </a:custGeom>
+        </p:spPr>
+        <p:style>
+          <a:lnRef idx="1">
+            <a:schemeClr val="accent2"/>
+          </a:lnRef>
+          <a:fillRef idx="0">
+            <a:schemeClr val="accent2"/>
+          </a:fillRef>
+          <a:effectRef idx="0">
+            <a:schemeClr val="accent2"/>
+          </a:effectRef>
+          <a:fontRef idx="minor">
+            <a:schemeClr val="tx1"/>
+          </a:fontRef>
+        </p:style>
+        <p:txBody>
+          <a:bodyPr rtlCol="0" anchor="ctr"/>
+          <a:lstStyle/>
+          <a:p>
+            <a:pPr algn="ctr"/>
+            <a:endParaRPr lang="uk-UA"/>
+          </a:p>
+        </p:txBody>
+      </p:sp>
+      <p:sp>
+        <p:nvSpPr>
+          <p:cNvPr id="12" name="Овал 11"/>
+          <p:cNvSpPr/>
+          <p:nvPr/>
+        </p:nvSpPr>
+        <p:spPr>
+          <a:xfrm>
+            <a:off x="6795655" y="3356264"/>
+            <a:ext cx="872836" cy="571500"/>
+          </a:xfrm>
+          <a:prstGeom prst="ellipse">
+            <a:avLst/>
+          </a:prstGeom>
+        </p:spPr>
+        <p:style>
+          <a:lnRef idx="3">
+            <a:schemeClr val="lt1"/>
+          </a:lnRef>
+          <a:fillRef idx="1">
+            <a:schemeClr val="accent3"/>
+          </a:fillRef>
+          <a:effectRef idx="1">
+            <a:schemeClr val="accent3"/>
+          </a:effectRef>
+          <a:fontRef idx="minor">
+            <a:schemeClr val="lt1"/>
+          </a:fontRef>
+        </p:style>
+        <p:txBody>
+          <a:bodyPr rtlCol="0" anchor="ctr"/>
+          <a:lstStyle/>
+          <a:p>
+            <a:pPr algn="ctr"/>
+            <a:r>
+              <a:rPr lang="en-US" dirty="0" smtClean="0"/>
+              <a:t>84</a:t>
+            </a:r>
+            <a:endParaRPr lang="uk-UA" dirty="0"/>
+          </a:p>
+        </p:txBody>
+      </p:sp>
+      <p:cxnSp>
+        <p:nvCxnSpPr>
+          <p:cNvPr id="20" name="Прямая соединительная линия 19"/>
+          <p:cNvCxnSpPr>
+            <a:stCxn id="18" idx="3"/>
+            <a:endCxn id="12" idx="0"/>
+          </p:cNvCxnSpPr>
+          <p:nvPr/>
+        </p:nvCxnSpPr>
+        <p:spPr>
+          <a:xfrm flipH="1">
+            <a:off x="7232073" y="2297717"/>
+            <a:ext cx="881795" cy="1058547"/>
+          </a:xfrm>
+          <a:prstGeom prst="line">
+            <a:avLst/>
+          </a:prstGeom>
+        </p:spPr>
+        <p:style>
+          <a:lnRef idx="1">
+            <a:schemeClr val="accent2"/>
+          </a:lnRef>
+          <a:fillRef idx="0">
+            <a:schemeClr val="accent2"/>
+          </a:fillRef>
+          <a:effectRef idx="0">
+            <a:schemeClr val="accent2"/>
+          </a:effectRef>
+          <a:fontRef idx="minor">
+            <a:schemeClr val="tx1"/>
+          </a:fontRef>
+        </p:style>
+      </p:cxnSp>
+      <p:cxnSp>
+        <p:nvCxnSpPr>
+          <p:cNvPr id="25" name="Прямая соединительная линия 24"/>
+          <p:cNvCxnSpPr>
+            <a:stCxn id="12" idx="3"/>
+            <a:endCxn id="7" idx="7"/>
+          </p:cNvCxnSpPr>
+          <p:nvPr/>
+        </p:nvCxnSpPr>
+        <p:spPr>
+          <a:xfrm flipH="1">
+            <a:off x="937872" y="3844070"/>
+            <a:ext cx="5985607" cy="400118"/>
+          </a:xfrm>
+          <a:prstGeom prst="line">
+            <a:avLst/>
+          </a:prstGeom>
+        </p:spPr>
+        <p:style>
+          <a:lnRef idx="1">
+            <a:schemeClr val="accent2"/>
+          </a:lnRef>
+          <a:fillRef idx="0">
+            <a:schemeClr val="accent2"/>
+          </a:fillRef>
+          <a:effectRef idx="0">
+            <a:schemeClr val="accent2"/>
+          </a:effectRef>
+          <a:fontRef idx="minor">
+            <a:schemeClr val="tx1"/>
+          </a:fontRef>
+        </p:style>
+      </p:cxnSp>
+      <p:sp>
+        <p:nvSpPr>
+          <p:cNvPr id="27" name="TextBox 26"/>
+          <p:cNvSpPr txBox="1"/>
+          <p:nvPr/>
+        </p:nvSpPr>
+        <p:spPr>
+          <a:xfrm>
+            <a:off x="8153998" y="1435710"/>
+            <a:ext cx="514885" cy="369332"/>
+          </a:xfrm>
+          <a:prstGeom prst="rect">
+            <a:avLst/>
+          </a:prstGeom>
+          <a:noFill/>
+        </p:spPr>
+        <p:txBody>
+          <a:bodyPr wrap="square" rtlCol="0">
+            <a:spAutoFit/>
+          </a:bodyPr>
+          <a:lstStyle/>
+          <a:p>
+            <a:r>
+              <a:rPr lang="en-US" dirty="0" smtClean="0"/>
+              <a:t>G</a:t>
+            </a:r>
+            <a:r>
+              <a:rPr lang="ru-RU" dirty="0" smtClean="0"/>
+              <a:t>2</a:t>
+            </a:r>
+            <a:endParaRPr lang="uk-UA" dirty="0"/>
+          </a:p>
+        </p:txBody>
+      </p:sp>
+    </p:spTree>
+    <p:extLst>
+      <p:ext uri="{BB962C8B-B14F-4D97-AF65-F5344CB8AC3E}">
+        <p14:creationId xmlns:p14="http://schemas.microsoft.com/office/powerpoint/2010/main" val="4285909002"/>
+      </p:ext>
+    </p:extLst>
+  </p:cSld>
+  <p:clrMapOvr>
+    <a:masterClrMapping/>
+  </p:clrMapOvr>
+  <p:timing>
+    <p:tnLst>
+      <p:par>
+        <p:cTn id="1" dur="indefinite" restart="never" nodeType="tmRoot"/>
+      </p:par>
+    </p:tnLst>
+  </p:timing>
+</p:sld>
+</file>
+
+<file path=ppt/slides/slide19.xml><?xml version="1.0" encoding="utf-8"?>
+<p:sld xmlns:a="http://schemas.openxmlformats.org/drawingml/2006/main" xmlns:r="http://schemas.openxmlformats.org/officeDocument/2006/relationships" xmlns:p="http://schemas.openxmlformats.org/presentationml/2006/main">
+  <p:cSld>
+    <p:spTree>
+      <p:nvGrpSpPr>
+        <p:cNvPr id="1" name=""/>
+        <p:cNvGrpSpPr/>
+        <p:nvPr/>
+      </p:nvGrpSpPr>
+      <p:grpSpPr>
+        <a:xfrm>
+          <a:off x="0" y="0"/>
+          <a:ext cx="0" cy="0"/>
+          <a:chOff x="0" y="0"/>
+          <a:chExt cx="0" cy="0"/>
+        </a:xfrm>
+      </p:grpSpPr>
+      <p:sp>
+        <p:nvSpPr>
+          <p:cNvPr id="2" name="Заголовок 1"/>
+          <p:cNvSpPr>
+            <a:spLocks noGrp="1"/>
+          </p:cNvSpPr>
+          <p:nvPr>
+            <p:ph type="title"/>
+          </p:nvPr>
+        </p:nvSpPr>
+        <p:spPr>
+          <a:xfrm>
+            <a:off x="770802" y="421545"/>
+            <a:ext cx="9404723" cy="700673"/>
+          </a:xfrm>
+        </p:spPr>
+        <p:txBody>
+          <a:bodyPr/>
+          <a:lstStyle/>
+          <a:p>
+            <a:r>
+              <a:rPr lang="ru-RU" sz="3600" dirty="0" smtClean="0"/>
+              <a:t>Работа удаления (удаление 99)</a:t>
+            </a:r>
+            <a:endParaRPr lang="uk-UA" sz="3600" dirty="0"/>
+          </a:p>
+        </p:txBody>
+      </p:sp>
+      <p:sp>
+        <p:nvSpPr>
+          <p:cNvPr id="4" name="Овал 3"/>
+          <p:cNvSpPr/>
+          <p:nvPr/>
+        </p:nvSpPr>
+        <p:spPr>
+          <a:xfrm>
+            <a:off x="2642476" y="1890278"/>
+            <a:ext cx="911215" cy="572367"/>
+          </a:xfrm>
+          <a:prstGeom prst="ellipse">
+            <a:avLst/>
+          </a:prstGeom>
+        </p:spPr>
+        <p:style>
+          <a:lnRef idx="2">
+            <a:schemeClr val="accent1">
+              <a:shade val="50000"/>
+            </a:schemeClr>
+          </a:lnRef>
+          <a:fillRef idx="1">
+            <a:schemeClr val="accent1"/>
+          </a:fillRef>
+          <a:effectRef idx="0">
+            <a:schemeClr val="accent1"/>
+          </a:effectRef>
+          <a:fontRef idx="minor">
+            <a:schemeClr val="lt1"/>
+          </a:fontRef>
+        </p:style>
+        <p:txBody>
+          <a:bodyPr rtlCol="0" anchor="ctr"/>
+          <a:lstStyle/>
+          <a:p>
+            <a:pPr algn="ctr"/>
+            <a:r>
+              <a:rPr lang="ru-RU" dirty="0" smtClean="0"/>
+              <a:t>102</a:t>
+            </a:r>
+            <a:endParaRPr lang="uk-UA" dirty="0"/>
+          </a:p>
+        </p:txBody>
+      </p:sp>
+      <p:sp>
+        <p:nvSpPr>
+          <p:cNvPr id="5" name="Овал 4"/>
+          <p:cNvSpPr/>
+          <p:nvPr/>
+        </p:nvSpPr>
+        <p:spPr>
+          <a:xfrm>
+            <a:off x="1129230" y="2992581"/>
+            <a:ext cx="834944" cy="498763"/>
+          </a:xfrm>
+          <a:prstGeom prst="ellipse">
+            <a:avLst/>
+          </a:prstGeom>
+        </p:spPr>
+        <p:style>
+          <a:lnRef idx="2">
+            <a:schemeClr val="accent1">
+              <a:shade val="50000"/>
+            </a:schemeClr>
+          </a:lnRef>
+          <a:fillRef idx="1">
+            <a:schemeClr val="accent1"/>
+          </a:fillRef>
+          <a:effectRef idx="0">
+            <a:schemeClr val="accent1"/>
+          </a:effectRef>
+          <a:fontRef idx="minor">
+            <a:schemeClr val="lt1"/>
+          </a:fontRef>
+        </p:style>
+        <p:txBody>
+          <a:bodyPr rtlCol="0" anchor="ctr"/>
+          <a:lstStyle/>
+          <a:p>
+            <a:pPr algn="ctr"/>
+            <a:r>
+              <a:rPr lang="ru-RU" dirty="0" smtClean="0"/>
+              <a:t>84</a:t>
+            </a:r>
+            <a:endParaRPr lang="uk-UA" dirty="0"/>
+          </a:p>
+        </p:txBody>
+      </p:sp>
+      <p:sp>
+        <p:nvSpPr>
+          <p:cNvPr id="6" name="Овал 5"/>
+          <p:cNvSpPr/>
+          <p:nvPr/>
+        </p:nvSpPr>
+        <p:spPr>
+          <a:xfrm>
+            <a:off x="3943935" y="2992581"/>
+            <a:ext cx="825492" cy="509155"/>
+          </a:xfrm>
+          <a:prstGeom prst="ellipse">
+            <a:avLst/>
+          </a:prstGeom>
+        </p:spPr>
+        <p:style>
+          <a:lnRef idx="2">
+            <a:schemeClr val="accent1">
+              <a:shade val="50000"/>
+            </a:schemeClr>
+          </a:lnRef>
+          <a:fillRef idx="1">
+            <a:schemeClr val="accent1"/>
+          </a:fillRef>
+          <a:effectRef idx="0">
+            <a:schemeClr val="accent1"/>
+          </a:effectRef>
+          <a:fontRef idx="minor">
+            <a:schemeClr val="lt1"/>
+          </a:fontRef>
+        </p:style>
+        <p:txBody>
+          <a:bodyPr rtlCol="0" anchor="ctr"/>
+          <a:lstStyle/>
+          <a:p>
+            <a:pPr algn="ctr"/>
+            <a:r>
+              <a:rPr lang="ru-RU" dirty="0" smtClean="0"/>
+              <a:t>153</a:t>
+            </a:r>
+            <a:endParaRPr lang="uk-UA" dirty="0"/>
+          </a:p>
+        </p:txBody>
+      </p:sp>
+      <p:sp>
+        <p:nvSpPr>
+          <p:cNvPr id="7" name="Овал 6"/>
+          <p:cNvSpPr/>
+          <p:nvPr/>
+        </p:nvSpPr>
+        <p:spPr>
+          <a:xfrm>
+            <a:off x="226803" y="4173682"/>
+            <a:ext cx="833069" cy="481445"/>
+          </a:xfrm>
+          <a:prstGeom prst="ellipse">
+            <a:avLst/>
+          </a:prstGeom>
+        </p:spPr>
+        <p:style>
+          <a:lnRef idx="2">
+            <a:schemeClr val="accent1">
+              <a:shade val="50000"/>
+            </a:schemeClr>
+          </a:lnRef>
+          <a:fillRef idx="1">
+            <a:schemeClr val="accent1"/>
+          </a:fillRef>
+          <a:effectRef idx="0">
+            <a:schemeClr val="accent1"/>
+          </a:effectRef>
+          <a:fontRef idx="minor">
+            <a:schemeClr val="lt1"/>
+          </a:fontRef>
+        </p:style>
+        <p:txBody>
+          <a:bodyPr rtlCol="0" anchor="ctr"/>
+          <a:lstStyle/>
+          <a:p>
+            <a:pPr algn="ctr"/>
+            <a:r>
+              <a:rPr lang="ru-RU" dirty="0" smtClean="0"/>
+              <a:t>42</a:t>
+            </a:r>
+            <a:endParaRPr lang="uk-UA" dirty="0"/>
+          </a:p>
+        </p:txBody>
+      </p:sp>
+      <p:sp>
+        <p:nvSpPr>
+          <p:cNvPr id="8" name="Овал 7"/>
+          <p:cNvSpPr/>
+          <p:nvPr/>
+        </p:nvSpPr>
+        <p:spPr>
+          <a:xfrm>
+            <a:off x="1964174" y="4118267"/>
+            <a:ext cx="872544" cy="536860"/>
+          </a:xfrm>
+          <a:prstGeom prst="ellipse">
+            <a:avLst/>
+          </a:prstGeom>
+        </p:spPr>
+        <p:style>
+          <a:lnRef idx="2">
+            <a:schemeClr val="accent1">
+              <a:shade val="50000"/>
+            </a:schemeClr>
+          </a:lnRef>
+          <a:fillRef idx="1">
+            <a:schemeClr val="accent1"/>
+          </a:fillRef>
+          <a:effectRef idx="0">
+            <a:schemeClr val="accent1"/>
+          </a:effectRef>
+          <a:fontRef idx="minor">
+            <a:schemeClr val="lt1"/>
+          </a:fontRef>
+        </p:style>
+        <p:txBody>
+          <a:bodyPr rtlCol="0" anchor="ctr"/>
+          <a:lstStyle/>
+          <a:p>
+            <a:pPr algn="ctr"/>
+            <a:r>
+              <a:rPr lang="ru-RU" dirty="0" smtClean="0"/>
+              <a:t>99</a:t>
+            </a:r>
+            <a:endParaRPr lang="uk-UA" dirty="0"/>
+          </a:p>
+        </p:txBody>
+      </p:sp>
+      <p:sp>
+        <p:nvSpPr>
+          <p:cNvPr id="9" name="Овал 8"/>
+          <p:cNvSpPr/>
+          <p:nvPr/>
+        </p:nvSpPr>
+        <p:spPr>
+          <a:xfrm>
+            <a:off x="3098083" y="4118267"/>
+            <a:ext cx="845852" cy="536860"/>
+          </a:xfrm>
+          <a:prstGeom prst="ellipse">
+            <a:avLst/>
+          </a:prstGeom>
+        </p:spPr>
+        <p:style>
+          <a:lnRef idx="2">
+            <a:schemeClr val="accent1">
+              <a:shade val="50000"/>
+            </a:schemeClr>
+          </a:lnRef>
+          <a:fillRef idx="1">
+            <a:schemeClr val="accent1"/>
+          </a:fillRef>
+          <a:effectRef idx="0">
+            <a:schemeClr val="accent1"/>
+          </a:effectRef>
+          <a:fontRef idx="minor">
+            <a:schemeClr val="lt1"/>
+          </a:fontRef>
+        </p:style>
+        <p:txBody>
+          <a:bodyPr rtlCol="0" anchor="ctr"/>
+          <a:lstStyle/>
+          <a:p>
+            <a:pPr algn="ctr"/>
+            <a:r>
+              <a:rPr lang="ru-RU" dirty="0" smtClean="0"/>
+              <a:t>126</a:t>
+            </a:r>
+            <a:endParaRPr lang="uk-UA" dirty="0"/>
+          </a:p>
+        </p:txBody>
+      </p:sp>
+      <p:cxnSp>
+        <p:nvCxnSpPr>
+          <p:cNvPr id="11" name="Прямая соединительная линия 10"/>
+          <p:cNvCxnSpPr>
+            <a:stCxn id="4" idx="3"/>
+            <a:endCxn id="5" idx="7"/>
+          </p:cNvCxnSpPr>
+          <p:nvPr/>
+        </p:nvCxnSpPr>
+        <p:spPr>
+          <a:xfrm flipH="1">
+            <a:off x="1841899" y="2378824"/>
+            <a:ext cx="934021" cy="686799"/>
+          </a:xfrm>
+          <a:prstGeom prst="line">
+            <a:avLst/>
+          </a:prstGeom>
+        </p:spPr>
+        <p:style>
+          <a:lnRef idx="1">
+            <a:schemeClr val="accent1"/>
+          </a:lnRef>
+          <a:fillRef idx="0">
+            <a:schemeClr val="accent1"/>
+          </a:fillRef>
+          <a:effectRef idx="0">
+            <a:schemeClr val="accent1"/>
+          </a:effectRef>
+          <a:fontRef idx="minor">
+            <a:schemeClr val="tx1"/>
+          </a:fontRef>
+        </p:style>
+      </p:cxnSp>
+      <p:cxnSp>
+        <p:nvCxnSpPr>
+          <p:cNvPr id="15" name="Прямая соединительная линия 14"/>
+          <p:cNvCxnSpPr>
+            <a:stCxn id="5" idx="3"/>
+            <a:endCxn id="7" idx="0"/>
+          </p:cNvCxnSpPr>
+          <p:nvPr/>
+        </p:nvCxnSpPr>
+        <p:spPr>
+          <a:xfrm flipH="1">
+            <a:off x="643338" y="3418302"/>
+            <a:ext cx="608167" cy="755380"/>
+          </a:xfrm>
+          <a:prstGeom prst="line">
+            <a:avLst/>
+          </a:prstGeom>
+        </p:spPr>
+        <p:style>
+          <a:lnRef idx="1">
+            <a:schemeClr val="accent1"/>
+          </a:lnRef>
+          <a:fillRef idx="0">
+            <a:schemeClr val="accent1"/>
+          </a:fillRef>
+          <a:effectRef idx="0">
+            <a:schemeClr val="accent1"/>
+          </a:effectRef>
+          <a:fontRef idx="minor">
+            <a:schemeClr val="tx1"/>
+          </a:fontRef>
+        </p:style>
+      </p:cxnSp>
+      <p:cxnSp>
+        <p:nvCxnSpPr>
+          <p:cNvPr id="17" name="Прямая соединительная линия 16"/>
+          <p:cNvCxnSpPr>
+            <a:stCxn id="5" idx="5"/>
+            <a:endCxn id="8" idx="0"/>
+          </p:cNvCxnSpPr>
+          <p:nvPr/>
+        </p:nvCxnSpPr>
+        <p:spPr>
+          <a:xfrm>
+            <a:off x="1841899" y="3418302"/>
+            <a:ext cx="558547" cy="699965"/>
+          </a:xfrm>
+          <a:prstGeom prst="line">
+            <a:avLst/>
+          </a:prstGeom>
+        </p:spPr>
+        <p:style>
+          <a:lnRef idx="1">
+            <a:schemeClr val="accent1"/>
+          </a:lnRef>
+          <a:fillRef idx="0">
+            <a:schemeClr val="accent1"/>
+          </a:fillRef>
+          <a:effectRef idx="0">
+            <a:schemeClr val="accent1"/>
+          </a:effectRef>
+          <a:fontRef idx="minor">
+            <a:schemeClr val="tx1"/>
+          </a:fontRef>
+        </p:style>
+      </p:cxnSp>
+      <p:cxnSp>
+        <p:nvCxnSpPr>
+          <p:cNvPr id="19" name="Прямая соединительная линия 18"/>
+          <p:cNvCxnSpPr>
+            <a:stCxn id="4" idx="5"/>
+            <a:endCxn id="6" idx="1"/>
+          </p:cNvCxnSpPr>
+          <p:nvPr/>
+        </p:nvCxnSpPr>
+        <p:spPr>
+          <a:xfrm>
+            <a:off x="3420247" y="2378824"/>
+            <a:ext cx="644579" cy="688321"/>
+          </a:xfrm>
+          <a:prstGeom prst="line">
+            <a:avLst/>
+          </a:prstGeom>
+        </p:spPr>
+        <p:style>
+          <a:lnRef idx="1">
+            <a:schemeClr val="accent1"/>
+          </a:lnRef>
+          <a:fillRef idx="0">
+            <a:schemeClr val="accent1"/>
+          </a:fillRef>
+          <a:effectRef idx="0">
+            <a:schemeClr val="accent1"/>
+          </a:effectRef>
+          <a:fontRef idx="minor">
+            <a:schemeClr val="tx1"/>
+          </a:fontRef>
+        </p:style>
+      </p:cxnSp>
+      <p:cxnSp>
+        <p:nvCxnSpPr>
+          <p:cNvPr id="21" name="Прямая соединительная линия 20"/>
+          <p:cNvCxnSpPr>
+            <a:endCxn id="9" idx="0"/>
+          </p:cNvCxnSpPr>
+          <p:nvPr/>
+        </p:nvCxnSpPr>
+        <p:spPr>
+          <a:xfrm flipH="1">
+            <a:off x="3521009" y="3325091"/>
+            <a:ext cx="635355" cy="793176"/>
+          </a:xfrm>
+          <a:prstGeom prst="line">
+            <a:avLst/>
+          </a:prstGeom>
+        </p:spPr>
+        <p:style>
+          <a:lnRef idx="1">
+            <a:schemeClr val="accent1"/>
+          </a:lnRef>
+          <a:fillRef idx="0">
+            <a:schemeClr val="accent1"/>
+          </a:fillRef>
+          <a:effectRef idx="0">
+            <a:schemeClr val="accent1"/>
+          </a:effectRef>
+          <a:fontRef idx="minor">
+            <a:schemeClr val="tx1"/>
+          </a:fontRef>
+        </p:style>
+      </p:cxnSp>
+      <p:sp>
+        <p:nvSpPr>
+          <p:cNvPr id="22" name="TextBox 21"/>
+          <p:cNvSpPr txBox="1"/>
+          <p:nvPr/>
+        </p:nvSpPr>
+        <p:spPr>
+          <a:xfrm>
+            <a:off x="3219672" y="1034877"/>
+            <a:ext cx="6745209" cy="646331"/>
+          </a:xfrm>
+          <a:prstGeom prst="rect">
+            <a:avLst/>
+          </a:prstGeom>
+          <a:noFill/>
+        </p:spPr>
+        <p:txBody>
+          <a:bodyPr wrap="square" rtlCol="0">
+            <a:spAutoFit/>
+          </a:bodyPr>
+          <a:lstStyle/>
+          <a:p>
+            <a:pPr algn="just"/>
+            <a:r>
+              <a:rPr lang="ru-RU" dirty="0" smtClean="0"/>
+              <a:t>Узел 99 имеет оба ребенка. Заменяем данный узел на минимальный узел из правого поддерева</a:t>
+            </a:r>
+            <a:endParaRPr lang="uk-UA" dirty="0"/>
+          </a:p>
+        </p:txBody>
+      </p:sp>
+      <p:sp>
+        <p:nvSpPr>
+          <p:cNvPr id="26" name="TextBox 25"/>
+          <p:cNvSpPr txBox="1"/>
+          <p:nvPr/>
+        </p:nvSpPr>
+        <p:spPr>
+          <a:xfrm>
+            <a:off x="2840640" y="1458306"/>
+            <a:ext cx="514885" cy="369332"/>
+          </a:xfrm>
+          <a:prstGeom prst="rect">
+            <a:avLst/>
+          </a:prstGeom>
+          <a:noFill/>
+        </p:spPr>
+        <p:txBody>
+          <a:bodyPr wrap="square" rtlCol="0">
+            <a:spAutoFit/>
+          </a:bodyPr>
+          <a:lstStyle/>
+          <a:p>
+            <a:r>
+              <a:rPr lang="en-US" dirty="0" smtClean="0"/>
+              <a:t>G1</a:t>
+            </a:r>
+            <a:endParaRPr lang="uk-UA" dirty="0"/>
+          </a:p>
+        </p:txBody>
+      </p:sp>
+      <p:sp>
+        <p:nvSpPr>
+          <p:cNvPr id="3" name="Овал 2"/>
+          <p:cNvSpPr/>
+          <p:nvPr/>
+        </p:nvSpPr>
+        <p:spPr>
+          <a:xfrm>
+            <a:off x="1007539" y="5215928"/>
+            <a:ext cx="847459" cy="571500"/>
+          </a:xfrm>
+          <a:prstGeom prst="ellipse">
+            <a:avLst/>
+          </a:prstGeom>
+        </p:spPr>
+        <p:style>
+          <a:lnRef idx="2">
+            <a:schemeClr val="accent1">
+              <a:shade val="50000"/>
+            </a:schemeClr>
+          </a:lnRef>
+          <a:fillRef idx="1">
+            <a:schemeClr val="accent1"/>
+          </a:fillRef>
+          <a:effectRef idx="0">
+            <a:schemeClr val="accent1"/>
+          </a:effectRef>
+          <a:fontRef idx="minor">
+            <a:schemeClr val="lt1"/>
+          </a:fontRef>
+        </p:style>
+        <p:txBody>
+          <a:bodyPr rtlCol="0" anchor="ctr"/>
+          <a:lstStyle/>
+          <a:p>
+            <a:pPr algn="ctr"/>
+            <a:r>
+              <a:rPr lang="en-US" dirty="0" smtClean="0"/>
+              <a:t>87</a:t>
+            </a:r>
+            <a:endParaRPr lang="uk-UA" dirty="0"/>
+          </a:p>
+        </p:txBody>
+      </p:sp>
+      <p:sp>
+        <p:nvSpPr>
+          <p:cNvPr id="10" name="Овал 9"/>
+          <p:cNvSpPr/>
+          <p:nvPr/>
+        </p:nvSpPr>
+        <p:spPr>
+          <a:xfrm>
+            <a:off x="2525957" y="5217568"/>
+            <a:ext cx="955079" cy="602675"/>
+          </a:xfrm>
+          <a:prstGeom prst="ellipse">
+            <a:avLst/>
+          </a:prstGeom>
+        </p:spPr>
+        <p:style>
+          <a:lnRef idx="2">
+            <a:schemeClr val="accent1">
+              <a:shade val="50000"/>
+            </a:schemeClr>
+          </a:lnRef>
+          <a:fillRef idx="1">
+            <a:schemeClr val="accent1"/>
+          </a:fillRef>
+          <a:effectRef idx="0">
+            <a:schemeClr val="accent1"/>
+          </a:effectRef>
+          <a:fontRef idx="minor">
+            <a:schemeClr val="lt1"/>
+          </a:fontRef>
+        </p:style>
+        <p:txBody>
+          <a:bodyPr rtlCol="0" anchor="ctr"/>
+          <a:lstStyle/>
+          <a:p>
+            <a:pPr algn="ctr"/>
+            <a:r>
+              <a:rPr lang="en-US" dirty="0" smtClean="0"/>
+              <a:t>100</a:t>
+            </a:r>
+            <a:endParaRPr lang="uk-UA" dirty="0"/>
+          </a:p>
+        </p:txBody>
+      </p:sp>
+      <p:cxnSp>
+        <p:nvCxnSpPr>
+          <p:cNvPr id="13" name="Прямая соединительная линия 12"/>
+          <p:cNvCxnSpPr>
+            <a:stCxn id="8" idx="3"/>
+            <a:endCxn id="3" idx="0"/>
+          </p:cNvCxnSpPr>
+          <p:nvPr/>
+        </p:nvCxnSpPr>
+        <p:spPr>
+          <a:xfrm flipH="1">
+            <a:off x="1431269" y="4576506"/>
+            <a:ext cx="660686" cy="639422"/>
+          </a:xfrm>
+          <a:prstGeom prst="line">
+            <a:avLst/>
+          </a:prstGeom>
+        </p:spPr>
+        <p:style>
+          <a:lnRef idx="1">
+            <a:schemeClr val="accent1"/>
+          </a:lnRef>
+          <a:fillRef idx="0">
+            <a:schemeClr val="accent1"/>
+          </a:fillRef>
+          <a:effectRef idx="0">
+            <a:schemeClr val="accent1"/>
+          </a:effectRef>
+          <a:fontRef idx="minor">
+            <a:schemeClr val="tx1"/>
+          </a:fontRef>
+        </p:style>
+      </p:cxnSp>
+      <p:cxnSp>
+        <p:nvCxnSpPr>
+          <p:cNvPr id="16" name="Прямая соединительная линия 15"/>
+          <p:cNvCxnSpPr>
+            <a:stCxn id="8" idx="5"/>
+            <a:endCxn id="10" idx="0"/>
+          </p:cNvCxnSpPr>
+          <p:nvPr/>
+        </p:nvCxnSpPr>
+        <p:spPr>
+          <a:xfrm>
+            <a:off x="2708937" y="4576506"/>
+            <a:ext cx="294560" cy="641062"/>
+          </a:xfrm>
+          <a:prstGeom prst="line">
+            <a:avLst/>
+          </a:prstGeom>
+        </p:spPr>
+        <p:style>
+          <a:lnRef idx="1">
+            <a:schemeClr val="accent1"/>
+          </a:lnRef>
+          <a:fillRef idx="0">
+            <a:schemeClr val="accent1"/>
+          </a:fillRef>
+          <a:effectRef idx="0">
+            <a:schemeClr val="accent1"/>
+          </a:effectRef>
+          <a:fontRef idx="minor">
+            <a:schemeClr val="tx1"/>
+          </a:fontRef>
+        </p:style>
+      </p:cxnSp>
+      <p:sp>
+        <p:nvSpPr>
+          <p:cNvPr id="18" name="Овал 17"/>
+          <p:cNvSpPr/>
+          <p:nvPr/>
+        </p:nvSpPr>
+        <p:spPr>
+          <a:xfrm>
+            <a:off x="7990609" y="1807129"/>
+            <a:ext cx="841664" cy="574760"/>
+          </a:xfrm>
+          <a:prstGeom prst="ellipse">
+            <a:avLst/>
+          </a:prstGeom>
+        </p:spPr>
+        <p:style>
+          <a:lnRef idx="3">
+            <a:schemeClr val="lt1"/>
+          </a:lnRef>
+          <a:fillRef idx="1">
+            <a:schemeClr val="accent3"/>
+          </a:fillRef>
+          <a:effectRef idx="1">
+            <a:schemeClr val="accent3"/>
+          </a:effectRef>
+          <a:fontRef idx="minor">
+            <a:schemeClr val="lt1"/>
+          </a:fontRef>
+        </p:style>
+        <p:txBody>
+          <a:bodyPr rtlCol="0" anchor="ctr"/>
+          <a:lstStyle/>
+          <a:p>
+            <a:pPr algn="ctr"/>
+            <a:r>
+              <a:rPr lang="en-US" dirty="0" smtClean="0"/>
+              <a:t>102</a:t>
+            </a:r>
+            <a:endParaRPr lang="uk-UA" dirty="0"/>
+          </a:p>
+        </p:txBody>
+      </p:sp>
+      <p:sp>
+        <p:nvSpPr>
+          <p:cNvPr id="24" name="Полилиния 23"/>
+          <p:cNvSpPr/>
+          <p:nvPr/>
+        </p:nvSpPr>
+        <p:spPr>
+          <a:xfrm>
+            <a:off x="4717473" y="2327564"/>
+            <a:ext cx="5048615" cy="1028700"/>
+          </a:xfrm>
+          <a:custGeom>
+            <a:avLst/>
+            <a:gdLst>
+              <a:gd name="connsiteX0" fmla="*/ 3927763 w 5048615"/>
+              <a:gd name="connsiteY0" fmla="*/ 0 h 1028700"/>
+              <a:gd name="connsiteX1" fmla="*/ 4800600 w 5048615"/>
+              <a:gd name="connsiteY1" fmla="*/ 571500 h 1028700"/>
+              <a:gd name="connsiteX2" fmla="*/ 0 w 5048615"/>
+              <a:gd name="connsiteY2" fmla="*/ 1028700 h 1028700"/>
+            </a:gdLst>
+            <a:ahLst/>
+            <a:cxnLst>
+              <a:cxn ang="0">
+                <a:pos x="connsiteX0" y="connsiteY0"/>
+              </a:cxn>
+              <a:cxn ang="0">
+                <a:pos x="connsiteX1" y="connsiteY1"/>
+              </a:cxn>
+              <a:cxn ang="0">
+                <a:pos x="connsiteX2" y="connsiteY2"/>
+              </a:cxn>
+            </a:cxnLst>
+            <a:rect l="l" t="t" r="r" b="b"/>
+            <a:pathLst>
+              <a:path w="5048615" h="1028700">
+                <a:moveTo>
+                  <a:pt x="3927763" y="0"/>
+                </a:moveTo>
+                <a:cubicBezTo>
+                  <a:pt x="4691495" y="200025"/>
+                  <a:pt x="5455227" y="400050"/>
+                  <a:pt x="4800600" y="571500"/>
+                </a:cubicBezTo>
+                <a:cubicBezTo>
+                  <a:pt x="4145973" y="742950"/>
+                  <a:pt x="701386" y="943841"/>
+                  <a:pt x="0" y="1028700"/>
+                </a:cubicBezTo>
+              </a:path>
+            </a:pathLst>
+          </a:custGeom>
+        </p:spPr>
+        <p:style>
+          <a:lnRef idx="1">
+            <a:schemeClr val="accent2"/>
+          </a:lnRef>
+          <a:fillRef idx="0">
+            <a:schemeClr val="accent2"/>
+          </a:fillRef>
+          <a:effectRef idx="0">
+            <a:schemeClr val="accent2"/>
+          </a:effectRef>
+          <a:fontRef idx="minor">
+            <a:schemeClr val="tx1"/>
+          </a:fontRef>
+        </p:style>
+        <p:txBody>
+          <a:bodyPr rtlCol="0" anchor="ctr"/>
+          <a:lstStyle/>
+          <a:p>
+            <a:pPr algn="ctr"/>
+            <a:endParaRPr lang="uk-UA"/>
+          </a:p>
+        </p:txBody>
+      </p:sp>
+      <p:sp>
+        <p:nvSpPr>
+          <p:cNvPr id="12" name="Овал 11"/>
+          <p:cNvSpPr/>
+          <p:nvPr/>
+        </p:nvSpPr>
+        <p:spPr>
+          <a:xfrm>
+            <a:off x="6795655" y="3356264"/>
+            <a:ext cx="872836" cy="571500"/>
+          </a:xfrm>
+          <a:prstGeom prst="ellipse">
+            <a:avLst/>
+          </a:prstGeom>
+        </p:spPr>
+        <p:style>
+          <a:lnRef idx="3">
+            <a:schemeClr val="lt1"/>
+          </a:lnRef>
+          <a:fillRef idx="1">
+            <a:schemeClr val="accent3"/>
+          </a:fillRef>
+          <a:effectRef idx="1">
+            <a:schemeClr val="accent3"/>
+          </a:effectRef>
+          <a:fontRef idx="minor">
+            <a:schemeClr val="lt1"/>
+          </a:fontRef>
+        </p:style>
+        <p:txBody>
+          <a:bodyPr rtlCol="0" anchor="ctr"/>
+          <a:lstStyle/>
+          <a:p>
+            <a:pPr algn="ctr"/>
+            <a:r>
+              <a:rPr lang="en-US" dirty="0" smtClean="0"/>
+              <a:t>84</a:t>
+            </a:r>
+            <a:endParaRPr lang="uk-UA" dirty="0"/>
+          </a:p>
+        </p:txBody>
+      </p:sp>
+      <p:cxnSp>
+        <p:nvCxnSpPr>
+          <p:cNvPr id="20" name="Прямая соединительная линия 19"/>
+          <p:cNvCxnSpPr>
+            <a:stCxn id="18" idx="3"/>
+            <a:endCxn id="12" idx="0"/>
+          </p:cNvCxnSpPr>
+          <p:nvPr/>
+        </p:nvCxnSpPr>
+        <p:spPr>
+          <a:xfrm flipH="1">
+            <a:off x="7232073" y="2297717"/>
+            <a:ext cx="881795" cy="1058547"/>
+          </a:xfrm>
+          <a:prstGeom prst="line">
+            <a:avLst/>
+          </a:prstGeom>
+        </p:spPr>
+        <p:style>
+          <a:lnRef idx="1">
+            <a:schemeClr val="accent2"/>
+          </a:lnRef>
+          <a:fillRef idx="0">
+            <a:schemeClr val="accent2"/>
+          </a:fillRef>
+          <a:effectRef idx="0">
+            <a:schemeClr val="accent2"/>
+          </a:effectRef>
+          <a:fontRef idx="minor">
+            <a:schemeClr val="tx1"/>
+          </a:fontRef>
+        </p:style>
+      </p:cxnSp>
+      <p:cxnSp>
+        <p:nvCxnSpPr>
+          <p:cNvPr id="25" name="Прямая соединительная линия 24"/>
+          <p:cNvCxnSpPr>
+            <a:stCxn id="12" idx="3"/>
+            <a:endCxn id="7" idx="7"/>
+          </p:cNvCxnSpPr>
+          <p:nvPr/>
+        </p:nvCxnSpPr>
+        <p:spPr>
+          <a:xfrm flipH="1">
+            <a:off x="937872" y="3844070"/>
+            <a:ext cx="5985607" cy="400118"/>
+          </a:xfrm>
+          <a:prstGeom prst="line">
+            <a:avLst/>
+          </a:prstGeom>
+        </p:spPr>
+        <p:style>
+          <a:lnRef idx="1">
+            <a:schemeClr val="accent2"/>
+          </a:lnRef>
+          <a:fillRef idx="0">
+            <a:schemeClr val="accent2"/>
+          </a:fillRef>
+          <a:effectRef idx="0">
+            <a:schemeClr val="accent2"/>
+          </a:effectRef>
+          <a:fontRef idx="minor">
+            <a:schemeClr val="tx1"/>
+          </a:fontRef>
+        </p:style>
+      </p:cxnSp>
+      <p:sp>
+        <p:nvSpPr>
+          <p:cNvPr id="27" name="Овал 26"/>
+          <p:cNvSpPr/>
+          <p:nvPr/>
+        </p:nvSpPr>
+        <p:spPr>
+          <a:xfrm>
+            <a:off x="7668491" y="4457700"/>
+            <a:ext cx="893618" cy="613064"/>
+          </a:xfrm>
+          <a:prstGeom prst="ellipse">
+            <a:avLst/>
+          </a:prstGeom>
+        </p:spPr>
+        <p:style>
+          <a:lnRef idx="3">
+            <a:schemeClr val="lt1"/>
+          </a:lnRef>
+          <a:fillRef idx="1">
+            <a:schemeClr val="accent3"/>
+          </a:fillRef>
+          <a:effectRef idx="1">
+            <a:schemeClr val="accent3"/>
+          </a:effectRef>
+          <a:fontRef idx="minor">
+            <a:schemeClr val="lt1"/>
+          </a:fontRef>
+        </p:style>
+        <p:txBody>
+          <a:bodyPr rtlCol="0" anchor="ctr"/>
+          <a:lstStyle/>
+          <a:p>
+            <a:pPr algn="ctr"/>
+            <a:r>
+              <a:rPr lang="ru-RU" dirty="0" smtClean="0"/>
+              <a:t>100</a:t>
+            </a:r>
+            <a:endParaRPr lang="uk-UA" dirty="0"/>
+          </a:p>
+        </p:txBody>
+      </p:sp>
+      <p:cxnSp>
+        <p:nvCxnSpPr>
+          <p:cNvPr id="31" name="Прямая соединительная линия 30"/>
+          <p:cNvCxnSpPr>
+            <a:stCxn id="12" idx="5"/>
+            <a:endCxn id="27" idx="0"/>
+          </p:cNvCxnSpPr>
+          <p:nvPr/>
+        </p:nvCxnSpPr>
+        <p:spPr>
+          <a:xfrm>
+            <a:off x="7540667" y="3844070"/>
+            <a:ext cx="574633" cy="613630"/>
+          </a:xfrm>
+          <a:prstGeom prst="line">
+            <a:avLst/>
+          </a:prstGeom>
+        </p:spPr>
+        <p:style>
+          <a:lnRef idx="1">
+            <a:schemeClr val="accent2"/>
+          </a:lnRef>
+          <a:fillRef idx="0">
+            <a:schemeClr val="accent2"/>
+          </a:fillRef>
+          <a:effectRef idx="0">
+            <a:schemeClr val="accent2"/>
+          </a:effectRef>
+          <a:fontRef idx="minor">
+            <a:schemeClr val="tx1"/>
+          </a:fontRef>
+        </p:style>
+      </p:cxnSp>
+      <p:cxnSp>
+        <p:nvCxnSpPr>
+          <p:cNvPr id="33" name="Прямая соединительная линия 32"/>
+          <p:cNvCxnSpPr>
+            <a:stCxn id="27" idx="3"/>
+            <a:endCxn id="3" idx="7"/>
+          </p:cNvCxnSpPr>
+          <p:nvPr/>
+        </p:nvCxnSpPr>
+        <p:spPr>
+          <a:xfrm flipH="1">
+            <a:off x="1730891" y="4980983"/>
+            <a:ext cx="6068467" cy="318639"/>
+          </a:xfrm>
+          <a:prstGeom prst="line">
+            <a:avLst/>
+          </a:prstGeom>
+        </p:spPr>
+        <p:style>
+          <a:lnRef idx="1">
+            <a:schemeClr val="accent2"/>
+          </a:lnRef>
+          <a:fillRef idx="0">
+            <a:schemeClr val="accent2"/>
+          </a:fillRef>
+          <a:effectRef idx="0">
+            <a:schemeClr val="accent2"/>
+          </a:effectRef>
+          <a:fontRef idx="minor">
+            <a:schemeClr val="tx1"/>
+          </a:fontRef>
+        </p:style>
+      </p:cxnSp>
+      <p:sp>
+        <p:nvSpPr>
+          <p:cNvPr id="34" name="TextBox 33"/>
+          <p:cNvSpPr txBox="1"/>
+          <p:nvPr/>
+        </p:nvSpPr>
+        <p:spPr>
+          <a:xfrm>
+            <a:off x="8153998" y="1435710"/>
+            <a:ext cx="514885" cy="369332"/>
+          </a:xfrm>
+          <a:prstGeom prst="rect">
+            <a:avLst/>
+          </a:prstGeom>
+          <a:noFill/>
+        </p:spPr>
+        <p:txBody>
+          <a:bodyPr wrap="square" rtlCol="0">
+            <a:spAutoFit/>
+          </a:bodyPr>
+          <a:lstStyle/>
+          <a:p>
+            <a:r>
+              <a:rPr lang="en-US" dirty="0" smtClean="0"/>
+              <a:t>G</a:t>
+            </a:r>
+            <a:r>
+              <a:rPr lang="ru-RU" dirty="0" smtClean="0"/>
+              <a:t>2</a:t>
+            </a:r>
+            <a:endParaRPr lang="uk-UA" dirty="0"/>
+          </a:p>
+        </p:txBody>
+      </p:sp>
+    </p:spTree>
+    <p:extLst>
+      <p:ext uri="{BB962C8B-B14F-4D97-AF65-F5344CB8AC3E}">
+        <p14:creationId xmlns:p14="http://schemas.microsoft.com/office/powerpoint/2010/main" val="1268631144"/>
+      </p:ext>
+    </p:extLst>
+  </p:cSld>
+  <p:clrMapOvr>
+    <a:masterClrMapping/>
+  </p:clrMapOvr>
+  <p:timing>
+    <p:tnLst>
+      <p:par>
+        <p:cTn id="1" dur="indefinite" restart="never" nodeType="tmRoot"/>
+      </p:par>
+    </p:tnLst>
+  </p:timing>
 </p:sld>
 </file>
 
@@ -7555,6 +11942,2336 @@
     <p:extLst>
       <p:ext uri="{BB962C8B-B14F-4D97-AF65-F5344CB8AC3E}">
         <p14:creationId xmlns:p14="http://schemas.microsoft.com/office/powerpoint/2010/main" val="462497259"/>
+      </p:ext>
+    </p:extLst>
+  </p:cSld>
+  <p:clrMapOvr>
+    <a:masterClrMapping/>
+  </p:clrMapOvr>
+  <p:timing>
+    <p:tnLst>
+      <p:par>
+        <p:cTn id="1" dur="indefinite" restart="never" nodeType="tmRoot"/>
+      </p:par>
+    </p:tnLst>
+  </p:timing>
+</p:sld>
+</file>
+
+<file path=ppt/slides/slide20.xml><?xml version="1.0" encoding="utf-8"?>
+<p:sld xmlns:a="http://schemas.openxmlformats.org/drawingml/2006/main" xmlns:r="http://schemas.openxmlformats.org/officeDocument/2006/relationships" xmlns:p="http://schemas.openxmlformats.org/presentationml/2006/main">
+  <p:cSld>
+    <p:spTree>
+      <p:nvGrpSpPr>
+        <p:cNvPr id="1" name=""/>
+        <p:cNvGrpSpPr/>
+        <p:nvPr/>
+      </p:nvGrpSpPr>
+      <p:grpSpPr>
+        <a:xfrm>
+          <a:off x="0" y="0"/>
+          <a:ext cx="0" cy="0"/>
+          <a:chOff x="0" y="0"/>
+          <a:chExt cx="0" cy="0"/>
+        </a:xfrm>
+      </p:grpSpPr>
+      <p:sp>
+        <p:nvSpPr>
+          <p:cNvPr id="4" name="Заголовок 1"/>
+          <p:cNvSpPr txBox="1">
+            <a:spLocks/>
+          </p:cNvSpPr>
+          <p:nvPr/>
+        </p:nvSpPr>
+        <p:spPr>
+          <a:xfrm>
+            <a:off x="770802" y="421545"/>
+            <a:ext cx="9404723" cy="700673"/>
+          </a:xfrm>
+          <a:prstGeom prst="rect">
+            <a:avLst/>
+          </a:prstGeom>
+        </p:spPr>
+        <p:txBody>
+          <a:bodyPr vert="horz" lIns="91440" tIns="45720" rIns="91440" bIns="45720" rtlCol="0" anchor="t">
+            <a:noAutofit/>
+          </a:bodyPr>
+          <a:lstStyle>
+            <a:lvl1pPr algn="l" defTabSz="457200" rtl="0" eaLnBrk="1" latinLnBrk="0" hangingPunct="1">
+              <a:spcBef>
+                <a:spcPct val="0"/>
+              </a:spcBef>
+              <a:buNone/>
+              <a:defRPr sz="4200" b="0" i="0" kern="1200">
+                <a:solidFill>
+                  <a:schemeClr val="tx2"/>
+                </a:solidFill>
+                <a:latin typeface="+mj-lt"/>
+                <a:ea typeface="+mj-ea"/>
+                <a:cs typeface="+mj-cs"/>
+              </a:defRPr>
+            </a:lvl1pPr>
+            <a:lvl2pPr eaLnBrk="1" hangingPunct="1">
+              <a:defRPr>
+                <a:solidFill>
+                  <a:schemeClr val="tx2"/>
+                </a:solidFill>
+              </a:defRPr>
+            </a:lvl2pPr>
+            <a:lvl3pPr eaLnBrk="1" hangingPunct="1">
+              <a:defRPr>
+                <a:solidFill>
+                  <a:schemeClr val="tx2"/>
+                </a:solidFill>
+              </a:defRPr>
+            </a:lvl3pPr>
+            <a:lvl4pPr eaLnBrk="1" hangingPunct="1">
+              <a:defRPr>
+                <a:solidFill>
+                  <a:schemeClr val="tx2"/>
+                </a:solidFill>
+              </a:defRPr>
+            </a:lvl4pPr>
+            <a:lvl5pPr eaLnBrk="1" hangingPunct="1">
+              <a:defRPr>
+                <a:solidFill>
+                  <a:schemeClr val="tx2"/>
+                </a:solidFill>
+              </a:defRPr>
+            </a:lvl5pPr>
+            <a:lvl6pPr eaLnBrk="1" hangingPunct="1">
+              <a:defRPr>
+                <a:solidFill>
+                  <a:schemeClr val="tx2"/>
+                </a:solidFill>
+              </a:defRPr>
+            </a:lvl6pPr>
+            <a:lvl7pPr eaLnBrk="1" hangingPunct="1">
+              <a:defRPr>
+                <a:solidFill>
+                  <a:schemeClr val="tx2"/>
+                </a:solidFill>
+              </a:defRPr>
+            </a:lvl7pPr>
+            <a:lvl8pPr eaLnBrk="1" hangingPunct="1">
+              <a:defRPr>
+                <a:solidFill>
+                  <a:schemeClr val="tx2"/>
+                </a:solidFill>
+              </a:defRPr>
+            </a:lvl8pPr>
+            <a:lvl9pPr eaLnBrk="1" hangingPunct="1">
+              <a:defRPr>
+                <a:solidFill>
+                  <a:schemeClr val="tx2"/>
+                </a:solidFill>
+              </a:defRPr>
+            </a:lvl9pPr>
+          </a:lstStyle>
+          <a:p>
+            <a:r>
+              <a:rPr lang="ru-RU" sz="3600" dirty="0" smtClean="0"/>
+              <a:t>Работа удаления (удаление 153)</a:t>
+            </a:r>
+            <a:endParaRPr lang="uk-UA" sz="3600" dirty="0"/>
+          </a:p>
+        </p:txBody>
+      </p:sp>
+      <p:sp>
+        <p:nvSpPr>
+          <p:cNvPr id="5" name="Овал 4"/>
+          <p:cNvSpPr/>
+          <p:nvPr/>
+        </p:nvSpPr>
+        <p:spPr>
+          <a:xfrm>
+            <a:off x="2642476" y="1890278"/>
+            <a:ext cx="911215" cy="572367"/>
+          </a:xfrm>
+          <a:prstGeom prst="ellipse">
+            <a:avLst/>
+          </a:prstGeom>
+        </p:spPr>
+        <p:style>
+          <a:lnRef idx="2">
+            <a:schemeClr val="accent1">
+              <a:shade val="50000"/>
+            </a:schemeClr>
+          </a:lnRef>
+          <a:fillRef idx="1">
+            <a:schemeClr val="accent1"/>
+          </a:fillRef>
+          <a:effectRef idx="0">
+            <a:schemeClr val="accent1"/>
+          </a:effectRef>
+          <a:fontRef idx="minor">
+            <a:schemeClr val="lt1"/>
+          </a:fontRef>
+        </p:style>
+        <p:txBody>
+          <a:bodyPr rtlCol="0" anchor="ctr"/>
+          <a:lstStyle/>
+          <a:p>
+            <a:pPr algn="ctr"/>
+            <a:r>
+              <a:rPr lang="ru-RU" dirty="0" smtClean="0"/>
+              <a:t>102</a:t>
+            </a:r>
+            <a:endParaRPr lang="uk-UA" dirty="0"/>
+          </a:p>
+        </p:txBody>
+      </p:sp>
+      <p:sp>
+        <p:nvSpPr>
+          <p:cNvPr id="6" name="Овал 5"/>
+          <p:cNvSpPr/>
+          <p:nvPr/>
+        </p:nvSpPr>
+        <p:spPr>
+          <a:xfrm>
+            <a:off x="1129230" y="2992581"/>
+            <a:ext cx="834944" cy="498763"/>
+          </a:xfrm>
+          <a:prstGeom prst="ellipse">
+            <a:avLst/>
+          </a:prstGeom>
+        </p:spPr>
+        <p:style>
+          <a:lnRef idx="2">
+            <a:schemeClr val="accent1">
+              <a:shade val="50000"/>
+            </a:schemeClr>
+          </a:lnRef>
+          <a:fillRef idx="1">
+            <a:schemeClr val="accent1"/>
+          </a:fillRef>
+          <a:effectRef idx="0">
+            <a:schemeClr val="accent1"/>
+          </a:effectRef>
+          <a:fontRef idx="minor">
+            <a:schemeClr val="lt1"/>
+          </a:fontRef>
+        </p:style>
+        <p:txBody>
+          <a:bodyPr rtlCol="0" anchor="ctr"/>
+          <a:lstStyle/>
+          <a:p>
+            <a:pPr algn="ctr"/>
+            <a:r>
+              <a:rPr lang="ru-RU" dirty="0" smtClean="0"/>
+              <a:t>84</a:t>
+            </a:r>
+            <a:endParaRPr lang="uk-UA" dirty="0"/>
+          </a:p>
+        </p:txBody>
+      </p:sp>
+      <p:sp>
+        <p:nvSpPr>
+          <p:cNvPr id="7" name="Овал 6"/>
+          <p:cNvSpPr/>
+          <p:nvPr/>
+        </p:nvSpPr>
+        <p:spPr>
+          <a:xfrm>
+            <a:off x="3943935" y="2992581"/>
+            <a:ext cx="825492" cy="509155"/>
+          </a:xfrm>
+          <a:prstGeom prst="ellipse">
+            <a:avLst/>
+          </a:prstGeom>
+        </p:spPr>
+        <p:style>
+          <a:lnRef idx="2">
+            <a:schemeClr val="accent1">
+              <a:shade val="50000"/>
+            </a:schemeClr>
+          </a:lnRef>
+          <a:fillRef idx="1">
+            <a:schemeClr val="accent1"/>
+          </a:fillRef>
+          <a:effectRef idx="0">
+            <a:schemeClr val="accent1"/>
+          </a:effectRef>
+          <a:fontRef idx="minor">
+            <a:schemeClr val="lt1"/>
+          </a:fontRef>
+        </p:style>
+        <p:txBody>
+          <a:bodyPr rtlCol="0" anchor="ctr"/>
+          <a:lstStyle/>
+          <a:p>
+            <a:pPr algn="ctr"/>
+            <a:r>
+              <a:rPr lang="ru-RU" dirty="0" smtClean="0"/>
+              <a:t>153</a:t>
+            </a:r>
+            <a:endParaRPr lang="uk-UA" dirty="0"/>
+          </a:p>
+        </p:txBody>
+      </p:sp>
+      <p:sp>
+        <p:nvSpPr>
+          <p:cNvPr id="8" name="Овал 7"/>
+          <p:cNvSpPr/>
+          <p:nvPr/>
+        </p:nvSpPr>
+        <p:spPr>
+          <a:xfrm>
+            <a:off x="1964174" y="4118267"/>
+            <a:ext cx="872544" cy="536860"/>
+          </a:xfrm>
+          <a:prstGeom prst="ellipse">
+            <a:avLst/>
+          </a:prstGeom>
+        </p:spPr>
+        <p:style>
+          <a:lnRef idx="2">
+            <a:schemeClr val="accent1">
+              <a:shade val="50000"/>
+            </a:schemeClr>
+          </a:lnRef>
+          <a:fillRef idx="1">
+            <a:schemeClr val="accent1"/>
+          </a:fillRef>
+          <a:effectRef idx="0">
+            <a:schemeClr val="accent1"/>
+          </a:effectRef>
+          <a:fontRef idx="minor">
+            <a:schemeClr val="lt1"/>
+          </a:fontRef>
+        </p:style>
+        <p:txBody>
+          <a:bodyPr rtlCol="0" anchor="ctr"/>
+          <a:lstStyle/>
+          <a:p>
+            <a:pPr algn="ctr"/>
+            <a:r>
+              <a:rPr lang="ru-RU" dirty="0" smtClean="0"/>
+              <a:t>99</a:t>
+            </a:r>
+            <a:endParaRPr lang="uk-UA" dirty="0"/>
+          </a:p>
+        </p:txBody>
+      </p:sp>
+      <p:sp>
+        <p:nvSpPr>
+          <p:cNvPr id="9" name="Овал 8"/>
+          <p:cNvSpPr/>
+          <p:nvPr/>
+        </p:nvSpPr>
+        <p:spPr>
+          <a:xfrm>
+            <a:off x="3098083" y="4118267"/>
+            <a:ext cx="845852" cy="536860"/>
+          </a:xfrm>
+          <a:prstGeom prst="ellipse">
+            <a:avLst/>
+          </a:prstGeom>
+        </p:spPr>
+        <p:style>
+          <a:lnRef idx="2">
+            <a:schemeClr val="accent1">
+              <a:shade val="50000"/>
+            </a:schemeClr>
+          </a:lnRef>
+          <a:fillRef idx="1">
+            <a:schemeClr val="accent1"/>
+          </a:fillRef>
+          <a:effectRef idx="0">
+            <a:schemeClr val="accent1"/>
+          </a:effectRef>
+          <a:fontRef idx="minor">
+            <a:schemeClr val="lt1"/>
+          </a:fontRef>
+        </p:style>
+        <p:txBody>
+          <a:bodyPr rtlCol="0" anchor="ctr"/>
+          <a:lstStyle/>
+          <a:p>
+            <a:pPr algn="ctr"/>
+            <a:r>
+              <a:rPr lang="ru-RU" dirty="0" smtClean="0"/>
+              <a:t>126</a:t>
+            </a:r>
+            <a:endParaRPr lang="uk-UA" dirty="0"/>
+          </a:p>
+        </p:txBody>
+      </p:sp>
+      <p:cxnSp>
+        <p:nvCxnSpPr>
+          <p:cNvPr id="10" name="Прямая соединительная линия 9"/>
+          <p:cNvCxnSpPr>
+            <a:stCxn id="5" idx="3"/>
+            <a:endCxn id="6" idx="7"/>
+          </p:cNvCxnSpPr>
+          <p:nvPr/>
+        </p:nvCxnSpPr>
+        <p:spPr>
+          <a:xfrm flipH="1">
+            <a:off x="1841899" y="2378824"/>
+            <a:ext cx="934021" cy="686799"/>
+          </a:xfrm>
+          <a:prstGeom prst="line">
+            <a:avLst/>
+          </a:prstGeom>
+        </p:spPr>
+        <p:style>
+          <a:lnRef idx="1">
+            <a:schemeClr val="accent1"/>
+          </a:lnRef>
+          <a:fillRef idx="0">
+            <a:schemeClr val="accent1"/>
+          </a:fillRef>
+          <a:effectRef idx="0">
+            <a:schemeClr val="accent1"/>
+          </a:effectRef>
+          <a:fontRef idx="minor">
+            <a:schemeClr val="tx1"/>
+          </a:fontRef>
+        </p:style>
+      </p:cxnSp>
+      <p:cxnSp>
+        <p:nvCxnSpPr>
+          <p:cNvPr id="11" name="Прямая соединительная линия 10"/>
+          <p:cNvCxnSpPr>
+            <a:stCxn id="6" idx="3"/>
+          </p:cNvCxnSpPr>
+          <p:nvPr/>
+        </p:nvCxnSpPr>
+        <p:spPr>
+          <a:xfrm flipH="1">
+            <a:off x="643338" y="3418302"/>
+            <a:ext cx="608167" cy="755380"/>
+          </a:xfrm>
+          <a:prstGeom prst="line">
+            <a:avLst/>
+          </a:prstGeom>
+        </p:spPr>
+        <p:style>
+          <a:lnRef idx="1">
+            <a:schemeClr val="accent1"/>
+          </a:lnRef>
+          <a:fillRef idx="0">
+            <a:schemeClr val="accent1"/>
+          </a:fillRef>
+          <a:effectRef idx="0">
+            <a:schemeClr val="accent1"/>
+          </a:effectRef>
+          <a:fontRef idx="minor">
+            <a:schemeClr val="tx1"/>
+          </a:fontRef>
+        </p:style>
+      </p:cxnSp>
+      <p:cxnSp>
+        <p:nvCxnSpPr>
+          <p:cNvPr id="12" name="Прямая соединительная линия 11"/>
+          <p:cNvCxnSpPr>
+            <a:stCxn id="6" idx="5"/>
+            <a:endCxn id="8" idx="0"/>
+          </p:cNvCxnSpPr>
+          <p:nvPr/>
+        </p:nvCxnSpPr>
+        <p:spPr>
+          <a:xfrm>
+            <a:off x="1841899" y="3418302"/>
+            <a:ext cx="558547" cy="699965"/>
+          </a:xfrm>
+          <a:prstGeom prst="line">
+            <a:avLst/>
+          </a:prstGeom>
+        </p:spPr>
+        <p:style>
+          <a:lnRef idx="1">
+            <a:schemeClr val="accent1"/>
+          </a:lnRef>
+          <a:fillRef idx="0">
+            <a:schemeClr val="accent1"/>
+          </a:fillRef>
+          <a:effectRef idx="0">
+            <a:schemeClr val="accent1"/>
+          </a:effectRef>
+          <a:fontRef idx="minor">
+            <a:schemeClr val="tx1"/>
+          </a:fontRef>
+        </p:style>
+      </p:cxnSp>
+      <p:cxnSp>
+        <p:nvCxnSpPr>
+          <p:cNvPr id="13" name="Прямая соединительная линия 12"/>
+          <p:cNvCxnSpPr>
+            <a:stCxn id="5" idx="5"/>
+            <a:endCxn id="7" idx="1"/>
+          </p:cNvCxnSpPr>
+          <p:nvPr/>
+        </p:nvCxnSpPr>
+        <p:spPr>
+          <a:xfrm>
+            <a:off x="3420247" y="2378824"/>
+            <a:ext cx="644579" cy="688321"/>
+          </a:xfrm>
+          <a:prstGeom prst="line">
+            <a:avLst/>
+          </a:prstGeom>
+        </p:spPr>
+        <p:style>
+          <a:lnRef idx="1">
+            <a:schemeClr val="accent1"/>
+          </a:lnRef>
+          <a:fillRef idx="0">
+            <a:schemeClr val="accent1"/>
+          </a:fillRef>
+          <a:effectRef idx="0">
+            <a:schemeClr val="accent1"/>
+          </a:effectRef>
+          <a:fontRef idx="minor">
+            <a:schemeClr val="tx1"/>
+          </a:fontRef>
+        </p:style>
+      </p:cxnSp>
+      <p:cxnSp>
+        <p:nvCxnSpPr>
+          <p:cNvPr id="14" name="Прямая соединительная линия 13"/>
+          <p:cNvCxnSpPr>
+            <a:endCxn id="9" idx="0"/>
+          </p:cNvCxnSpPr>
+          <p:nvPr/>
+        </p:nvCxnSpPr>
+        <p:spPr>
+          <a:xfrm flipH="1">
+            <a:off x="3521009" y="3325091"/>
+            <a:ext cx="635355" cy="793176"/>
+          </a:xfrm>
+          <a:prstGeom prst="line">
+            <a:avLst/>
+          </a:prstGeom>
+        </p:spPr>
+        <p:style>
+          <a:lnRef idx="1">
+            <a:schemeClr val="accent1"/>
+          </a:lnRef>
+          <a:fillRef idx="0">
+            <a:schemeClr val="accent1"/>
+          </a:fillRef>
+          <a:effectRef idx="0">
+            <a:schemeClr val="accent1"/>
+          </a:effectRef>
+          <a:fontRef idx="minor">
+            <a:schemeClr val="tx1"/>
+          </a:fontRef>
+        </p:style>
+      </p:cxnSp>
+      <p:sp>
+        <p:nvSpPr>
+          <p:cNvPr id="15" name="TextBox 14"/>
+          <p:cNvSpPr txBox="1"/>
+          <p:nvPr/>
+        </p:nvSpPr>
+        <p:spPr>
+          <a:xfrm>
+            <a:off x="4865295" y="1807129"/>
+            <a:ext cx="1215736" cy="369332"/>
+          </a:xfrm>
+          <a:prstGeom prst="rect">
+            <a:avLst/>
+          </a:prstGeom>
+          <a:noFill/>
+        </p:spPr>
+        <p:txBody>
+          <a:bodyPr wrap="square" rtlCol="0">
+            <a:spAutoFit/>
+          </a:bodyPr>
+          <a:lstStyle/>
+          <a:p>
+            <a:r>
+              <a:rPr lang="ru-RU" dirty="0" smtClean="0"/>
+              <a:t>153</a:t>
+            </a:r>
+            <a:r>
+              <a:rPr lang="en-US" dirty="0" smtClean="0"/>
+              <a:t> &gt; 102</a:t>
+            </a:r>
+            <a:endParaRPr lang="uk-UA" dirty="0"/>
+          </a:p>
+        </p:txBody>
+      </p:sp>
+      <p:sp>
+        <p:nvSpPr>
+          <p:cNvPr id="16" name="TextBox 15"/>
+          <p:cNvSpPr txBox="1"/>
+          <p:nvPr/>
+        </p:nvSpPr>
+        <p:spPr>
+          <a:xfrm>
+            <a:off x="2840640" y="1458306"/>
+            <a:ext cx="514885" cy="369332"/>
+          </a:xfrm>
+          <a:prstGeom prst="rect">
+            <a:avLst/>
+          </a:prstGeom>
+          <a:noFill/>
+        </p:spPr>
+        <p:txBody>
+          <a:bodyPr wrap="square" rtlCol="0">
+            <a:spAutoFit/>
+          </a:bodyPr>
+          <a:lstStyle/>
+          <a:p>
+            <a:r>
+              <a:rPr lang="en-US" dirty="0" smtClean="0"/>
+              <a:t>G1</a:t>
+            </a:r>
+            <a:endParaRPr lang="uk-UA" dirty="0"/>
+          </a:p>
+        </p:txBody>
+      </p:sp>
+      <p:sp>
+        <p:nvSpPr>
+          <p:cNvPr id="17" name="Овал 16"/>
+          <p:cNvSpPr/>
+          <p:nvPr/>
+        </p:nvSpPr>
+        <p:spPr>
+          <a:xfrm>
+            <a:off x="1007539" y="5215928"/>
+            <a:ext cx="847459" cy="571500"/>
+          </a:xfrm>
+          <a:prstGeom prst="ellipse">
+            <a:avLst/>
+          </a:prstGeom>
+        </p:spPr>
+        <p:style>
+          <a:lnRef idx="2">
+            <a:schemeClr val="accent1">
+              <a:shade val="50000"/>
+            </a:schemeClr>
+          </a:lnRef>
+          <a:fillRef idx="1">
+            <a:schemeClr val="accent1"/>
+          </a:fillRef>
+          <a:effectRef idx="0">
+            <a:schemeClr val="accent1"/>
+          </a:effectRef>
+          <a:fontRef idx="minor">
+            <a:schemeClr val="lt1"/>
+          </a:fontRef>
+        </p:style>
+        <p:txBody>
+          <a:bodyPr rtlCol="0" anchor="ctr"/>
+          <a:lstStyle/>
+          <a:p>
+            <a:pPr algn="ctr"/>
+            <a:r>
+              <a:rPr lang="en-US" dirty="0" smtClean="0"/>
+              <a:t>87</a:t>
+            </a:r>
+            <a:endParaRPr lang="uk-UA" dirty="0"/>
+          </a:p>
+        </p:txBody>
+      </p:sp>
+      <p:sp>
+        <p:nvSpPr>
+          <p:cNvPr id="18" name="Овал 17"/>
+          <p:cNvSpPr/>
+          <p:nvPr/>
+        </p:nvSpPr>
+        <p:spPr>
+          <a:xfrm>
+            <a:off x="2525957" y="5217568"/>
+            <a:ext cx="955079" cy="602675"/>
+          </a:xfrm>
+          <a:prstGeom prst="ellipse">
+            <a:avLst/>
+          </a:prstGeom>
+        </p:spPr>
+        <p:style>
+          <a:lnRef idx="2">
+            <a:schemeClr val="accent1">
+              <a:shade val="50000"/>
+            </a:schemeClr>
+          </a:lnRef>
+          <a:fillRef idx="1">
+            <a:schemeClr val="accent1"/>
+          </a:fillRef>
+          <a:effectRef idx="0">
+            <a:schemeClr val="accent1"/>
+          </a:effectRef>
+          <a:fontRef idx="minor">
+            <a:schemeClr val="lt1"/>
+          </a:fontRef>
+        </p:style>
+        <p:txBody>
+          <a:bodyPr rtlCol="0" anchor="ctr"/>
+          <a:lstStyle/>
+          <a:p>
+            <a:pPr algn="ctr"/>
+            <a:r>
+              <a:rPr lang="en-US" dirty="0" smtClean="0"/>
+              <a:t>100</a:t>
+            </a:r>
+            <a:endParaRPr lang="uk-UA" dirty="0"/>
+          </a:p>
+        </p:txBody>
+      </p:sp>
+      <p:cxnSp>
+        <p:nvCxnSpPr>
+          <p:cNvPr id="19" name="Прямая соединительная линия 18"/>
+          <p:cNvCxnSpPr>
+            <a:stCxn id="8" idx="3"/>
+            <a:endCxn id="17" idx="0"/>
+          </p:cNvCxnSpPr>
+          <p:nvPr/>
+        </p:nvCxnSpPr>
+        <p:spPr>
+          <a:xfrm flipH="1">
+            <a:off x="1431269" y="4576506"/>
+            <a:ext cx="660686" cy="639422"/>
+          </a:xfrm>
+          <a:prstGeom prst="line">
+            <a:avLst/>
+          </a:prstGeom>
+        </p:spPr>
+        <p:style>
+          <a:lnRef idx="1">
+            <a:schemeClr val="accent1"/>
+          </a:lnRef>
+          <a:fillRef idx="0">
+            <a:schemeClr val="accent1"/>
+          </a:fillRef>
+          <a:effectRef idx="0">
+            <a:schemeClr val="accent1"/>
+          </a:effectRef>
+          <a:fontRef idx="minor">
+            <a:schemeClr val="tx1"/>
+          </a:fontRef>
+        </p:style>
+      </p:cxnSp>
+      <p:cxnSp>
+        <p:nvCxnSpPr>
+          <p:cNvPr id="20" name="Прямая соединительная линия 19"/>
+          <p:cNvCxnSpPr>
+            <a:stCxn id="8" idx="5"/>
+            <a:endCxn id="18" idx="0"/>
+          </p:cNvCxnSpPr>
+          <p:nvPr/>
+        </p:nvCxnSpPr>
+        <p:spPr>
+          <a:xfrm>
+            <a:off x="2708937" y="4576506"/>
+            <a:ext cx="294560" cy="641062"/>
+          </a:xfrm>
+          <a:prstGeom prst="line">
+            <a:avLst/>
+          </a:prstGeom>
+        </p:spPr>
+        <p:style>
+          <a:lnRef idx="1">
+            <a:schemeClr val="accent1"/>
+          </a:lnRef>
+          <a:fillRef idx="0">
+            <a:schemeClr val="accent1"/>
+          </a:fillRef>
+          <a:effectRef idx="0">
+            <a:schemeClr val="accent1"/>
+          </a:effectRef>
+          <a:fontRef idx="minor">
+            <a:schemeClr val="tx1"/>
+          </a:fontRef>
+        </p:style>
+      </p:cxnSp>
+      <p:sp>
+        <p:nvSpPr>
+          <p:cNvPr id="21" name="Овал 20"/>
+          <p:cNvSpPr/>
+          <p:nvPr/>
+        </p:nvSpPr>
+        <p:spPr>
+          <a:xfrm>
+            <a:off x="7990609" y="1807129"/>
+            <a:ext cx="841664" cy="574760"/>
+          </a:xfrm>
+          <a:prstGeom prst="ellipse">
+            <a:avLst/>
+          </a:prstGeom>
+        </p:spPr>
+        <p:style>
+          <a:lnRef idx="3">
+            <a:schemeClr val="lt1"/>
+          </a:lnRef>
+          <a:fillRef idx="1">
+            <a:schemeClr val="accent3"/>
+          </a:fillRef>
+          <a:effectRef idx="1">
+            <a:schemeClr val="accent3"/>
+          </a:effectRef>
+          <a:fontRef idx="minor">
+            <a:schemeClr val="lt1"/>
+          </a:fontRef>
+        </p:style>
+        <p:txBody>
+          <a:bodyPr rtlCol="0" anchor="ctr"/>
+          <a:lstStyle/>
+          <a:p>
+            <a:pPr algn="ctr"/>
+            <a:r>
+              <a:rPr lang="en-US" dirty="0" smtClean="0"/>
+              <a:t>102</a:t>
+            </a:r>
+            <a:endParaRPr lang="uk-UA" dirty="0"/>
+          </a:p>
+        </p:txBody>
+      </p:sp>
+      <p:sp>
+        <p:nvSpPr>
+          <p:cNvPr id="23" name="TextBox 22"/>
+          <p:cNvSpPr txBox="1"/>
+          <p:nvPr/>
+        </p:nvSpPr>
+        <p:spPr>
+          <a:xfrm>
+            <a:off x="8153998" y="1435710"/>
+            <a:ext cx="514885" cy="369332"/>
+          </a:xfrm>
+          <a:prstGeom prst="rect">
+            <a:avLst/>
+          </a:prstGeom>
+          <a:noFill/>
+        </p:spPr>
+        <p:txBody>
+          <a:bodyPr wrap="square" rtlCol="0">
+            <a:spAutoFit/>
+          </a:bodyPr>
+          <a:lstStyle/>
+          <a:p>
+            <a:r>
+              <a:rPr lang="en-US" dirty="0" smtClean="0"/>
+              <a:t>G</a:t>
+            </a:r>
+            <a:r>
+              <a:rPr lang="ru-RU" dirty="0" smtClean="0"/>
+              <a:t>2</a:t>
+            </a:r>
+            <a:endParaRPr lang="uk-UA" dirty="0"/>
+          </a:p>
+        </p:txBody>
+      </p:sp>
+      <p:sp>
+        <p:nvSpPr>
+          <p:cNvPr id="24" name="Овал 23"/>
+          <p:cNvSpPr/>
+          <p:nvPr/>
+        </p:nvSpPr>
+        <p:spPr>
+          <a:xfrm>
+            <a:off x="134890" y="4173682"/>
+            <a:ext cx="775939" cy="564573"/>
+          </a:xfrm>
+          <a:prstGeom prst="ellipse">
+            <a:avLst/>
+          </a:prstGeom>
+        </p:spPr>
+        <p:style>
+          <a:lnRef idx="2">
+            <a:schemeClr val="accent1">
+              <a:shade val="50000"/>
+            </a:schemeClr>
+          </a:lnRef>
+          <a:fillRef idx="1">
+            <a:schemeClr val="accent1"/>
+          </a:fillRef>
+          <a:effectRef idx="0">
+            <a:schemeClr val="accent1"/>
+          </a:effectRef>
+          <a:fontRef idx="minor">
+            <a:schemeClr val="lt1"/>
+          </a:fontRef>
+        </p:style>
+        <p:txBody>
+          <a:bodyPr rtlCol="0" anchor="ctr"/>
+          <a:lstStyle/>
+          <a:p>
+            <a:pPr algn="ctr"/>
+            <a:r>
+              <a:rPr lang="ru-RU" dirty="0" smtClean="0"/>
+              <a:t>42</a:t>
+            </a:r>
+            <a:endParaRPr lang="uk-UA" dirty="0"/>
+          </a:p>
+        </p:txBody>
+      </p:sp>
+      <p:cxnSp>
+        <p:nvCxnSpPr>
+          <p:cNvPr id="26" name="Прямая соединительная линия 25"/>
+          <p:cNvCxnSpPr>
+            <a:stCxn id="21" idx="3"/>
+            <a:endCxn id="6" idx="6"/>
+          </p:cNvCxnSpPr>
+          <p:nvPr/>
+        </p:nvCxnSpPr>
+        <p:spPr>
+          <a:xfrm flipH="1">
+            <a:off x="1964174" y="2297717"/>
+            <a:ext cx="6149694" cy="944246"/>
+          </a:xfrm>
+          <a:prstGeom prst="line">
+            <a:avLst/>
+          </a:prstGeom>
+        </p:spPr>
+        <p:style>
+          <a:lnRef idx="1">
+            <a:schemeClr val="accent2"/>
+          </a:lnRef>
+          <a:fillRef idx="0">
+            <a:schemeClr val="accent2"/>
+          </a:fillRef>
+          <a:effectRef idx="0">
+            <a:schemeClr val="accent2"/>
+          </a:effectRef>
+          <a:fontRef idx="minor">
+            <a:schemeClr val="tx1"/>
+          </a:fontRef>
+        </p:style>
+      </p:cxnSp>
+    </p:spTree>
+    <p:extLst>
+      <p:ext uri="{BB962C8B-B14F-4D97-AF65-F5344CB8AC3E}">
+        <p14:creationId xmlns:p14="http://schemas.microsoft.com/office/powerpoint/2010/main" val="377038095"/>
+      </p:ext>
+    </p:extLst>
+  </p:cSld>
+  <p:clrMapOvr>
+    <a:masterClrMapping/>
+  </p:clrMapOvr>
+</p:sld>
+</file>
+
+<file path=ppt/slides/slide21.xml><?xml version="1.0" encoding="utf-8"?>
+<p:sld xmlns:a="http://schemas.openxmlformats.org/drawingml/2006/main" xmlns:r="http://schemas.openxmlformats.org/officeDocument/2006/relationships" xmlns:p="http://schemas.openxmlformats.org/presentationml/2006/main">
+  <p:cSld>
+    <p:spTree>
+      <p:nvGrpSpPr>
+        <p:cNvPr id="1" name=""/>
+        <p:cNvGrpSpPr/>
+        <p:nvPr/>
+      </p:nvGrpSpPr>
+      <p:grpSpPr>
+        <a:xfrm>
+          <a:off x="0" y="0"/>
+          <a:ext cx="0" cy="0"/>
+          <a:chOff x="0" y="0"/>
+          <a:chExt cx="0" cy="0"/>
+        </a:xfrm>
+      </p:grpSpPr>
+      <p:sp>
+        <p:nvSpPr>
+          <p:cNvPr id="4" name="Заголовок 1"/>
+          <p:cNvSpPr txBox="1">
+            <a:spLocks/>
+          </p:cNvSpPr>
+          <p:nvPr/>
+        </p:nvSpPr>
+        <p:spPr>
+          <a:xfrm>
+            <a:off x="770802" y="421545"/>
+            <a:ext cx="9404723" cy="700673"/>
+          </a:xfrm>
+          <a:prstGeom prst="rect">
+            <a:avLst/>
+          </a:prstGeom>
+        </p:spPr>
+        <p:txBody>
+          <a:bodyPr vert="horz" lIns="91440" tIns="45720" rIns="91440" bIns="45720" rtlCol="0" anchor="t">
+            <a:noAutofit/>
+          </a:bodyPr>
+          <a:lstStyle>
+            <a:lvl1pPr algn="l" defTabSz="457200" rtl="0" eaLnBrk="1" latinLnBrk="0" hangingPunct="1">
+              <a:spcBef>
+                <a:spcPct val="0"/>
+              </a:spcBef>
+              <a:buNone/>
+              <a:defRPr sz="4200" b="0" i="0" kern="1200">
+                <a:solidFill>
+                  <a:schemeClr val="tx2"/>
+                </a:solidFill>
+                <a:latin typeface="+mj-lt"/>
+                <a:ea typeface="+mj-ea"/>
+                <a:cs typeface="+mj-cs"/>
+              </a:defRPr>
+            </a:lvl1pPr>
+            <a:lvl2pPr eaLnBrk="1" hangingPunct="1">
+              <a:defRPr>
+                <a:solidFill>
+                  <a:schemeClr val="tx2"/>
+                </a:solidFill>
+              </a:defRPr>
+            </a:lvl2pPr>
+            <a:lvl3pPr eaLnBrk="1" hangingPunct="1">
+              <a:defRPr>
+                <a:solidFill>
+                  <a:schemeClr val="tx2"/>
+                </a:solidFill>
+              </a:defRPr>
+            </a:lvl3pPr>
+            <a:lvl4pPr eaLnBrk="1" hangingPunct="1">
+              <a:defRPr>
+                <a:solidFill>
+                  <a:schemeClr val="tx2"/>
+                </a:solidFill>
+              </a:defRPr>
+            </a:lvl4pPr>
+            <a:lvl5pPr eaLnBrk="1" hangingPunct="1">
+              <a:defRPr>
+                <a:solidFill>
+                  <a:schemeClr val="tx2"/>
+                </a:solidFill>
+              </a:defRPr>
+            </a:lvl5pPr>
+            <a:lvl6pPr eaLnBrk="1" hangingPunct="1">
+              <a:defRPr>
+                <a:solidFill>
+                  <a:schemeClr val="tx2"/>
+                </a:solidFill>
+              </a:defRPr>
+            </a:lvl6pPr>
+            <a:lvl7pPr eaLnBrk="1" hangingPunct="1">
+              <a:defRPr>
+                <a:solidFill>
+                  <a:schemeClr val="tx2"/>
+                </a:solidFill>
+              </a:defRPr>
+            </a:lvl7pPr>
+            <a:lvl8pPr eaLnBrk="1" hangingPunct="1">
+              <a:defRPr>
+                <a:solidFill>
+                  <a:schemeClr val="tx2"/>
+                </a:solidFill>
+              </a:defRPr>
+            </a:lvl8pPr>
+            <a:lvl9pPr eaLnBrk="1" hangingPunct="1">
+              <a:defRPr>
+                <a:solidFill>
+                  <a:schemeClr val="tx2"/>
+                </a:solidFill>
+              </a:defRPr>
+            </a:lvl9pPr>
+          </a:lstStyle>
+          <a:p>
+            <a:r>
+              <a:rPr lang="ru-RU" sz="3600" dirty="0" smtClean="0"/>
+              <a:t>Работа удаления (удаление 153)</a:t>
+            </a:r>
+            <a:endParaRPr lang="uk-UA" sz="3600" dirty="0"/>
+          </a:p>
+        </p:txBody>
+      </p:sp>
+      <p:sp>
+        <p:nvSpPr>
+          <p:cNvPr id="5" name="Овал 4"/>
+          <p:cNvSpPr/>
+          <p:nvPr/>
+        </p:nvSpPr>
+        <p:spPr>
+          <a:xfrm>
+            <a:off x="2642476" y="1890278"/>
+            <a:ext cx="911215" cy="572367"/>
+          </a:xfrm>
+          <a:prstGeom prst="ellipse">
+            <a:avLst/>
+          </a:prstGeom>
+        </p:spPr>
+        <p:style>
+          <a:lnRef idx="2">
+            <a:schemeClr val="accent1">
+              <a:shade val="50000"/>
+            </a:schemeClr>
+          </a:lnRef>
+          <a:fillRef idx="1">
+            <a:schemeClr val="accent1"/>
+          </a:fillRef>
+          <a:effectRef idx="0">
+            <a:schemeClr val="accent1"/>
+          </a:effectRef>
+          <a:fontRef idx="minor">
+            <a:schemeClr val="lt1"/>
+          </a:fontRef>
+        </p:style>
+        <p:txBody>
+          <a:bodyPr rtlCol="0" anchor="ctr"/>
+          <a:lstStyle/>
+          <a:p>
+            <a:pPr algn="ctr"/>
+            <a:r>
+              <a:rPr lang="ru-RU" dirty="0" smtClean="0"/>
+              <a:t>102</a:t>
+            </a:r>
+            <a:endParaRPr lang="uk-UA" dirty="0"/>
+          </a:p>
+        </p:txBody>
+      </p:sp>
+      <p:sp>
+        <p:nvSpPr>
+          <p:cNvPr id="6" name="Овал 5"/>
+          <p:cNvSpPr/>
+          <p:nvPr/>
+        </p:nvSpPr>
+        <p:spPr>
+          <a:xfrm>
+            <a:off x="1129230" y="2992581"/>
+            <a:ext cx="834944" cy="498763"/>
+          </a:xfrm>
+          <a:prstGeom prst="ellipse">
+            <a:avLst/>
+          </a:prstGeom>
+        </p:spPr>
+        <p:style>
+          <a:lnRef idx="2">
+            <a:schemeClr val="accent1">
+              <a:shade val="50000"/>
+            </a:schemeClr>
+          </a:lnRef>
+          <a:fillRef idx="1">
+            <a:schemeClr val="accent1"/>
+          </a:fillRef>
+          <a:effectRef idx="0">
+            <a:schemeClr val="accent1"/>
+          </a:effectRef>
+          <a:fontRef idx="minor">
+            <a:schemeClr val="lt1"/>
+          </a:fontRef>
+        </p:style>
+        <p:txBody>
+          <a:bodyPr rtlCol="0" anchor="ctr"/>
+          <a:lstStyle/>
+          <a:p>
+            <a:pPr algn="ctr"/>
+            <a:r>
+              <a:rPr lang="ru-RU" dirty="0" smtClean="0"/>
+              <a:t>84</a:t>
+            </a:r>
+            <a:endParaRPr lang="uk-UA" dirty="0"/>
+          </a:p>
+        </p:txBody>
+      </p:sp>
+      <p:sp>
+        <p:nvSpPr>
+          <p:cNvPr id="7" name="Овал 6"/>
+          <p:cNvSpPr/>
+          <p:nvPr/>
+        </p:nvSpPr>
+        <p:spPr>
+          <a:xfrm>
+            <a:off x="3943935" y="2992581"/>
+            <a:ext cx="825492" cy="509155"/>
+          </a:xfrm>
+          <a:prstGeom prst="ellipse">
+            <a:avLst/>
+          </a:prstGeom>
+        </p:spPr>
+        <p:style>
+          <a:lnRef idx="2">
+            <a:schemeClr val="accent1">
+              <a:shade val="50000"/>
+            </a:schemeClr>
+          </a:lnRef>
+          <a:fillRef idx="1">
+            <a:schemeClr val="accent1"/>
+          </a:fillRef>
+          <a:effectRef idx="0">
+            <a:schemeClr val="accent1"/>
+          </a:effectRef>
+          <a:fontRef idx="minor">
+            <a:schemeClr val="lt1"/>
+          </a:fontRef>
+        </p:style>
+        <p:txBody>
+          <a:bodyPr rtlCol="0" anchor="ctr"/>
+          <a:lstStyle/>
+          <a:p>
+            <a:pPr algn="ctr"/>
+            <a:r>
+              <a:rPr lang="ru-RU" dirty="0" smtClean="0"/>
+              <a:t>153</a:t>
+            </a:r>
+            <a:endParaRPr lang="uk-UA" dirty="0"/>
+          </a:p>
+        </p:txBody>
+      </p:sp>
+      <p:sp>
+        <p:nvSpPr>
+          <p:cNvPr id="8" name="Овал 7"/>
+          <p:cNvSpPr/>
+          <p:nvPr/>
+        </p:nvSpPr>
+        <p:spPr>
+          <a:xfrm>
+            <a:off x="1964174" y="4118267"/>
+            <a:ext cx="872544" cy="536860"/>
+          </a:xfrm>
+          <a:prstGeom prst="ellipse">
+            <a:avLst/>
+          </a:prstGeom>
+        </p:spPr>
+        <p:style>
+          <a:lnRef idx="2">
+            <a:schemeClr val="accent1">
+              <a:shade val="50000"/>
+            </a:schemeClr>
+          </a:lnRef>
+          <a:fillRef idx="1">
+            <a:schemeClr val="accent1"/>
+          </a:fillRef>
+          <a:effectRef idx="0">
+            <a:schemeClr val="accent1"/>
+          </a:effectRef>
+          <a:fontRef idx="minor">
+            <a:schemeClr val="lt1"/>
+          </a:fontRef>
+        </p:style>
+        <p:txBody>
+          <a:bodyPr rtlCol="0" anchor="ctr"/>
+          <a:lstStyle/>
+          <a:p>
+            <a:pPr algn="ctr"/>
+            <a:r>
+              <a:rPr lang="ru-RU" dirty="0" smtClean="0"/>
+              <a:t>99</a:t>
+            </a:r>
+            <a:endParaRPr lang="uk-UA" dirty="0"/>
+          </a:p>
+        </p:txBody>
+      </p:sp>
+      <p:sp>
+        <p:nvSpPr>
+          <p:cNvPr id="9" name="Овал 8"/>
+          <p:cNvSpPr/>
+          <p:nvPr/>
+        </p:nvSpPr>
+        <p:spPr>
+          <a:xfrm>
+            <a:off x="3098083" y="4118267"/>
+            <a:ext cx="845852" cy="536860"/>
+          </a:xfrm>
+          <a:prstGeom prst="ellipse">
+            <a:avLst/>
+          </a:prstGeom>
+        </p:spPr>
+        <p:style>
+          <a:lnRef idx="2">
+            <a:schemeClr val="accent1">
+              <a:shade val="50000"/>
+            </a:schemeClr>
+          </a:lnRef>
+          <a:fillRef idx="1">
+            <a:schemeClr val="accent1"/>
+          </a:fillRef>
+          <a:effectRef idx="0">
+            <a:schemeClr val="accent1"/>
+          </a:effectRef>
+          <a:fontRef idx="minor">
+            <a:schemeClr val="lt1"/>
+          </a:fontRef>
+        </p:style>
+        <p:txBody>
+          <a:bodyPr rtlCol="0" anchor="ctr"/>
+          <a:lstStyle/>
+          <a:p>
+            <a:pPr algn="ctr"/>
+            <a:r>
+              <a:rPr lang="ru-RU" dirty="0" smtClean="0"/>
+              <a:t>126</a:t>
+            </a:r>
+            <a:endParaRPr lang="uk-UA" dirty="0"/>
+          </a:p>
+        </p:txBody>
+      </p:sp>
+      <p:cxnSp>
+        <p:nvCxnSpPr>
+          <p:cNvPr id="10" name="Прямая соединительная линия 9"/>
+          <p:cNvCxnSpPr>
+            <a:stCxn id="5" idx="3"/>
+            <a:endCxn id="6" idx="7"/>
+          </p:cNvCxnSpPr>
+          <p:nvPr/>
+        </p:nvCxnSpPr>
+        <p:spPr>
+          <a:xfrm flipH="1">
+            <a:off x="1841899" y="2378824"/>
+            <a:ext cx="934021" cy="686799"/>
+          </a:xfrm>
+          <a:prstGeom prst="line">
+            <a:avLst/>
+          </a:prstGeom>
+        </p:spPr>
+        <p:style>
+          <a:lnRef idx="1">
+            <a:schemeClr val="accent1"/>
+          </a:lnRef>
+          <a:fillRef idx="0">
+            <a:schemeClr val="accent1"/>
+          </a:fillRef>
+          <a:effectRef idx="0">
+            <a:schemeClr val="accent1"/>
+          </a:effectRef>
+          <a:fontRef idx="minor">
+            <a:schemeClr val="tx1"/>
+          </a:fontRef>
+        </p:style>
+      </p:cxnSp>
+      <p:cxnSp>
+        <p:nvCxnSpPr>
+          <p:cNvPr id="11" name="Прямая соединительная линия 10"/>
+          <p:cNvCxnSpPr>
+            <a:stCxn id="6" idx="3"/>
+          </p:cNvCxnSpPr>
+          <p:nvPr/>
+        </p:nvCxnSpPr>
+        <p:spPr>
+          <a:xfrm flipH="1">
+            <a:off x="643338" y="3418302"/>
+            <a:ext cx="608167" cy="755380"/>
+          </a:xfrm>
+          <a:prstGeom prst="line">
+            <a:avLst/>
+          </a:prstGeom>
+        </p:spPr>
+        <p:style>
+          <a:lnRef idx="1">
+            <a:schemeClr val="accent1"/>
+          </a:lnRef>
+          <a:fillRef idx="0">
+            <a:schemeClr val="accent1"/>
+          </a:fillRef>
+          <a:effectRef idx="0">
+            <a:schemeClr val="accent1"/>
+          </a:effectRef>
+          <a:fontRef idx="minor">
+            <a:schemeClr val="tx1"/>
+          </a:fontRef>
+        </p:style>
+      </p:cxnSp>
+      <p:cxnSp>
+        <p:nvCxnSpPr>
+          <p:cNvPr id="12" name="Прямая соединительная линия 11"/>
+          <p:cNvCxnSpPr>
+            <a:stCxn id="6" idx="5"/>
+            <a:endCxn id="8" idx="0"/>
+          </p:cNvCxnSpPr>
+          <p:nvPr/>
+        </p:nvCxnSpPr>
+        <p:spPr>
+          <a:xfrm>
+            <a:off x="1841899" y="3418302"/>
+            <a:ext cx="558547" cy="699965"/>
+          </a:xfrm>
+          <a:prstGeom prst="line">
+            <a:avLst/>
+          </a:prstGeom>
+        </p:spPr>
+        <p:style>
+          <a:lnRef idx="1">
+            <a:schemeClr val="accent1"/>
+          </a:lnRef>
+          <a:fillRef idx="0">
+            <a:schemeClr val="accent1"/>
+          </a:fillRef>
+          <a:effectRef idx="0">
+            <a:schemeClr val="accent1"/>
+          </a:effectRef>
+          <a:fontRef idx="minor">
+            <a:schemeClr val="tx1"/>
+          </a:fontRef>
+        </p:style>
+      </p:cxnSp>
+      <p:cxnSp>
+        <p:nvCxnSpPr>
+          <p:cNvPr id="13" name="Прямая соединительная линия 12"/>
+          <p:cNvCxnSpPr>
+            <a:stCxn id="5" idx="5"/>
+            <a:endCxn id="7" idx="1"/>
+          </p:cNvCxnSpPr>
+          <p:nvPr/>
+        </p:nvCxnSpPr>
+        <p:spPr>
+          <a:xfrm>
+            <a:off x="3420247" y="2378824"/>
+            <a:ext cx="644579" cy="688321"/>
+          </a:xfrm>
+          <a:prstGeom prst="line">
+            <a:avLst/>
+          </a:prstGeom>
+        </p:spPr>
+        <p:style>
+          <a:lnRef idx="1">
+            <a:schemeClr val="accent1"/>
+          </a:lnRef>
+          <a:fillRef idx="0">
+            <a:schemeClr val="accent1"/>
+          </a:fillRef>
+          <a:effectRef idx="0">
+            <a:schemeClr val="accent1"/>
+          </a:effectRef>
+          <a:fontRef idx="minor">
+            <a:schemeClr val="tx1"/>
+          </a:fontRef>
+        </p:style>
+      </p:cxnSp>
+      <p:cxnSp>
+        <p:nvCxnSpPr>
+          <p:cNvPr id="14" name="Прямая соединительная линия 13"/>
+          <p:cNvCxnSpPr>
+            <a:endCxn id="9" idx="0"/>
+          </p:cNvCxnSpPr>
+          <p:nvPr/>
+        </p:nvCxnSpPr>
+        <p:spPr>
+          <a:xfrm flipH="1">
+            <a:off x="3521009" y="3325091"/>
+            <a:ext cx="635355" cy="793176"/>
+          </a:xfrm>
+          <a:prstGeom prst="line">
+            <a:avLst/>
+          </a:prstGeom>
+        </p:spPr>
+        <p:style>
+          <a:lnRef idx="1">
+            <a:schemeClr val="accent1"/>
+          </a:lnRef>
+          <a:fillRef idx="0">
+            <a:schemeClr val="accent1"/>
+          </a:fillRef>
+          <a:effectRef idx="0">
+            <a:schemeClr val="accent1"/>
+          </a:effectRef>
+          <a:fontRef idx="minor">
+            <a:schemeClr val="tx1"/>
+          </a:fontRef>
+        </p:style>
+      </p:cxnSp>
+      <p:sp>
+        <p:nvSpPr>
+          <p:cNvPr id="15" name="TextBox 14"/>
+          <p:cNvSpPr txBox="1"/>
+          <p:nvPr/>
+        </p:nvSpPr>
+        <p:spPr>
+          <a:xfrm>
+            <a:off x="3355525" y="982294"/>
+            <a:ext cx="7700180" cy="646331"/>
+          </a:xfrm>
+          <a:prstGeom prst="rect">
+            <a:avLst/>
+          </a:prstGeom>
+          <a:noFill/>
+        </p:spPr>
+        <p:txBody>
+          <a:bodyPr wrap="square" rtlCol="0">
+            <a:spAutoFit/>
+          </a:bodyPr>
+          <a:lstStyle/>
+          <a:p>
+            <a:r>
+              <a:rPr lang="ru-RU" dirty="0" smtClean="0"/>
+              <a:t>Узел 153 имеет одного ребенка (левого). Заменяем его на этого ребенка (для правого ребенка, аналогично).</a:t>
+            </a:r>
+            <a:endParaRPr lang="uk-UA" dirty="0"/>
+          </a:p>
+        </p:txBody>
+      </p:sp>
+      <p:sp>
+        <p:nvSpPr>
+          <p:cNvPr id="16" name="TextBox 15"/>
+          <p:cNvSpPr txBox="1"/>
+          <p:nvPr/>
+        </p:nvSpPr>
+        <p:spPr>
+          <a:xfrm>
+            <a:off x="2840640" y="1458306"/>
+            <a:ext cx="514885" cy="369332"/>
+          </a:xfrm>
+          <a:prstGeom prst="rect">
+            <a:avLst/>
+          </a:prstGeom>
+          <a:noFill/>
+        </p:spPr>
+        <p:txBody>
+          <a:bodyPr wrap="square" rtlCol="0">
+            <a:spAutoFit/>
+          </a:bodyPr>
+          <a:lstStyle/>
+          <a:p>
+            <a:r>
+              <a:rPr lang="en-US" dirty="0" smtClean="0"/>
+              <a:t>G1</a:t>
+            </a:r>
+            <a:endParaRPr lang="uk-UA" dirty="0"/>
+          </a:p>
+        </p:txBody>
+      </p:sp>
+      <p:sp>
+        <p:nvSpPr>
+          <p:cNvPr id="17" name="Овал 16"/>
+          <p:cNvSpPr/>
+          <p:nvPr/>
+        </p:nvSpPr>
+        <p:spPr>
+          <a:xfrm>
+            <a:off x="1007539" y="5215928"/>
+            <a:ext cx="847459" cy="571500"/>
+          </a:xfrm>
+          <a:prstGeom prst="ellipse">
+            <a:avLst/>
+          </a:prstGeom>
+        </p:spPr>
+        <p:style>
+          <a:lnRef idx="2">
+            <a:schemeClr val="accent1">
+              <a:shade val="50000"/>
+            </a:schemeClr>
+          </a:lnRef>
+          <a:fillRef idx="1">
+            <a:schemeClr val="accent1"/>
+          </a:fillRef>
+          <a:effectRef idx="0">
+            <a:schemeClr val="accent1"/>
+          </a:effectRef>
+          <a:fontRef idx="minor">
+            <a:schemeClr val="lt1"/>
+          </a:fontRef>
+        </p:style>
+        <p:txBody>
+          <a:bodyPr rtlCol="0" anchor="ctr"/>
+          <a:lstStyle/>
+          <a:p>
+            <a:pPr algn="ctr"/>
+            <a:r>
+              <a:rPr lang="en-US" dirty="0" smtClean="0"/>
+              <a:t>87</a:t>
+            </a:r>
+            <a:endParaRPr lang="uk-UA" dirty="0"/>
+          </a:p>
+        </p:txBody>
+      </p:sp>
+      <p:sp>
+        <p:nvSpPr>
+          <p:cNvPr id="18" name="Овал 17"/>
+          <p:cNvSpPr/>
+          <p:nvPr/>
+        </p:nvSpPr>
+        <p:spPr>
+          <a:xfrm>
+            <a:off x="2525957" y="5217568"/>
+            <a:ext cx="955079" cy="602675"/>
+          </a:xfrm>
+          <a:prstGeom prst="ellipse">
+            <a:avLst/>
+          </a:prstGeom>
+        </p:spPr>
+        <p:style>
+          <a:lnRef idx="2">
+            <a:schemeClr val="accent1">
+              <a:shade val="50000"/>
+            </a:schemeClr>
+          </a:lnRef>
+          <a:fillRef idx="1">
+            <a:schemeClr val="accent1"/>
+          </a:fillRef>
+          <a:effectRef idx="0">
+            <a:schemeClr val="accent1"/>
+          </a:effectRef>
+          <a:fontRef idx="minor">
+            <a:schemeClr val="lt1"/>
+          </a:fontRef>
+        </p:style>
+        <p:txBody>
+          <a:bodyPr rtlCol="0" anchor="ctr"/>
+          <a:lstStyle/>
+          <a:p>
+            <a:pPr algn="ctr"/>
+            <a:r>
+              <a:rPr lang="en-US" dirty="0" smtClean="0"/>
+              <a:t>100</a:t>
+            </a:r>
+            <a:endParaRPr lang="uk-UA" dirty="0"/>
+          </a:p>
+        </p:txBody>
+      </p:sp>
+      <p:cxnSp>
+        <p:nvCxnSpPr>
+          <p:cNvPr id="19" name="Прямая соединительная линия 18"/>
+          <p:cNvCxnSpPr>
+            <a:stCxn id="8" idx="3"/>
+            <a:endCxn id="17" idx="0"/>
+          </p:cNvCxnSpPr>
+          <p:nvPr/>
+        </p:nvCxnSpPr>
+        <p:spPr>
+          <a:xfrm flipH="1">
+            <a:off x="1431269" y="4576506"/>
+            <a:ext cx="660686" cy="639422"/>
+          </a:xfrm>
+          <a:prstGeom prst="line">
+            <a:avLst/>
+          </a:prstGeom>
+        </p:spPr>
+        <p:style>
+          <a:lnRef idx="1">
+            <a:schemeClr val="accent1"/>
+          </a:lnRef>
+          <a:fillRef idx="0">
+            <a:schemeClr val="accent1"/>
+          </a:fillRef>
+          <a:effectRef idx="0">
+            <a:schemeClr val="accent1"/>
+          </a:effectRef>
+          <a:fontRef idx="minor">
+            <a:schemeClr val="tx1"/>
+          </a:fontRef>
+        </p:style>
+      </p:cxnSp>
+      <p:cxnSp>
+        <p:nvCxnSpPr>
+          <p:cNvPr id="20" name="Прямая соединительная линия 19"/>
+          <p:cNvCxnSpPr>
+            <a:stCxn id="8" idx="5"/>
+            <a:endCxn id="18" idx="0"/>
+          </p:cNvCxnSpPr>
+          <p:nvPr/>
+        </p:nvCxnSpPr>
+        <p:spPr>
+          <a:xfrm>
+            <a:off x="2708937" y="4576506"/>
+            <a:ext cx="294560" cy="641062"/>
+          </a:xfrm>
+          <a:prstGeom prst="line">
+            <a:avLst/>
+          </a:prstGeom>
+        </p:spPr>
+        <p:style>
+          <a:lnRef idx="1">
+            <a:schemeClr val="accent1"/>
+          </a:lnRef>
+          <a:fillRef idx="0">
+            <a:schemeClr val="accent1"/>
+          </a:fillRef>
+          <a:effectRef idx="0">
+            <a:schemeClr val="accent1"/>
+          </a:effectRef>
+          <a:fontRef idx="minor">
+            <a:schemeClr val="tx1"/>
+          </a:fontRef>
+        </p:style>
+      </p:cxnSp>
+      <p:sp>
+        <p:nvSpPr>
+          <p:cNvPr id="21" name="Овал 20"/>
+          <p:cNvSpPr/>
+          <p:nvPr/>
+        </p:nvSpPr>
+        <p:spPr>
+          <a:xfrm>
+            <a:off x="7990609" y="1807129"/>
+            <a:ext cx="841664" cy="574760"/>
+          </a:xfrm>
+          <a:prstGeom prst="ellipse">
+            <a:avLst/>
+          </a:prstGeom>
+        </p:spPr>
+        <p:style>
+          <a:lnRef idx="3">
+            <a:schemeClr val="lt1"/>
+          </a:lnRef>
+          <a:fillRef idx="1">
+            <a:schemeClr val="accent3"/>
+          </a:fillRef>
+          <a:effectRef idx="1">
+            <a:schemeClr val="accent3"/>
+          </a:effectRef>
+          <a:fontRef idx="minor">
+            <a:schemeClr val="lt1"/>
+          </a:fontRef>
+        </p:style>
+        <p:txBody>
+          <a:bodyPr rtlCol="0" anchor="ctr"/>
+          <a:lstStyle/>
+          <a:p>
+            <a:pPr algn="ctr"/>
+            <a:r>
+              <a:rPr lang="en-US" dirty="0" smtClean="0"/>
+              <a:t>102</a:t>
+            </a:r>
+            <a:endParaRPr lang="uk-UA" dirty="0"/>
+          </a:p>
+        </p:txBody>
+      </p:sp>
+      <p:sp>
+        <p:nvSpPr>
+          <p:cNvPr id="23" name="TextBox 22"/>
+          <p:cNvSpPr txBox="1"/>
+          <p:nvPr/>
+        </p:nvSpPr>
+        <p:spPr>
+          <a:xfrm>
+            <a:off x="8153998" y="1435710"/>
+            <a:ext cx="514885" cy="369332"/>
+          </a:xfrm>
+          <a:prstGeom prst="rect">
+            <a:avLst/>
+          </a:prstGeom>
+          <a:noFill/>
+        </p:spPr>
+        <p:txBody>
+          <a:bodyPr wrap="square" rtlCol="0">
+            <a:spAutoFit/>
+          </a:bodyPr>
+          <a:lstStyle/>
+          <a:p>
+            <a:r>
+              <a:rPr lang="en-US" dirty="0" smtClean="0"/>
+              <a:t>G</a:t>
+            </a:r>
+            <a:r>
+              <a:rPr lang="ru-RU" dirty="0" smtClean="0"/>
+              <a:t>2</a:t>
+            </a:r>
+            <a:endParaRPr lang="uk-UA" dirty="0"/>
+          </a:p>
+        </p:txBody>
+      </p:sp>
+      <p:sp>
+        <p:nvSpPr>
+          <p:cNvPr id="24" name="Овал 23"/>
+          <p:cNvSpPr/>
+          <p:nvPr/>
+        </p:nvSpPr>
+        <p:spPr>
+          <a:xfrm>
+            <a:off x="134890" y="4173682"/>
+            <a:ext cx="775939" cy="564573"/>
+          </a:xfrm>
+          <a:prstGeom prst="ellipse">
+            <a:avLst/>
+          </a:prstGeom>
+        </p:spPr>
+        <p:style>
+          <a:lnRef idx="2">
+            <a:schemeClr val="accent1">
+              <a:shade val="50000"/>
+            </a:schemeClr>
+          </a:lnRef>
+          <a:fillRef idx="1">
+            <a:schemeClr val="accent1"/>
+          </a:fillRef>
+          <a:effectRef idx="0">
+            <a:schemeClr val="accent1"/>
+          </a:effectRef>
+          <a:fontRef idx="minor">
+            <a:schemeClr val="lt1"/>
+          </a:fontRef>
+        </p:style>
+        <p:txBody>
+          <a:bodyPr rtlCol="0" anchor="ctr"/>
+          <a:lstStyle/>
+          <a:p>
+            <a:pPr algn="ctr"/>
+            <a:r>
+              <a:rPr lang="ru-RU" dirty="0" smtClean="0"/>
+              <a:t>42</a:t>
+            </a:r>
+            <a:endParaRPr lang="uk-UA" dirty="0"/>
+          </a:p>
+        </p:txBody>
+      </p:sp>
+      <p:cxnSp>
+        <p:nvCxnSpPr>
+          <p:cNvPr id="26" name="Прямая соединительная линия 25"/>
+          <p:cNvCxnSpPr>
+            <a:stCxn id="21" idx="3"/>
+            <a:endCxn id="6" idx="6"/>
+          </p:cNvCxnSpPr>
+          <p:nvPr/>
+        </p:nvCxnSpPr>
+        <p:spPr>
+          <a:xfrm flipH="1">
+            <a:off x="1964174" y="2297717"/>
+            <a:ext cx="6149694" cy="944246"/>
+          </a:xfrm>
+          <a:prstGeom prst="line">
+            <a:avLst/>
+          </a:prstGeom>
+        </p:spPr>
+        <p:style>
+          <a:lnRef idx="1">
+            <a:schemeClr val="accent2"/>
+          </a:lnRef>
+          <a:fillRef idx="0">
+            <a:schemeClr val="accent2"/>
+          </a:fillRef>
+          <a:effectRef idx="0">
+            <a:schemeClr val="accent2"/>
+          </a:effectRef>
+          <a:fontRef idx="minor">
+            <a:schemeClr val="tx1"/>
+          </a:fontRef>
+        </p:style>
+      </p:cxnSp>
+      <p:sp>
+        <p:nvSpPr>
+          <p:cNvPr id="22" name="Овал 21"/>
+          <p:cNvSpPr/>
+          <p:nvPr/>
+        </p:nvSpPr>
+        <p:spPr>
+          <a:xfrm>
+            <a:off x="9133609" y="3241963"/>
+            <a:ext cx="820882" cy="644237"/>
+          </a:xfrm>
+          <a:prstGeom prst="ellipse">
+            <a:avLst/>
+          </a:prstGeom>
+        </p:spPr>
+        <p:style>
+          <a:lnRef idx="3">
+            <a:schemeClr val="lt1"/>
+          </a:lnRef>
+          <a:fillRef idx="1">
+            <a:schemeClr val="accent3"/>
+          </a:fillRef>
+          <a:effectRef idx="1">
+            <a:schemeClr val="accent3"/>
+          </a:effectRef>
+          <a:fontRef idx="minor">
+            <a:schemeClr val="lt1"/>
+          </a:fontRef>
+        </p:style>
+        <p:txBody>
+          <a:bodyPr rtlCol="0" anchor="ctr"/>
+          <a:lstStyle/>
+          <a:p>
+            <a:pPr algn="ctr"/>
+            <a:r>
+              <a:rPr lang="en-US" dirty="0" smtClean="0"/>
+              <a:t>126</a:t>
+            </a:r>
+            <a:endParaRPr lang="uk-UA" dirty="0"/>
+          </a:p>
+        </p:txBody>
+      </p:sp>
+      <p:cxnSp>
+        <p:nvCxnSpPr>
+          <p:cNvPr id="27" name="Прямая соединительная линия 26"/>
+          <p:cNvCxnSpPr>
+            <a:stCxn id="21" idx="5"/>
+            <a:endCxn id="22" idx="0"/>
+          </p:cNvCxnSpPr>
+          <p:nvPr/>
+        </p:nvCxnSpPr>
+        <p:spPr>
+          <a:xfrm>
+            <a:off x="8709014" y="2297717"/>
+            <a:ext cx="835036" cy="944246"/>
+          </a:xfrm>
+          <a:prstGeom prst="line">
+            <a:avLst/>
+          </a:prstGeom>
+        </p:spPr>
+        <p:style>
+          <a:lnRef idx="1">
+            <a:schemeClr val="accent2"/>
+          </a:lnRef>
+          <a:fillRef idx="0">
+            <a:schemeClr val="accent2"/>
+          </a:fillRef>
+          <a:effectRef idx="0">
+            <a:schemeClr val="accent2"/>
+          </a:effectRef>
+          <a:fontRef idx="minor">
+            <a:schemeClr val="tx1"/>
+          </a:fontRef>
+        </p:style>
+      </p:cxnSp>
+    </p:spTree>
+    <p:extLst>
+      <p:ext uri="{BB962C8B-B14F-4D97-AF65-F5344CB8AC3E}">
+        <p14:creationId xmlns:p14="http://schemas.microsoft.com/office/powerpoint/2010/main" val="3162759098"/>
+      </p:ext>
+    </p:extLst>
+  </p:cSld>
+  <p:clrMapOvr>
+    <a:masterClrMapping/>
+  </p:clrMapOvr>
+</p:sld>
+</file>
+
+<file path=ppt/slides/slide22.xml><?xml version="1.0" encoding="utf-8"?>
+<p:sld xmlns:a="http://schemas.openxmlformats.org/drawingml/2006/main" xmlns:r="http://schemas.openxmlformats.org/officeDocument/2006/relationships" xmlns:p="http://schemas.openxmlformats.org/presentationml/2006/main">
+  <p:cSld>
+    <p:spTree>
+      <p:nvGrpSpPr>
+        <p:cNvPr id="1" name=""/>
+        <p:cNvGrpSpPr/>
+        <p:nvPr/>
+      </p:nvGrpSpPr>
+      <p:grpSpPr>
+        <a:xfrm>
+          <a:off x="0" y="0"/>
+          <a:ext cx="0" cy="0"/>
+          <a:chOff x="0" y="0"/>
+          <a:chExt cx="0" cy="0"/>
+        </a:xfrm>
+      </p:grpSpPr>
+      <p:sp>
+        <p:nvSpPr>
+          <p:cNvPr id="2" name="Заголовок 1"/>
+          <p:cNvSpPr>
+            <a:spLocks noGrp="1"/>
+          </p:cNvSpPr>
+          <p:nvPr>
+            <p:ph type="title"/>
+          </p:nvPr>
+        </p:nvSpPr>
+        <p:spPr>
+          <a:xfrm>
+            <a:off x="646111" y="452718"/>
+            <a:ext cx="9404723" cy="739978"/>
+          </a:xfrm>
+        </p:spPr>
+        <p:txBody>
+          <a:bodyPr/>
+          <a:lstStyle/>
+          <a:p>
+            <a:r>
+              <a:rPr lang="ru-RU" dirty="0"/>
+              <a:t>Функция </a:t>
+            </a:r>
+            <a:r>
+              <a:rPr lang="en-US" dirty="0"/>
+              <a:t>contains</a:t>
+            </a:r>
+            <a:endParaRPr lang="uk-UA" dirty="0"/>
+          </a:p>
+        </p:txBody>
+      </p:sp>
+      <p:sp>
+        <p:nvSpPr>
+          <p:cNvPr id="3" name="Объект 2"/>
+          <p:cNvSpPr>
+            <a:spLocks noGrp="1"/>
+          </p:cNvSpPr>
+          <p:nvPr>
+            <p:ph idx="1"/>
+          </p:nvPr>
+        </p:nvSpPr>
+        <p:spPr>
+          <a:xfrm>
+            <a:off x="1103312" y="1338470"/>
+            <a:ext cx="9975505" cy="4909929"/>
+          </a:xfrm>
+        </p:spPr>
+        <p:txBody>
+          <a:bodyPr>
+            <a:normAutofit/>
+          </a:bodyPr>
+          <a:lstStyle/>
+          <a:p>
+            <a:r>
+              <a:rPr lang="ru-RU" sz="2400" dirty="0"/>
+              <a:t>Функция </a:t>
+            </a:r>
+            <a:r>
+              <a:rPr lang="en-US" sz="2400" dirty="0"/>
+              <a:t>contains </a:t>
+            </a:r>
+            <a:r>
+              <a:rPr lang="ru-RU" sz="2400" dirty="0"/>
+              <a:t>определяет находится ли узел с заданным значением в определенной версии дерева.</a:t>
+            </a:r>
+          </a:p>
+          <a:p>
+            <a:endParaRPr lang="uk-UA" sz="2400" dirty="0"/>
+          </a:p>
+        </p:txBody>
+      </p:sp>
+      <p:pic>
+        <p:nvPicPr>
+          <p:cNvPr id="4" name="Рисунок 3"/>
+          <p:cNvPicPr>
+            <a:picLocks noChangeAspect="1"/>
+          </p:cNvPicPr>
+          <p:nvPr/>
+        </p:nvPicPr>
+        <p:blipFill>
+          <a:blip r:embed="rId2"/>
+          <a:stretch>
+            <a:fillRect/>
+          </a:stretch>
+        </p:blipFill>
+        <p:spPr>
+          <a:xfrm>
+            <a:off x="3889643" y="2447046"/>
+            <a:ext cx="4383573" cy="3306640"/>
+          </a:xfrm>
+          <a:prstGeom prst="rect">
+            <a:avLst/>
+          </a:prstGeom>
+        </p:spPr>
+      </p:pic>
+    </p:spTree>
+    <p:extLst>
+      <p:ext uri="{BB962C8B-B14F-4D97-AF65-F5344CB8AC3E}">
+        <p14:creationId xmlns:p14="http://schemas.microsoft.com/office/powerpoint/2010/main" val="922082805"/>
+      </p:ext>
+    </p:extLst>
+  </p:cSld>
+  <p:clrMapOvr>
+    <a:masterClrMapping/>
+  </p:clrMapOvr>
+  <p:timing>
+    <p:tnLst>
+      <p:par>
+        <p:cTn id="1" dur="indefinite" restart="never" nodeType="tmRoot"/>
+      </p:par>
+    </p:tnLst>
+  </p:timing>
+</p:sld>
+</file>
+
+<file path=ppt/slides/slide23.xml><?xml version="1.0" encoding="utf-8"?>
+<p:sld xmlns:a="http://schemas.openxmlformats.org/drawingml/2006/main" xmlns:r="http://schemas.openxmlformats.org/officeDocument/2006/relationships" xmlns:p="http://schemas.openxmlformats.org/presentationml/2006/main">
+  <p:cSld>
+    <p:spTree>
+      <p:nvGrpSpPr>
+        <p:cNvPr id="1" name=""/>
+        <p:cNvGrpSpPr/>
+        <p:nvPr/>
+      </p:nvGrpSpPr>
+      <p:grpSpPr>
+        <a:xfrm>
+          <a:off x="0" y="0"/>
+          <a:ext cx="0" cy="0"/>
+          <a:chOff x="0" y="0"/>
+          <a:chExt cx="0" cy="0"/>
+        </a:xfrm>
+      </p:grpSpPr>
+      <p:sp>
+        <p:nvSpPr>
+          <p:cNvPr id="2" name="Заголовок 1"/>
+          <p:cNvSpPr>
+            <a:spLocks noGrp="1"/>
+          </p:cNvSpPr>
+          <p:nvPr>
+            <p:ph type="title"/>
+          </p:nvPr>
+        </p:nvSpPr>
+        <p:spPr>
+          <a:xfrm>
+            <a:off x="645130" y="161342"/>
+            <a:ext cx="9404723" cy="700221"/>
+          </a:xfrm>
+        </p:spPr>
+        <p:txBody>
+          <a:bodyPr/>
+          <a:lstStyle/>
+          <a:p>
+            <a:r>
+              <a:rPr lang="ru-RU" dirty="0"/>
+              <a:t>Тесты</a:t>
+            </a:r>
+            <a:endParaRPr lang="uk-UA" dirty="0"/>
+          </a:p>
+        </p:txBody>
+      </p:sp>
+      <p:pic>
+        <p:nvPicPr>
+          <p:cNvPr id="22" name="Рисунок 21"/>
+          <p:cNvPicPr>
+            <a:picLocks noChangeAspect="1"/>
+          </p:cNvPicPr>
+          <p:nvPr/>
+        </p:nvPicPr>
+        <p:blipFill>
+          <a:blip r:embed="rId2"/>
+          <a:stretch>
+            <a:fillRect/>
+          </a:stretch>
+        </p:blipFill>
+        <p:spPr>
+          <a:xfrm>
+            <a:off x="2837927" y="1063912"/>
+            <a:ext cx="1215988" cy="2253631"/>
+          </a:xfrm>
+          <a:prstGeom prst="rect">
+            <a:avLst/>
+          </a:prstGeom>
+        </p:spPr>
+      </p:pic>
+      <p:pic>
+        <p:nvPicPr>
+          <p:cNvPr id="28" name="Рисунок 27"/>
+          <p:cNvPicPr>
+            <a:picLocks noChangeAspect="1"/>
+          </p:cNvPicPr>
+          <p:nvPr/>
+        </p:nvPicPr>
+        <p:blipFill>
+          <a:blip r:embed="rId3"/>
+          <a:stretch>
+            <a:fillRect/>
+          </a:stretch>
+        </p:blipFill>
+        <p:spPr>
+          <a:xfrm>
+            <a:off x="4679768" y="997258"/>
+            <a:ext cx="1902189" cy="2309801"/>
+          </a:xfrm>
+          <a:prstGeom prst="rect">
+            <a:avLst/>
+          </a:prstGeom>
+        </p:spPr>
+      </p:pic>
+      <p:pic>
+        <p:nvPicPr>
+          <p:cNvPr id="32" name="Рисунок 31"/>
+          <p:cNvPicPr>
+            <a:picLocks noChangeAspect="1"/>
+          </p:cNvPicPr>
+          <p:nvPr/>
+        </p:nvPicPr>
+        <p:blipFill>
+          <a:blip r:embed="rId4"/>
+          <a:stretch>
+            <a:fillRect/>
+          </a:stretch>
+        </p:blipFill>
+        <p:spPr>
+          <a:xfrm>
+            <a:off x="2769646" y="3847066"/>
+            <a:ext cx="1288914" cy="1452297"/>
+          </a:xfrm>
+          <a:prstGeom prst="rect">
+            <a:avLst/>
+          </a:prstGeom>
+        </p:spPr>
+      </p:pic>
+      <p:pic>
+        <p:nvPicPr>
+          <p:cNvPr id="33" name="Рисунок 32"/>
+          <p:cNvPicPr>
+            <a:picLocks noChangeAspect="1"/>
+          </p:cNvPicPr>
+          <p:nvPr/>
+        </p:nvPicPr>
+        <p:blipFill>
+          <a:blip r:embed="rId5"/>
+          <a:stretch>
+            <a:fillRect/>
+          </a:stretch>
+        </p:blipFill>
+        <p:spPr>
+          <a:xfrm>
+            <a:off x="4679767" y="3847066"/>
+            <a:ext cx="1902189" cy="1743673"/>
+          </a:xfrm>
+          <a:prstGeom prst="rect">
+            <a:avLst/>
+          </a:prstGeom>
+        </p:spPr>
+      </p:pic>
+    </p:spTree>
+    <p:extLst>
+      <p:ext uri="{BB962C8B-B14F-4D97-AF65-F5344CB8AC3E}">
+        <p14:creationId xmlns:p14="http://schemas.microsoft.com/office/powerpoint/2010/main" val="1549359986"/>
+      </p:ext>
+    </p:extLst>
+  </p:cSld>
+  <p:clrMapOvr>
+    <a:masterClrMapping/>
+  </p:clrMapOvr>
+  <p:timing>
+    <p:tnLst>
+      <p:par>
+        <p:cTn id="1" dur="indefinite" restart="never" nodeType="tmRoot"/>
+      </p:par>
+    </p:tnLst>
+  </p:timing>
+</p:sld>
+</file>
+
+<file path=ppt/slides/slide24.xml><?xml version="1.0" encoding="utf-8"?>
+<p:sld xmlns:a="http://schemas.openxmlformats.org/drawingml/2006/main" xmlns:r="http://schemas.openxmlformats.org/officeDocument/2006/relationships" xmlns:p="http://schemas.openxmlformats.org/presentationml/2006/main">
+  <p:cSld>
+    <p:spTree>
+      <p:nvGrpSpPr>
+        <p:cNvPr id="1" name=""/>
+        <p:cNvGrpSpPr/>
+        <p:nvPr/>
+      </p:nvGrpSpPr>
+      <p:grpSpPr>
+        <a:xfrm>
+          <a:off x="0" y="0"/>
+          <a:ext cx="0" cy="0"/>
+          <a:chOff x="0" y="0"/>
+          <a:chExt cx="0" cy="0"/>
+        </a:xfrm>
+      </p:grpSpPr>
+      <p:sp>
+        <p:nvSpPr>
+          <p:cNvPr id="2" name="Заголовок 1"/>
+          <p:cNvSpPr>
+            <a:spLocks noGrp="1"/>
+          </p:cNvSpPr>
+          <p:nvPr>
+            <p:ph type="title"/>
+          </p:nvPr>
+        </p:nvSpPr>
+        <p:spPr>
+          <a:xfrm>
+            <a:off x="646111" y="452718"/>
+            <a:ext cx="9404723" cy="726725"/>
+          </a:xfrm>
+        </p:spPr>
+        <p:txBody>
+          <a:bodyPr/>
+          <a:lstStyle/>
+          <a:p>
+            <a:r>
+              <a:rPr lang="ru-RU" dirty="0"/>
+              <a:t>Асимптотика</a:t>
+            </a:r>
+            <a:endParaRPr lang="uk-UA" dirty="0"/>
+          </a:p>
+        </p:txBody>
+      </p:sp>
+      <p:sp>
+        <p:nvSpPr>
+          <p:cNvPr id="3" name="Объект 2"/>
+          <p:cNvSpPr>
+            <a:spLocks noGrp="1"/>
+          </p:cNvSpPr>
+          <p:nvPr>
+            <p:ph idx="1"/>
+          </p:nvPr>
+        </p:nvSpPr>
+        <p:spPr>
+          <a:xfrm>
+            <a:off x="1104293" y="1338470"/>
+            <a:ext cx="10001029" cy="5068956"/>
+          </a:xfrm>
+        </p:spPr>
+        <p:txBody>
+          <a:bodyPr>
+            <a:normAutofit/>
+          </a:bodyPr>
+          <a:lstStyle/>
+          <a:p>
+            <a:r>
+              <a:rPr lang="ru-RU" sz="2400" dirty="0" smtClean="0"/>
+              <a:t>Дл</a:t>
+            </a:r>
+            <a:r>
+              <a:rPr lang="ru-RU" sz="2400" dirty="0" smtClean="0"/>
+              <a:t>я несбалансированного персистентного дерева поиска:</a:t>
+            </a:r>
+          </a:p>
+          <a:p>
+            <a:pPr lvl="1"/>
+            <a:r>
+              <a:rPr lang="ru-RU" sz="2400" dirty="0"/>
+              <a:t>По времени для добавления и удаления: О(</a:t>
+            </a:r>
+            <a:r>
+              <a:rPr lang="en-US" sz="2400" dirty="0"/>
+              <a:t>n)</a:t>
+            </a:r>
+            <a:r>
+              <a:rPr lang="ru-RU" sz="2400" dirty="0"/>
+              <a:t>.</a:t>
+            </a:r>
+          </a:p>
+          <a:p>
+            <a:pPr lvl="1"/>
+            <a:r>
+              <a:rPr lang="ru-RU" sz="2400" dirty="0"/>
+              <a:t>По памяти : </a:t>
+            </a:r>
+            <a:r>
+              <a:rPr lang="en-US" sz="2400" dirty="0"/>
+              <a:t>O(K + K * </a:t>
+            </a:r>
+            <a:r>
+              <a:rPr lang="ru-RU" sz="2400" dirty="0"/>
+              <a:t>К</a:t>
+            </a:r>
+            <a:r>
+              <a:rPr lang="en-US" sz="2400" dirty="0"/>
+              <a:t>) (K – </a:t>
+            </a:r>
+            <a:r>
+              <a:rPr lang="ru-RU" sz="2400" dirty="0"/>
+              <a:t>количество запросов</a:t>
+            </a:r>
+            <a:r>
+              <a:rPr lang="ru-RU" sz="2400" dirty="0" smtClean="0"/>
+              <a:t>).</a:t>
+            </a:r>
+            <a:endParaRPr lang="ru-RU" sz="2200" dirty="0" smtClean="0"/>
+          </a:p>
+          <a:p>
+            <a:endParaRPr lang="ru-RU" sz="2400" dirty="0" smtClean="0"/>
+          </a:p>
+          <a:p>
+            <a:r>
+              <a:rPr lang="ru-RU" sz="2400" dirty="0" smtClean="0"/>
+              <a:t>Для сбалансированного </a:t>
+            </a:r>
+            <a:r>
+              <a:rPr lang="ru-RU" sz="2400" dirty="0"/>
+              <a:t>персистентного дерева поиска</a:t>
+            </a:r>
+            <a:r>
+              <a:rPr lang="ru-RU" sz="2400" dirty="0" smtClean="0"/>
+              <a:t>:</a:t>
+            </a:r>
+          </a:p>
+          <a:p>
+            <a:pPr lvl="1"/>
+            <a:r>
+              <a:rPr lang="ru-RU" sz="2200" dirty="0" smtClean="0"/>
+              <a:t>По </a:t>
+            </a:r>
+            <a:r>
+              <a:rPr lang="ru-RU" sz="2200" dirty="0"/>
+              <a:t>времени для добавления и удаления: О(</a:t>
+            </a:r>
+            <a:r>
+              <a:rPr lang="en-US" sz="2200" dirty="0"/>
+              <a:t>log n)</a:t>
+            </a:r>
+          </a:p>
+          <a:p>
+            <a:pPr lvl="1"/>
+            <a:r>
+              <a:rPr lang="ru-RU" sz="2200" dirty="0"/>
+              <a:t>По памяти : </a:t>
+            </a:r>
+            <a:r>
+              <a:rPr lang="en-US" sz="2200" dirty="0"/>
+              <a:t>O(K + K * log K) (K – </a:t>
+            </a:r>
+            <a:r>
+              <a:rPr lang="ru-RU" sz="2200" dirty="0"/>
+              <a:t>количество запросов</a:t>
+            </a:r>
+            <a:r>
+              <a:rPr lang="en-US" sz="2200" dirty="0"/>
+              <a:t>)</a:t>
+            </a:r>
+            <a:endParaRPr lang="uk-UA" sz="2200" dirty="0"/>
+          </a:p>
+        </p:txBody>
+      </p:sp>
+    </p:spTree>
+    <p:extLst>
+      <p:ext uri="{BB962C8B-B14F-4D97-AF65-F5344CB8AC3E}">
+        <p14:creationId xmlns:p14="http://schemas.microsoft.com/office/powerpoint/2010/main" val="3384172288"/>
       </p:ext>
     </p:extLst>
   </p:cSld>
@@ -7682,6 +14399,13 @@
   <p:clrMapOvr>
     <a:masterClrMapping/>
   </p:clrMapOvr>
+  <p:timing>
+    <p:tnLst>
+      <p:par>
+        <p:cTn id="1" dur="indefinite" restart="never" nodeType="tmRoot"/>
+      </p:par>
+    </p:tnLst>
+  </p:timing>
 </p:sld>
 </file>
 
@@ -7828,6 +14552,13 @@
   <p:clrMapOvr>
     <a:masterClrMapping/>
   </p:clrMapOvr>
+  <p:timing>
+    <p:tnLst>
+      <p:par>
+        <p:cTn id="1" dur="indefinite" restart="never" nodeType="tmRoot"/>
+      </p:par>
+    </p:tnLst>
+  </p:timing>
 </p:sld>
 </file>
 
@@ -8001,6 +14732,13 @@
   <p:clrMapOvr>
     <a:masterClrMapping/>
   </p:clrMapOvr>
+  <p:timing>
+    <p:tnLst>
+      <p:par>
+        <p:cTn id="1" dur="indefinite" restart="never" nodeType="tmRoot"/>
+      </p:par>
+    </p:tnLst>
+  </p:timing>
 </p:sld>
 </file>
 
@@ -8128,6 +14866,13 @@
   <p:clrMapOvr>
     <a:masterClrMapping/>
   </p:clrMapOvr>
+  <p:timing>
+    <p:tnLst>
+      <p:par>
+        <p:cTn id="1" dur="indefinite" restart="never" nodeType="tmRoot"/>
+      </p:par>
+    </p:tnLst>
+  </p:timing>
 </p:sld>
 </file>
 
@@ -8245,6 +14990,13 @@
   <p:clrMapOvr>
     <a:masterClrMapping/>
   </p:clrMapOvr>
+  <p:timing>
+    <p:tnLst>
+      <p:par>
+        <p:cTn id="1" dur="indefinite" restart="never" nodeType="tmRoot"/>
+      </p:par>
+    </p:tnLst>
+  </p:timing>
 </p:sld>
 </file>
 
@@ -8400,6 +15152,13 @@
   <p:clrMapOvr>
     <a:masterClrMapping/>
   </p:clrMapOvr>
+  <p:timing>
+    <p:tnLst>
+      <p:par>
+        <p:cTn id="1" dur="indefinite" restart="never" nodeType="tmRoot"/>
+      </p:par>
+    </p:tnLst>
+  </p:timing>
 </p:sld>
 </file>
 
@@ -8536,6 +15295,13 @@
   <p:clrMapOvr>
     <a:masterClrMapping/>
   </p:clrMapOvr>
+  <p:timing>
+    <p:tnLst>
+      <p:par>
+        <p:cTn id="1" dur="indefinite" restart="never" nodeType="tmRoot"/>
+      </p:par>
+    </p:tnLst>
+  </p:timing>
 </p:sld>
 </file>
 
